--- a/Slides/Cloud Computing Fundamentals.pptx
+++ b/Slides/Cloud Computing Fundamentals.pptx
@@ -116,6 +116,11 @@
       </a:defRPr>
     </a:lvl9pPr>
   </p:defaultTextStyle>
+  <p:extLst>
+    <p:ext uri="{EFAFB233-063F-42B5-8137-9DF3F51BA10A}">
+      <p15:sldGuideLst xmlns:p15="http://schemas.microsoft.com/office/powerpoint/2012/main"/>
+    </p:ext>
+  </p:extLst>
 </p:presentation>
 </file>
 
@@ -268,7 +273,7 @@
           <a:p>
             <a:fld id="{433EF8DA-81C9-48DB-9C1B-70F314538A8A}" type="datetimeFigureOut">
               <a:rPr lang="en-IN" smtClean="0"/>
-              <a:t>15-09-2022</a:t>
+              <a:t>16-09-2022</a:t>
             </a:fld>
             <a:endParaRPr lang="en-IN"/>
           </a:p>
@@ -468,7 +473,7 @@
           <a:p>
             <a:fld id="{433EF8DA-81C9-48DB-9C1B-70F314538A8A}" type="datetimeFigureOut">
               <a:rPr lang="en-IN" smtClean="0"/>
-              <a:t>15-09-2022</a:t>
+              <a:t>16-09-2022</a:t>
             </a:fld>
             <a:endParaRPr lang="en-IN"/>
           </a:p>
@@ -678,7 +683,7 @@
           <a:p>
             <a:fld id="{433EF8DA-81C9-48DB-9C1B-70F314538A8A}" type="datetimeFigureOut">
               <a:rPr lang="en-IN" smtClean="0"/>
-              <a:t>15-09-2022</a:t>
+              <a:t>16-09-2022</a:t>
             </a:fld>
             <a:endParaRPr lang="en-IN"/>
           </a:p>
@@ -878,7 +883,7 @@
           <a:p>
             <a:fld id="{433EF8DA-81C9-48DB-9C1B-70F314538A8A}" type="datetimeFigureOut">
               <a:rPr lang="en-IN" smtClean="0"/>
-              <a:t>15-09-2022</a:t>
+              <a:t>16-09-2022</a:t>
             </a:fld>
             <a:endParaRPr lang="en-IN"/>
           </a:p>
@@ -1154,7 +1159,7 @@
           <a:p>
             <a:fld id="{433EF8DA-81C9-48DB-9C1B-70F314538A8A}" type="datetimeFigureOut">
               <a:rPr lang="en-IN" smtClean="0"/>
-              <a:t>15-09-2022</a:t>
+              <a:t>16-09-2022</a:t>
             </a:fld>
             <a:endParaRPr lang="en-IN"/>
           </a:p>
@@ -1422,7 +1427,7 @@
           <a:p>
             <a:fld id="{433EF8DA-81C9-48DB-9C1B-70F314538A8A}" type="datetimeFigureOut">
               <a:rPr lang="en-IN" smtClean="0"/>
-              <a:t>15-09-2022</a:t>
+              <a:t>16-09-2022</a:t>
             </a:fld>
             <a:endParaRPr lang="en-IN"/>
           </a:p>
@@ -1837,7 +1842,7 @@
           <a:p>
             <a:fld id="{433EF8DA-81C9-48DB-9C1B-70F314538A8A}" type="datetimeFigureOut">
               <a:rPr lang="en-IN" smtClean="0"/>
-              <a:t>15-09-2022</a:t>
+              <a:t>16-09-2022</a:t>
             </a:fld>
             <a:endParaRPr lang="en-IN"/>
           </a:p>
@@ -1979,7 +1984,7 @@
           <a:p>
             <a:fld id="{433EF8DA-81C9-48DB-9C1B-70F314538A8A}" type="datetimeFigureOut">
               <a:rPr lang="en-IN" smtClean="0"/>
-              <a:t>15-09-2022</a:t>
+              <a:t>16-09-2022</a:t>
             </a:fld>
             <a:endParaRPr lang="en-IN"/>
           </a:p>
@@ -2092,7 +2097,7 @@
           <a:p>
             <a:fld id="{433EF8DA-81C9-48DB-9C1B-70F314538A8A}" type="datetimeFigureOut">
               <a:rPr lang="en-IN" smtClean="0"/>
-              <a:t>15-09-2022</a:t>
+              <a:t>16-09-2022</a:t>
             </a:fld>
             <a:endParaRPr lang="en-IN"/>
           </a:p>
@@ -2405,7 +2410,7 @@
           <a:p>
             <a:fld id="{433EF8DA-81C9-48DB-9C1B-70F314538A8A}" type="datetimeFigureOut">
               <a:rPr lang="en-IN" smtClean="0"/>
-              <a:t>15-09-2022</a:t>
+              <a:t>16-09-2022</a:t>
             </a:fld>
             <a:endParaRPr lang="en-IN"/>
           </a:p>
@@ -2694,7 +2699,7 @@
           <a:p>
             <a:fld id="{433EF8DA-81C9-48DB-9C1B-70F314538A8A}" type="datetimeFigureOut">
               <a:rPr lang="en-IN" smtClean="0"/>
-              <a:t>15-09-2022</a:t>
+              <a:t>16-09-2022</a:t>
             </a:fld>
             <a:endParaRPr lang="en-IN"/>
           </a:p>
@@ -2937,7 +2942,7 @@
           <a:p>
             <a:fld id="{433EF8DA-81C9-48DB-9C1B-70F314538A8A}" type="datetimeFigureOut">
               <a:rPr lang="en-IN" smtClean="0"/>
-              <a:t>15-09-2022</a:t>
+              <a:t>16-09-2022</a:t>
             </a:fld>
             <a:endParaRPr lang="en-IN"/>
           </a:p>

--- a/Slides/Cloud Computing Fundamentals.pptx
+++ b/Slides/Cloud Computing Fundamentals.pptx
@@ -273,7 +273,7 @@
           <a:p>
             <a:fld id="{433EF8DA-81C9-48DB-9C1B-70F314538A8A}" type="datetimeFigureOut">
               <a:rPr lang="en-IN" smtClean="0"/>
-              <a:t>16-09-2022</a:t>
+              <a:t>17-09-2022</a:t>
             </a:fld>
             <a:endParaRPr lang="en-IN"/>
           </a:p>
@@ -473,7 +473,7 @@
           <a:p>
             <a:fld id="{433EF8DA-81C9-48DB-9C1B-70F314538A8A}" type="datetimeFigureOut">
               <a:rPr lang="en-IN" smtClean="0"/>
-              <a:t>16-09-2022</a:t>
+              <a:t>17-09-2022</a:t>
             </a:fld>
             <a:endParaRPr lang="en-IN"/>
           </a:p>
@@ -683,7 +683,7 @@
           <a:p>
             <a:fld id="{433EF8DA-81C9-48DB-9C1B-70F314538A8A}" type="datetimeFigureOut">
               <a:rPr lang="en-IN" smtClean="0"/>
-              <a:t>16-09-2022</a:t>
+              <a:t>17-09-2022</a:t>
             </a:fld>
             <a:endParaRPr lang="en-IN"/>
           </a:p>
@@ -883,7 +883,7 @@
           <a:p>
             <a:fld id="{433EF8DA-81C9-48DB-9C1B-70F314538A8A}" type="datetimeFigureOut">
               <a:rPr lang="en-IN" smtClean="0"/>
-              <a:t>16-09-2022</a:t>
+              <a:t>17-09-2022</a:t>
             </a:fld>
             <a:endParaRPr lang="en-IN"/>
           </a:p>
@@ -1159,7 +1159,7 @@
           <a:p>
             <a:fld id="{433EF8DA-81C9-48DB-9C1B-70F314538A8A}" type="datetimeFigureOut">
               <a:rPr lang="en-IN" smtClean="0"/>
-              <a:t>16-09-2022</a:t>
+              <a:t>17-09-2022</a:t>
             </a:fld>
             <a:endParaRPr lang="en-IN"/>
           </a:p>
@@ -1427,7 +1427,7 @@
           <a:p>
             <a:fld id="{433EF8DA-81C9-48DB-9C1B-70F314538A8A}" type="datetimeFigureOut">
               <a:rPr lang="en-IN" smtClean="0"/>
-              <a:t>16-09-2022</a:t>
+              <a:t>17-09-2022</a:t>
             </a:fld>
             <a:endParaRPr lang="en-IN"/>
           </a:p>
@@ -1842,7 +1842,7 @@
           <a:p>
             <a:fld id="{433EF8DA-81C9-48DB-9C1B-70F314538A8A}" type="datetimeFigureOut">
               <a:rPr lang="en-IN" smtClean="0"/>
-              <a:t>16-09-2022</a:t>
+              <a:t>17-09-2022</a:t>
             </a:fld>
             <a:endParaRPr lang="en-IN"/>
           </a:p>
@@ -1984,7 +1984,7 @@
           <a:p>
             <a:fld id="{433EF8DA-81C9-48DB-9C1B-70F314538A8A}" type="datetimeFigureOut">
               <a:rPr lang="en-IN" smtClean="0"/>
-              <a:t>16-09-2022</a:t>
+              <a:t>17-09-2022</a:t>
             </a:fld>
             <a:endParaRPr lang="en-IN"/>
           </a:p>
@@ -2097,7 +2097,7 @@
           <a:p>
             <a:fld id="{433EF8DA-81C9-48DB-9C1B-70F314538A8A}" type="datetimeFigureOut">
               <a:rPr lang="en-IN" smtClean="0"/>
-              <a:t>16-09-2022</a:t>
+              <a:t>17-09-2022</a:t>
             </a:fld>
             <a:endParaRPr lang="en-IN"/>
           </a:p>
@@ -2410,7 +2410,7 @@
           <a:p>
             <a:fld id="{433EF8DA-81C9-48DB-9C1B-70F314538A8A}" type="datetimeFigureOut">
               <a:rPr lang="en-IN" smtClean="0"/>
-              <a:t>16-09-2022</a:t>
+              <a:t>17-09-2022</a:t>
             </a:fld>
             <a:endParaRPr lang="en-IN"/>
           </a:p>
@@ -2699,7 +2699,7 @@
           <a:p>
             <a:fld id="{433EF8DA-81C9-48DB-9C1B-70F314538A8A}" type="datetimeFigureOut">
               <a:rPr lang="en-IN" smtClean="0"/>
-              <a:t>16-09-2022</a:t>
+              <a:t>17-09-2022</a:t>
             </a:fld>
             <a:endParaRPr lang="en-IN"/>
           </a:p>
@@ -2942,7 +2942,7 @@
           <a:p>
             <a:fld id="{433EF8DA-81C9-48DB-9C1B-70F314538A8A}" type="datetimeFigureOut">
               <a:rPr lang="en-IN" smtClean="0"/>
-              <a:t>16-09-2022</a:t>
+              <a:t>17-09-2022</a:t>
             </a:fld>
             <a:endParaRPr lang="en-IN"/>
           </a:p>

--- a/Slides/Cloud Computing Fundamentals.pptx
+++ b/Slides/Cloud Computing Fundamentals.pptx
@@ -3,21 +3,38 @@
 <p:presentation xmlns:a="http://schemas.openxmlformats.org/drawingml/2006/main" xmlns:r="http://schemas.openxmlformats.org/officeDocument/2006/relationships" xmlns:p="http://schemas.openxmlformats.org/presentationml/2006/main" saveSubsetFonts="1">
   <p:sldMasterIdLst>
     <p:sldMasterId id="2147483648" r:id="rId1"/>
+    <p:sldMasterId id="2147483660" r:id="rId2"/>
   </p:sldMasterIdLst>
   <p:sldIdLst>
-    <p:sldId id="256" r:id="rId2"/>
-    <p:sldId id="257" r:id="rId3"/>
-    <p:sldId id="258" r:id="rId4"/>
-    <p:sldId id="259" r:id="rId5"/>
-    <p:sldId id="260" r:id="rId6"/>
-    <p:sldId id="261" r:id="rId7"/>
-    <p:sldId id="262" r:id="rId8"/>
-    <p:sldId id="263" r:id="rId9"/>
-    <p:sldId id="264" r:id="rId10"/>
-    <p:sldId id="265" r:id="rId11"/>
-    <p:sldId id="266" r:id="rId12"/>
-    <p:sldId id="267" r:id="rId13"/>
-    <p:sldId id="268" r:id="rId14"/>
+    <p:sldId id="256" r:id="rId3"/>
+    <p:sldId id="257" r:id="rId4"/>
+    <p:sldId id="258" r:id="rId5"/>
+    <p:sldId id="259" r:id="rId6"/>
+    <p:sldId id="260" r:id="rId7"/>
+    <p:sldId id="261" r:id="rId8"/>
+    <p:sldId id="262" r:id="rId9"/>
+    <p:sldId id="263" r:id="rId10"/>
+    <p:sldId id="264" r:id="rId11"/>
+    <p:sldId id="265" r:id="rId12"/>
+    <p:sldId id="266" r:id="rId13"/>
+    <p:sldId id="267" r:id="rId14"/>
+    <p:sldId id="268" r:id="rId15"/>
+    <p:sldId id="284" r:id="rId16"/>
+    <p:sldId id="269" r:id="rId17"/>
+    <p:sldId id="270" r:id="rId18"/>
+    <p:sldId id="271" r:id="rId19"/>
+    <p:sldId id="272" r:id="rId20"/>
+    <p:sldId id="273" r:id="rId21"/>
+    <p:sldId id="274" r:id="rId22"/>
+    <p:sldId id="275" r:id="rId23"/>
+    <p:sldId id="282" r:id="rId24"/>
+    <p:sldId id="277" r:id="rId25"/>
+    <p:sldId id="278" r:id="rId26"/>
+    <p:sldId id="279" r:id="rId27"/>
+    <p:sldId id="280" r:id="rId28"/>
+    <p:sldId id="283" r:id="rId29"/>
+    <p:sldId id="281" r:id="rId30"/>
+    <p:sldId id="276" r:id="rId31"/>
   </p:sldIdLst>
   <p:sldSz cx="12192000" cy="6858000"/>
   <p:notesSz cx="6858000" cy="9144000"/>
@@ -273,7 +290,7 @@
           <a:p>
             <a:fld id="{433EF8DA-81C9-48DB-9C1B-70F314538A8A}" type="datetimeFigureOut">
               <a:rPr lang="en-IN" smtClean="0"/>
-              <a:t>17-09-2022</a:t>
+              <a:t>18-09-2022</a:t>
             </a:fld>
             <a:endParaRPr lang="en-IN"/>
           </a:p>
@@ -473,7 +490,7 @@
           <a:p>
             <a:fld id="{433EF8DA-81C9-48DB-9C1B-70F314538A8A}" type="datetimeFigureOut">
               <a:rPr lang="en-IN" smtClean="0"/>
-              <a:t>17-09-2022</a:t>
+              <a:t>18-09-2022</a:t>
             </a:fld>
             <a:endParaRPr lang="en-IN"/>
           </a:p>
@@ -683,7 +700,7 @@
           <a:p>
             <a:fld id="{433EF8DA-81C9-48DB-9C1B-70F314538A8A}" type="datetimeFigureOut">
               <a:rPr lang="en-IN" smtClean="0"/>
-              <a:t>17-09-2022</a:t>
+              <a:t>18-09-2022</a:t>
             </a:fld>
             <a:endParaRPr lang="en-IN"/>
           </a:p>
@@ -747,6 +764,2162 @@
     <p:extLst>
       <p:ext uri="{BB962C8B-B14F-4D97-AF65-F5344CB8AC3E}">
         <p14:creationId xmlns:p14="http://schemas.microsoft.com/office/powerpoint/2010/main" val="1548467058"/>
+      </p:ext>
+    </p:extLst>
+  </p:cSld>
+  <p:clrMapOvr>
+    <a:masterClrMapping/>
+  </p:clrMapOvr>
+</p:sldLayout>
+</file>
+
+<file path=ppt/slideLayouts/slideLayout12.xml><?xml version="1.0" encoding="utf-8"?>
+<p:sldLayout xmlns:a="http://schemas.openxmlformats.org/drawingml/2006/main" xmlns:r="http://schemas.openxmlformats.org/officeDocument/2006/relationships" xmlns:p="http://schemas.openxmlformats.org/presentationml/2006/main" showMasterSp="0" type="title" preserve="1">
+  <p:cSld name="Title Slide">
+    <p:spTree>
+      <p:nvGrpSpPr>
+        <p:cNvPr id="1" name=""/>
+        <p:cNvGrpSpPr/>
+        <p:nvPr/>
+      </p:nvGrpSpPr>
+      <p:grpSpPr>
+        <a:xfrm>
+          <a:off x="0" y="0"/>
+          <a:ext cx="0" cy="0"/>
+          <a:chOff x="0" y="0"/>
+          <a:chExt cx="0" cy="0"/>
+        </a:xfrm>
+      </p:grpSpPr>
+      <p:sp>
+        <p:nvSpPr>
+          <p:cNvPr id="7" name="Rectangle 6"/>
+          <p:cNvSpPr/>
+          <p:nvPr/>
+        </p:nvSpPr>
+        <p:spPr>
+          <a:xfrm>
+            <a:off x="1" y="6400800"/>
+            <a:ext cx="12192000" cy="457200"/>
+          </a:xfrm>
+          <a:prstGeom prst="rect">
+            <a:avLst/>
+          </a:prstGeom>
+          <a:solidFill>
+            <a:schemeClr val="accent2"/>
+          </a:solidFill>
+          <a:ln>
+            <a:noFill/>
+          </a:ln>
+        </p:spPr>
+        <p:style>
+          <a:lnRef idx="2">
+            <a:schemeClr val="accent1">
+              <a:shade val="50000"/>
+            </a:schemeClr>
+          </a:lnRef>
+          <a:fillRef idx="1">
+            <a:schemeClr val="accent1"/>
+          </a:fillRef>
+          <a:effectRef idx="0">
+            <a:schemeClr val="accent1"/>
+          </a:effectRef>
+          <a:fontRef idx="minor">
+            <a:schemeClr val="lt1"/>
+          </a:fontRef>
+        </p:style>
+      </p:sp>
+      <p:sp>
+        <p:nvSpPr>
+          <p:cNvPr id="8" name="Rectangle 7"/>
+          <p:cNvSpPr/>
+          <p:nvPr/>
+        </p:nvSpPr>
+        <p:spPr>
+          <a:xfrm>
+            <a:off x="1" y="6334316"/>
+            <a:ext cx="12192000" cy="66484"/>
+          </a:xfrm>
+          <a:prstGeom prst="rect">
+            <a:avLst/>
+          </a:prstGeom>
+          <a:solidFill>
+            <a:schemeClr val="accent1"/>
+          </a:solidFill>
+          <a:ln>
+            <a:noFill/>
+          </a:ln>
+        </p:spPr>
+        <p:style>
+          <a:lnRef idx="2">
+            <a:schemeClr val="accent1">
+              <a:shade val="50000"/>
+            </a:schemeClr>
+          </a:lnRef>
+          <a:fillRef idx="1">
+            <a:schemeClr val="accent1"/>
+          </a:fillRef>
+          <a:effectRef idx="0">
+            <a:schemeClr val="accent1"/>
+          </a:effectRef>
+          <a:fontRef idx="minor">
+            <a:schemeClr val="lt1"/>
+          </a:fontRef>
+        </p:style>
+      </p:sp>
+      <p:sp>
+        <p:nvSpPr>
+          <p:cNvPr id="2" name="Title 1"/>
+          <p:cNvSpPr>
+            <a:spLocks noGrp="1"/>
+          </p:cNvSpPr>
+          <p:nvPr>
+            <p:ph type="ctrTitle"/>
+          </p:nvPr>
+        </p:nvSpPr>
+        <p:spPr>
+          <a:xfrm>
+            <a:off x="1097280" y="758952"/>
+            <a:ext cx="10058400" cy="3566160"/>
+          </a:xfrm>
+        </p:spPr>
+        <p:txBody>
+          <a:bodyPr anchor="b">
+            <a:normAutofit/>
+          </a:bodyPr>
+          <a:lstStyle>
+            <a:lvl1pPr algn="l">
+              <a:lnSpc>
+                <a:spcPct val="85000"/>
+              </a:lnSpc>
+              <a:defRPr sz="8000" spc="-50" baseline="0">
+                <a:solidFill>
+                  <a:schemeClr val="tx1">
+                    <a:lumMod val="85000"/>
+                    <a:lumOff val="15000"/>
+                  </a:schemeClr>
+                </a:solidFill>
+              </a:defRPr>
+            </a:lvl1pPr>
+          </a:lstStyle>
+          <a:p>
+            <a:r>
+              <a:rPr lang="en-US"/>
+              <a:t>Click to edit Master title style</a:t>
+            </a:r>
+            <a:endParaRPr lang="en-US" dirty="0"/>
+          </a:p>
+        </p:txBody>
+      </p:sp>
+      <p:sp>
+        <p:nvSpPr>
+          <p:cNvPr id="3" name="Subtitle 2"/>
+          <p:cNvSpPr>
+            <a:spLocks noGrp="1"/>
+          </p:cNvSpPr>
+          <p:nvPr>
+            <p:ph type="subTitle" idx="1"/>
+          </p:nvPr>
+        </p:nvSpPr>
+        <p:spPr>
+          <a:xfrm>
+            <a:off x="1100051" y="4455621"/>
+            <a:ext cx="10058400" cy="1143000"/>
+          </a:xfrm>
+        </p:spPr>
+        <p:txBody>
+          <a:bodyPr lIns="91440" rIns="91440">
+            <a:normAutofit/>
+          </a:bodyPr>
+          <a:lstStyle>
+            <a:lvl1pPr marL="0" indent="0" algn="l">
+              <a:buNone/>
+              <a:defRPr sz="2400" cap="all" spc="200" baseline="0">
+                <a:solidFill>
+                  <a:schemeClr val="tx2"/>
+                </a:solidFill>
+                <a:latin typeface="+mj-lt"/>
+              </a:defRPr>
+            </a:lvl1pPr>
+            <a:lvl2pPr marL="457200" indent="0" algn="ctr">
+              <a:buNone/>
+              <a:defRPr sz="2400"/>
+            </a:lvl2pPr>
+            <a:lvl3pPr marL="914400" indent="0" algn="ctr">
+              <a:buNone/>
+              <a:defRPr sz="2400"/>
+            </a:lvl3pPr>
+            <a:lvl4pPr marL="1371600" indent="0" algn="ctr">
+              <a:buNone/>
+              <a:defRPr sz="2000"/>
+            </a:lvl4pPr>
+            <a:lvl5pPr marL="1828800" indent="0" algn="ctr">
+              <a:buNone/>
+              <a:defRPr sz="2000"/>
+            </a:lvl5pPr>
+            <a:lvl6pPr marL="2286000" indent="0" algn="ctr">
+              <a:buNone/>
+              <a:defRPr sz="2000"/>
+            </a:lvl6pPr>
+            <a:lvl7pPr marL="2743200" indent="0" algn="ctr">
+              <a:buNone/>
+              <a:defRPr sz="2000"/>
+            </a:lvl7pPr>
+            <a:lvl8pPr marL="3200400" indent="0" algn="ctr">
+              <a:buNone/>
+              <a:defRPr sz="2000"/>
+            </a:lvl8pPr>
+            <a:lvl9pPr marL="3657600" indent="0" algn="ctr">
+              <a:buNone/>
+              <a:defRPr sz="2000"/>
+            </a:lvl9pPr>
+          </a:lstStyle>
+          <a:p>
+            <a:r>
+              <a:rPr lang="en-US"/>
+              <a:t>Click to edit Master subtitle style</a:t>
+            </a:r>
+            <a:endParaRPr lang="en-US" dirty="0"/>
+          </a:p>
+        </p:txBody>
+      </p:sp>
+      <p:sp>
+        <p:nvSpPr>
+          <p:cNvPr id="4" name="Date Placeholder 3"/>
+          <p:cNvSpPr>
+            <a:spLocks noGrp="1"/>
+          </p:cNvSpPr>
+          <p:nvPr>
+            <p:ph type="dt" sz="half" idx="10"/>
+          </p:nvPr>
+        </p:nvSpPr>
+        <p:spPr/>
+        <p:txBody>
+          <a:bodyPr/>
+          <a:lstStyle/>
+          <a:p>
+            <a:fld id="{7D0BE9EC-3994-4E60-BF0C-653179C96710}" type="datetimeFigureOut">
+              <a:rPr lang="en-US" smtClean="0"/>
+              <a:t>9/18/2022</a:t>
+            </a:fld>
+            <a:endParaRPr lang="en-US"/>
+          </a:p>
+        </p:txBody>
+      </p:sp>
+      <p:sp>
+        <p:nvSpPr>
+          <p:cNvPr id="5" name="Footer Placeholder 4"/>
+          <p:cNvSpPr>
+            <a:spLocks noGrp="1"/>
+          </p:cNvSpPr>
+          <p:nvPr>
+            <p:ph type="ftr" sz="quarter" idx="11"/>
+          </p:nvPr>
+        </p:nvSpPr>
+        <p:spPr/>
+        <p:txBody>
+          <a:bodyPr/>
+          <a:lstStyle/>
+          <a:p>
+            <a:endParaRPr lang="en-US"/>
+          </a:p>
+        </p:txBody>
+      </p:sp>
+      <p:sp>
+        <p:nvSpPr>
+          <p:cNvPr id="6" name="Slide Number Placeholder 5"/>
+          <p:cNvSpPr>
+            <a:spLocks noGrp="1"/>
+          </p:cNvSpPr>
+          <p:nvPr>
+            <p:ph type="sldNum" sz="quarter" idx="12"/>
+          </p:nvPr>
+        </p:nvSpPr>
+        <p:spPr/>
+        <p:txBody>
+          <a:bodyPr/>
+          <a:lstStyle/>
+          <a:p>
+            <a:fld id="{71DF6F05-ED68-4774-83B5-727FD9EC65D0}" type="slidenum">
+              <a:rPr lang="en-US" smtClean="0"/>
+              <a:t>‹#›</a:t>
+            </a:fld>
+            <a:endParaRPr lang="en-US"/>
+          </a:p>
+        </p:txBody>
+      </p:sp>
+      <p:cxnSp>
+        <p:nvCxnSpPr>
+          <p:cNvPr id="9" name="Straight Connector 8"/>
+          <p:cNvCxnSpPr/>
+          <p:nvPr/>
+        </p:nvCxnSpPr>
+        <p:spPr>
+          <a:xfrm>
+            <a:off x="1207658" y="4343400"/>
+            <a:ext cx="9875520" cy="0"/>
+          </a:xfrm>
+          <a:prstGeom prst="line">
+            <a:avLst/>
+          </a:prstGeom>
+          <a:ln w="6350">
+            <a:solidFill>
+              <a:schemeClr val="tx1">
+                <a:lumMod val="50000"/>
+                <a:lumOff val="50000"/>
+              </a:schemeClr>
+            </a:solidFill>
+          </a:ln>
+        </p:spPr>
+        <p:style>
+          <a:lnRef idx="1">
+            <a:schemeClr val="accent1"/>
+          </a:lnRef>
+          <a:fillRef idx="0">
+            <a:schemeClr val="accent1"/>
+          </a:fillRef>
+          <a:effectRef idx="0">
+            <a:schemeClr val="accent1"/>
+          </a:effectRef>
+          <a:fontRef idx="minor">
+            <a:schemeClr val="tx1"/>
+          </a:fontRef>
+        </p:style>
+      </p:cxnSp>
+    </p:spTree>
+    <p:extLst>
+      <p:ext uri="{BB962C8B-B14F-4D97-AF65-F5344CB8AC3E}">
+        <p14:creationId xmlns:p14="http://schemas.microsoft.com/office/powerpoint/2010/main" val="2327512764"/>
+      </p:ext>
+    </p:extLst>
+  </p:cSld>
+  <p:clrMapOvr>
+    <a:masterClrMapping/>
+  </p:clrMapOvr>
+</p:sldLayout>
+</file>
+
+<file path=ppt/slideLayouts/slideLayout13.xml><?xml version="1.0" encoding="utf-8"?>
+<p:sldLayout xmlns:a="http://schemas.openxmlformats.org/drawingml/2006/main" xmlns:r="http://schemas.openxmlformats.org/officeDocument/2006/relationships" xmlns:p="http://schemas.openxmlformats.org/presentationml/2006/main" type="obj" preserve="1">
+  <p:cSld name="Title and Content">
+    <p:spTree>
+      <p:nvGrpSpPr>
+        <p:cNvPr id="1" name=""/>
+        <p:cNvGrpSpPr/>
+        <p:nvPr/>
+      </p:nvGrpSpPr>
+      <p:grpSpPr>
+        <a:xfrm>
+          <a:off x="0" y="0"/>
+          <a:ext cx="0" cy="0"/>
+          <a:chOff x="0" y="0"/>
+          <a:chExt cx="0" cy="0"/>
+        </a:xfrm>
+      </p:grpSpPr>
+      <p:sp>
+        <p:nvSpPr>
+          <p:cNvPr id="2" name="Title 1"/>
+          <p:cNvSpPr>
+            <a:spLocks noGrp="1"/>
+          </p:cNvSpPr>
+          <p:nvPr>
+            <p:ph type="title"/>
+          </p:nvPr>
+        </p:nvSpPr>
+        <p:spPr/>
+        <p:txBody>
+          <a:bodyPr/>
+          <a:lstStyle/>
+          <a:p>
+            <a:r>
+              <a:rPr lang="en-US"/>
+              <a:t>Click to edit Master title style</a:t>
+            </a:r>
+            <a:endParaRPr lang="en-US" dirty="0"/>
+          </a:p>
+        </p:txBody>
+      </p:sp>
+      <p:sp>
+        <p:nvSpPr>
+          <p:cNvPr id="3" name="Content Placeholder 2"/>
+          <p:cNvSpPr>
+            <a:spLocks noGrp="1"/>
+          </p:cNvSpPr>
+          <p:nvPr>
+            <p:ph idx="1"/>
+          </p:nvPr>
+        </p:nvSpPr>
+        <p:spPr/>
+        <p:txBody>
+          <a:bodyPr/>
+          <a:lstStyle/>
+          <a:p>
+            <a:pPr lvl="0"/>
+            <a:r>
+              <a:rPr lang="en-US"/>
+              <a:t>Click to edit Master text styles</a:t>
+            </a:r>
+          </a:p>
+          <a:p>
+            <a:pPr lvl="1"/>
+            <a:r>
+              <a:rPr lang="en-US"/>
+              <a:t>Second level</a:t>
+            </a:r>
+          </a:p>
+          <a:p>
+            <a:pPr lvl="2"/>
+            <a:r>
+              <a:rPr lang="en-US"/>
+              <a:t>Third level</a:t>
+            </a:r>
+          </a:p>
+          <a:p>
+            <a:pPr lvl="3"/>
+            <a:r>
+              <a:rPr lang="en-US"/>
+              <a:t>Fourth level</a:t>
+            </a:r>
+          </a:p>
+          <a:p>
+            <a:pPr lvl="4"/>
+            <a:r>
+              <a:rPr lang="en-US"/>
+              <a:t>Fifth level</a:t>
+            </a:r>
+            <a:endParaRPr lang="en-US" dirty="0"/>
+          </a:p>
+        </p:txBody>
+      </p:sp>
+      <p:sp>
+        <p:nvSpPr>
+          <p:cNvPr id="4" name="Date Placeholder 3"/>
+          <p:cNvSpPr>
+            <a:spLocks noGrp="1"/>
+          </p:cNvSpPr>
+          <p:nvPr>
+            <p:ph type="dt" sz="half" idx="10"/>
+          </p:nvPr>
+        </p:nvSpPr>
+        <p:spPr/>
+        <p:txBody>
+          <a:bodyPr/>
+          <a:lstStyle/>
+          <a:p>
+            <a:fld id="{7D0BE9EC-3994-4E60-BF0C-653179C96710}" type="datetimeFigureOut">
+              <a:rPr lang="en-US" smtClean="0"/>
+              <a:t>9/18/2022</a:t>
+            </a:fld>
+            <a:endParaRPr lang="en-US"/>
+          </a:p>
+        </p:txBody>
+      </p:sp>
+      <p:sp>
+        <p:nvSpPr>
+          <p:cNvPr id="5" name="Footer Placeholder 4"/>
+          <p:cNvSpPr>
+            <a:spLocks noGrp="1"/>
+          </p:cNvSpPr>
+          <p:nvPr>
+            <p:ph type="ftr" sz="quarter" idx="11"/>
+          </p:nvPr>
+        </p:nvSpPr>
+        <p:spPr/>
+        <p:txBody>
+          <a:bodyPr/>
+          <a:lstStyle/>
+          <a:p>
+            <a:endParaRPr lang="en-US"/>
+          </a:p>
+        </p:txBody>
+      </p:sp>
+      <p:sp>
+        <p:nvSpPr>
+          <p:cNvPr id="6" name="Slide Number Placeholder 5"/>
+          <p:cNvSpPr>
+            <a:spLocks noGrp="1"/>
+          </p:cNvSpPr>
+          <p:nvPr>
+            <p:ph type="sldNum" sz="quarter" idx="12"/>
+          </p:nvPr>
+        </p:nvSpPr>
+        <p:spPr/>
+        <p:txBody>
+          <a:bodyPr/>
+          <a:lstStyle/>
+          <a:p>
+            <a:fld id="{71DF6F05-ED68-4774-83B5-727FD9EC65D0}" type="slidenum">
+              <a:rPr lang="en-US" smtClean="0"/>
+              <a:t>‹#›</a:t>
+            </a:fld>
+            <a:endParaRPr lang="en-US"/>
+          </a:p>
+        </p:txBody>
+      </p:sp>
+    </p:spTree>
+    <p:extLst>
+      <p:ext uri="{BB962C8B-B14F-4D97-AF65-F5344CB8AC3E}">
+        <p14:creationId xmlns:p14="http://schemas.microsoft.com/office/powerpoint/2010/main" val="1103382584"/>
+      </p:ext>
+    </p:extLst>
+  </p:cSld>
+  <p:clrMapOvr>
+    <a:masterClrMapping/>
+  </p:clrMapOvr>
+</p:sldLayout>
+</file>
+
+<file path=ppt/slideLayouts/slideLayout14.xml><?xml version="1.0" encoding="utf-8"?>
+<p:sldLayout xmlns:a="http://schemas.openxmlformats.org/drawingml/2006/main" xmlns:r="http://schemas.openxmlformats.org/officeDocument/2006/relationships" xmlns:p="http://schemas.openxmlformats.org/presentationml/2006/main" showMasterSp="0" type="secHead" preserve="1">
+  <p:cSld name="Section Header">
+    <p:bg>
+      <p:bgPr>
+        <a:solidFill>
+          <a:schemeClr val="bg1"/>
+        </a:solidFill>
+        <a:effectLst/>
+      </p:bgPr>
+    </p:bg>
+    <p:spTree>
+      <p:nvGrpSpPr>
+        <p:cNvPr id="1" name=""/>
+        <p:cNvGrpSpPr/>
+        <p:nvPr/>
+      </p:nvGrpSpPr>
+      <p:grpSpPr>
+        <a:xfrm>
+          <a:off x="0" y="0"/>
+          <a:ext cx="0" cy="0"/>
+          <a:chOff x="0" y="0"/>
+          <a:chExt cx="0" cy="0"/>
+        </a:xfrm>
+      </p:grpSpPr>
+      <p:sp>
+        <p:nvSpPr>
+          <p:cNvPr id="7" name="Rectangle 6"/>
+          <p:cNvSpPr/>
+          <p:nvPr/>
+        </p:nvSpPr>
+        <p:spPr>
+          <a:xfrm>
+            <a:off x="3175" y="6400800"/>
+            <a:ext cx="12188825" cy="457200"/>
+          </a:xfrm>
+          <a:prstGeom prst="rect">
+            <a:avLst/>
+          </a:prstGeom>
+          <a:solidFill>
+            <a:schemeClr val="accent2"/>
+          </a:solidFill>
+          <a:ln>
+            <a:noFill/>
+          </a:ln>
+        </p:spPr>
+        <p:style>
+          <a:lnRef idx="2">
+            <a:schemeClr val="accent1">
+              <a:shade val="50000"/>
+            </a:schemeClr>
+          </a:lnRef>
+          <a:fillRef idx="1">
+            <a:schemeClr val="accent1"/>
+          </a:fillRef>
+          <a:effectRef idx="0">
+            <a:schemeClr val="accent1"/>
+          </a:effectRef>
+          <a:fontRef idx="minor">
+            <a:schemeClr val="lt1"/>
+          </a:fontRef>
+        </p:style>
+      </p:sp>
+      <p:sp>
+        <p:nvSpPr>
+          <p:cNvPr id="8" name="Rectangle 7"/>
+          <p:cNvSpPr/>
+          <p:nvPr/>
+        </p:nvSpPr>
+        <p:spPr>
+          <a:xfrm>
+            <a:off x="15" y="6334316"/>
+            <a:ext cx="12188825" cy="64008"/>
+          </a:xfrm>
+          <a:prstGeom prst="rect">
+            <a:avLst/>
+          </a:prstGeom>
+          <a:solidFill>
+            <a:schemeClr val="accent1"/>
+          </a:solidFill>
+          <a:ln>
+            <a:noFill/>
+          </a:ln>
+        </p:spPr>
+        <p:style>
+          <a:lnRef idx="2">
+            <a:schemeClr val="accent1">
+              <a:shade val="50000"/>
+            </a:schemeClr>
+          </a:lnRef>
+          <a:fillRef idx="1">
+            <a:schemeClr val="accent1"/>
+          </a:fillRef>
+          <a:effectRef idx="0">
+            <a:schemeClr val="accent1"/>
+          </a:effectRef>
+          <a:fontRef idx="minor">
+            <a:schemeClr val="lt1"/>
+          </a:fontRef>
+        </p:style>
+      </p:sp>
+      <p:sp>
+        <p:nvSpPr>
+          <p:cNvPr id="2" name="Title 1"/>
+          <p:cNvSpPr>
+            <a:spLocks noGrp="1"/>
+          </p:cNvSpPr>
+          <p:nvPr>
+            <p:ph type="title"/>
+          </p:nvPr>
+        </p:nvSpPr>
+        <p:spPr>
+          <a:xfrm>
+            <a:off x="1097280" y="758952"/>
+            <a:ext cx="10058400" cy="3566160"/>
+          </a:xfrm>
+        </p:spPr>
+        <p:txBody>
+          <a:bodyPr anchor="b" anchorCtr="0">
+            <a:normAutofit/>
+          </a:bodyPr>
+          <a:lstStyle>
+            <a:lvl1pPr>
+              <a:lnSpc>
+                <a:spcPct val="85000"/>
+              </a:lnSpc>
+              <a:defRPr sz="8000" b="0">
+                <a:solidFill>
+                  <a:schemeClr val="tx1">
+                    <a:lumMod val="85000"/>
+                    <a:lumOff val="15000"/>
+                  </a:schemeClr>
+                </a:solidFill>
+              </a:defRPr>
+            </a:lvl1pPr>
+          </a:lstStyle>
+          <a:p>
+            <a:r>
+              <a:rPr lang="en-US"/>
+              <a:t>Click to edit Master title style</a:t>
+            </a:r>
+            <a:endParaRPr lang="en-US" dirty="0"/>
+          </a:p>
+        </p:txBody>
+      </p:sp>
+      <p:sp>
+        <p:nvSpPr>
+          <p:cNvPr id="3" name="Text Placeholder 2"/>
+          <p:cNvSpPr>
+            <a:spLocks noGrp="1"/>
+          </p:cNvSpPr>
+          <p:nvPr>
+            <p:ph type="body" idx="1"/>
+          </p:nvPr>
+        </p:nvSpPr>
+        <p:spPr>
+          <a:xfrm>
+            <a:off x="1097280" y="4453128"/>
+            <a:ext cx="10058400" cy="1143000"/>
+          </a:xfrm>
+        </p:spPr>
+        <p:txBody>
+          <a:bodyPr lIns="91440" rIns="91440" anchor="t" anchorCtr="0">
+            <a:normAutofit/>
+          </a:bodyPr>
+          <a:lstStyle>
+            <a:lvl1pPr marL="0" indent="0">
+              <a:buNone/>
+              <a:defRPr sz="2400" cap="all" spc="200" baseline="0">
+                <a:solidFill>
+                  <a:schemeClr val="tx2"/>
+                </a:solidFill>
+                <a:latin typeface="+mj-lt"/>
+              </a:defRPr>
+            </a:lvl1pPr>
+            <a:lvl2pPr marL="457200" indent="0">
+              <a:buNone/>
+              <a:defRPr sz="1800">
+                <a:solidFill>
+                  <a:schemeClr val="tx1">
+                    <a:tint val="75000"/>
+                  </a:schemeClr>
+                </a:solidFill>
+              </a:defRPr>
+            </a:lvl2pPr>
+            <a:lvl3pPr marL="914400" indent="0">
+              <a:buNone/>
+              <a:defRPr sz="1600">
+                <a:solidFill>
+                  <a:schemeClr val="tx1">
+                    <a:tint val="75000"/>
+                  </a:schemeClr>
+                </a:solidFill>
+              </a:defRPr>
+            </a:lvl3pPr>
+            <a:lvl4pPr marL="1371600" indent="0">
+              <a:buNone/>
+              <a:defRPr sz="1400">
+                <a:solidFill>
+                  <a:schemeClr val="tx1">
+                    <a:tint val="75000"/>
+                  </a:schemeClr>
+                </a:solidFill>
+              </a:defRPr>
+            </a:lvl4pPr>
+            <a:lvl5pPr marL="1828800" indent="0">
+              <a:buNone/>
+              <a:defRPr sz="1400">
+                <a:solidFill>
+                  <a:schemeClr val="tx1">
+                    <a:tint val="75000"/>
+                  </a:schemeClr>
+                </a:solidFill>
+              </a:defRPr>
+            </a:lvl5pPr>
+            <a:lvl6pPr marL="2286000" indent="0">
+              <a:buNone/>
+              <a:defRPr sz="1400">
+                <a:solidFill>
+                  <a:schemeClr val="tx1">
+                    <a:tint val="75000"/>
+                  </a:schemeClr>
+                </a:solidFill>
+              </a:defRPr>
+            </a:lvl6pPr>
+            <a:lvl7pPr marL="2743200" indent="0">
+              <a:buNone/>
+              <a:defRPr sz="1400">
+                <a:solidFill>
+                  <a:schemeClr val="tx1">
+                    <a:tint val="75000"/>
+                  </a:schemeClr>
+                </a:solidFill>
+              </a:defRPr>
+            </a:lvl7pPr>
+            <a:lvl8pPr marL="3200400" indent="0">
+              <a:buNone/>
+              <a:defRPr sz="1400">
+                <a:solidFill>
+                  <a:schemeClr val="tx1">
+                    <a:tint val="75000"/>
+                  </a:schemeClr>
+                </a:solidFill>
+              </a:defRPr>
+            </a:lvl8pPr>
+            <a:lvl9pPr marL="3657600" indent="0">
+              <a:buNone/>
+              <a:defRPr sz="1400">
+                <a:solidFill>
+                  <a:schemeClr val="tx1">
+                    <a:tint val="75000"/>
+                  </a:schemeClr>
+                </a:solidFill>
+              </a:defRPr>
+            </a:lvl9pPr>
+          </a:lstStyle>
+          <a:p>
+            <a:pPr lvl="0"/>
+            <a:r>
+              <a:rPr lang="en-US"/>
+              <a:t>Click to edit Master text styles</a:t>
+            </a:r>
+          </a:p>
+        </p:txBody>
+      </p:sp>
+      <p:sp>
+        <p:nvSpPr>
+          <p:cNvPr id="4" name="Date Placeholder 3"/>
+          <p:cNvSpPr>
+            <a:spLocks noGrp="1"/>
+          </p:cNvSpPr>
+          <p:nvPr>
+            <p:ph type="dt" sz="half" idx="10"/>
+          </p:nvPr>
+        </p:nvSpPr>
+        <p:spPr/>
+        <p:txBody>
+          <a:bodyPr/>
+          <a:lstStyle/>
+          <a:p>
+            <a:fld id="{7D0BE9EC-3994-4E60-BF0C-653179C96710}" type="datetimeFigureOut">
+              <a:rPr lang="en-US" smtClean="0"/>
+              <a:t>9/18/2022</a:t>
+            </a:fld>
+            <a:endParaRPr lang="en-US"/>
+          </a:p>
+        </p:txBody>
+      </p:sp>
+      <p:sp>
+        <p:nvSpPr>
+          <p:cNvPr id="5" name="Footer Placeholder 4"/>
+          <p:cNvSpPr>
+            <a:spLocks noGrp="1"/>
+          </p:cNvSpPr>
+          <p:nvPr>
+            <p:ph type="ftr" sz="quarter" idx="11"/>
+          </p:nvPr>
+        </p:nvSpPr>
+        <p:spPr/>
+        <p:txBody>
+          <a:bodyPr/>
+          <a:lstStyle/>
+          <a:p>
+            <a:endParaRPr lang="en-US"/>
+          </a:p>
+        </p:txBody>
+      </p:sp>
+      <p:sp>
+        <p:nvSpPr>
+          <p:cNvPr id="6" name="Slide Number Placeholder 5"/>
+          <p:cNvSpPr>
+            <a:spLocks noGrp="1"/>
+          </p:cNvSpPr>
+          <p:nvPr>
+            <p:ph type="sldNum" sz="quarter" idx="12"/>
+          </p:nvPr>
+        </p:nvSpPr>
+        <p:spPr/>
+        <p:txBody>
+          <a:bodyPr/>
+          <a:lstStyle/>
+          <a:p>
+            <a:fld id="{71DF6F05-ED68-4774-83B5-727FD9EC65D0}" type="slidenum">
+              <a:rPr lang="en-US" smtClean="0"/>
+              <a:t>‹#›</a:t>
+            </a:fld>
+            <a:endParaRPr lang="en-US"/>
+          </a:p>
+        </p:txBody>
+      </p:sp>
+      <p:cxnSp>
+        <p:nvCxnSpPr>
+          <p:cNvPr id="9" name="Straight Connector 8"/>
+          <p:cNvCxnSpPr/>
+          <p:nvPr/>
+        </p:nvCxnSpPr>
+        <p:spPr>
+          <a:xfrm>
+            <a:off x="1207658" y="4343400"/>
+            <a:ext cx="9875520" cy="0"/>
+          </a:xfrm>
+          <a:prstGeom prst="line">
+            <a:avLst/>
+          </a:prstGeom>
+          <a:ln w="6350">
+            <a:solidFill>
+              <a:schemeClr val="tx1">
+                <a:lumMod val="50000"/>
+                <a:lumOff val="50000"/>
+              </a:schemeClr>
+            </a:solidFill>
+          </a:ln>
+        </p:spPr>
+        <p:style>
+          <a:lnRef idx="1">
+            <a:schemeClr val="accent1"/>
+          </a:lnRef>
+          <a:fillRef idx="0">
+            <a:schemeClr val="accent1"/>
+          </a:fillRef>
+          <a:effectRef idx="0">
+            <a:schemeClr val="accent1"/>
+          </a:effectRef>
+          <a:fontRef idx="minor">
+            <a:schemeClr val="tx1"/>
+          </a:fontRef>
+        </p:style>
+      </p:cxnSp>
+    </p:spTree>
+    <p:extLst>
+      <p:ext uri="{BB962C8B-B14F-4D97-AF65-F5344CB8AC3E}">
+        <p14:creationId xmlns:p14="http://schemas.microsoft.com/office/powerpoint/2010/main" val="1757489937"/>
+      </p:ext>
+    </p:extLst>
+  </p:cSld>
+  <p:clrMapOvr>
+    <a:masterClrMapping/>
+  </p:clrMapOvr>
+</p:sldLayout>
+</file>
+
+<file path=ppt/slideLayouts/slideLayout15.xml><?xml version="1.0" encoding="utf-8"?>
+<p:sldLayout xmlns:a="http://schemas.openxmlformats.org/drawingml/2006/main" xmlns:r="http://schemas.openxmlformats.org/officeDocument/2006/relationships" xmlns:p="http://schemas.openxmlformats.org/presentationml/2006/main" type="twoObj" preserve="1">
+  <p:cSld name="Two Content">
+    <p:spTree>
+      <p:nvGrpSpPr>
+        <p:cNvPr id="1" name=""/>
+        <p:cNvGrpSpPr/>
+        <p:nvPr/>
+      </p:nvGrpSpPr>
+      <p:grpSpPr>
+        <a:xfrm>
+          <a:off x="0" y="0"/>
+          <a:ext cx="0" cy="0"/>
+          <a:chOff x="0" y="0"/>
+          <a:chExt cx="0" cy="0"/>
+        </a:xfrm>
+      </p:grpSpPr>
+      <p:sp>
+        <p:nvSpPr>
+          <p:cNvPr id="8" name="Title 7"/>
+          <p:cNvSpPr>
+            <a:spLocks noGrp="1"/>
+          </p:cNvSpPr>
+          <p:nvPr>
+            <p:ph type="title"/>
+          </p:nvPr>
+        </p:nvSpPr>
+        <p:spPr>
+          <a:xfrm>
+            <a:off x="1097280" y="286603"/>
+            <a:ext cx="10058400" cy="1450757"/>
+          </a:xfrm>
+        </p:spPr>
+        <p:txBody>
+          <a:bodyPr/>
+          <a:lstStyle/>
+          <a:p>
+            <a:r>
+              <a:rPr lang="en-US"/>
+              <a:t>Click to edit Master title style</a:t>
+            </a:r>
+            <a:endParaRPr lang="en-US" dirty="0"/>
+          </a:p>
+        </p:txBody>
+      </p:sp>
+      <p:sp>
+        <p:nvSpPr>
+          <p:cNvPr id="3" name="Content Placeholder 2"/>
+          <p:cNvSpPr>
+            <a:spLocks noGrp="1"/>
+          </p:cNvSpPr>
+          <p:nvPr>
+            <p:ph sz="half" idx="1"/>
+          </p:nvPr>
+        </p:nvSpPr>
+        <p:spPr>
+          <a:xfrm>
+            <a:off x="1097280" y="1845734"/>
+            <a:ext cx="4937760" cy="4023359"/>
+          </a:xfrm>
+        </p:spPr>
+        <p:txBody>
+          <a:bodyPr/>
+          <a:lstStyle/>
+          <a:p>
+            <a:pPr lvl="0"/>
+            <a:r>
+              <a:rPr lang="en-US"/>
+              <a:t>Click to edit Master text styles</a:t>
+            </a:r>
+          </a:p>
+          <a:p>
+            <a:pPr lvl="1"/>
+            <a:r>
+              <a:rPr lang="en-US"/>
+              <a:t>Second level</a:t>
+            </a:r>
+          </a:p>
+          <a:p>
+            <a:pPr lvl="2"/>
+            <a:r>
+              <a:rPr lang="en-US"/>
+              <a:t>Third level</a:t>
+            </a:r>
+          </a:p>
+          <a:p>
+            <a:pPr lvl="3"/>
+            <a:r>
+              <a:rPr lang="en-US"/>
+              <a:t>Fourth level</a:t>
+            </a:r>
+          </a:p>
+          <a:p>
+            <a:pPr lvl="4"/>
+            <a:r>
+              <a:rPr lang="en-US"/>
+              <a:t>Fifth level</a:t>
+            </a:r>
+            <a:endParaRPr lang="en-US" dirty="0"/>
+          </a:p>
+        </p:txBody>
+      </p:sp>
+      <p:sp>
+        <p:nvSpPr>
+          <p:cNvPr id="4" name="Content Placeholder 3"/>
+          <p:cNvSpPr>
+            <a:spLocks noGrp="1"/>
+          </p:cNvSpPr>
+          <p:nvPr>
+            <p:ph sz="half" idx="2"/>
+          </p:nvPr>
+        </p:nvSpPr>
+        <p:spPr>
+          <a:xfrm>
+            <a:off x="6217920" y="1845735"/>
+            <a:ext cx="4937760" cy="4023360"/>
+          </a:xfrm>
+        </p:spPr>
+        <p:txBody>
+          <a:bodyPr/>
+          <a:lstStyle/>
+          <a:p>
+            <a:pPr lvl="0"/>
+            <a:r>
+              <a:rPr lang="en-US"/>
+              <a:t>Click to edit Master text styles</a:t>
+            </a:r>
+          </a:p>
+          <a:p>
+            <a:pPr lvl="1"/>
+            <a:r>
+              <a:rPr lang="en-US"/>
+              <a:t>Second level</a:t>
+            </a:r>
+          </a:p>
+          <a:p>
+            <a:pPr lvl="2"/>
+            <a:r>
+              <a:rPr lang="en-US"/>
+              <a:t>Third level</a:t>
+            </a:r>
+          </a:p>
+          <a:p>
+            <a:pPr lvl="3"/>
+            <a:r>
+              <a:rPr lang="en-US"/>
+              <a:t>Fourth level</a:t>
+            </a:r>
+          </a:p>
+          <a:p>
+            <a:pPr lvl="4"/>
+            <a:r>
+              <a:rPr lang="en-US"/>
+              <a:t>Fifth level</a:t>
+            </a:r>
+            <a:endParaRPr lang="en-US" dirty="0"/>
+          </a:p>
+        </p:txBody>
+      </p:sp>
+      <p:sp>
+        <p:nvSpPr>
+          <p:cNvPr id="5" name="Date Placeholder 4"/>
+          <p:cNvSpPr>
+            <a:spLocks noGrp="1"/>
+          </p:cNvSpPr>
+          <p:nvPr>
+            <p:ph type="dt" sz="half" idx="10"/>
+          </p:nvPr>
+        </p:nvSpPr>
+        <p:spPr/>
+        <p:txBody>
+          <a:bodyPr/>
+          <a:lstStyle/>
+          <a:p>
+            <a:fld id="{7D0BE9EC-3994-4E60-BF0C-653179C96710}" type="datetimeFigureOut">
+              <a:rPr lang="en-US" smtClean="0"/>
+              <a:t>9/18/2022</a:t>
+            </a:fld>
+            <a:endParaRPr lang="en-US"/>
+          </a:p>
+        </p:txBody>
+      </p:sp>
+      <p:sp>
+        <p:nvSpPr>
+          <p:cNvPr id="6" name="Footer Placeholder 5"/>
+          <p:cNvSpPr>
+            <a:spLocks noGrp="1"/>
+          </p:cNvSpPr>
+          <p:nvPr>
+            <p:ph type="ftr" sz="quarter" idx="11"/>
+          </p:nvPr>
+        </p:nvSpPr>
+        <p:spPr/>
+        <p:txBody>
+          <a:bodyPr/>
+          <a:lstStyle/>
+          <a:p>
+            <a:endParaRPr lang="en-US"/>
+          </a:p>
+        </p:txBody>
+      </p:sp>
+      <p:sp>
+        <p:nvSpPr>
+          <p:cNvPr id="7" name="Slide Number Placeholder 6"/>
+          <p:cNvSpPr>
+            <a:spLocks noGrp="1"/>
+          </p:cNvSpPr>
+          <p:nvPr>
+            <p:ph type="sldNum" sz="quarter" idx="12"/>
+          </p:nvPr>
+        </p:nvSpPr>
+        <p:spPr/>
+        <p:txBody>
+          <a:bodyPr/>
+          <a:lstStyle/>
+          <a:p>
+            <a:fld id="{71DF6F05-ED68-4774-83B5-727FD9EC65D0}" type="slidenum">
+              <a:rPr lang="en-US" smtClean="0"/>
+              <a:t>‹#›</a:t>
+            </a:fld>
+            <a:endParaRPr lang="en-US"/>
+          </a:p>
+        </p:txBody>
+      </p:sp>
+    </p:spTree>
+    <p:extLst>
+      <p:ext uri="{BB962C8B-B14F-4D97-AF65-F5344CB8AC3E}">
+        <p14:creationId xmlns:p14="http://schemas.microsoft.com/office/powerpoint/2010/main" val="3993334651"/>
+      </p:ext>
+    </p:extLst>
+  </p:cSld>
+  <p:clrMapOvr>
+    <a:masterClrMapping/>
+  </p:clrMapOvr>
+</p:sldLayout>
+</file>
+
+<file path=ppt/slideLayouts/slideLayout16.xml><?xml version="1.0" encoding="utf-8"?>
+<p:sldLayout xmlns:a="http://schemas.openxmlformats.org/drawingml/2006/main" xmlns:r="http://schemas.openxmlformats.org/officeDocument/2006/relationships" xmlns:p="http://schemas.openxmlformats.org/presentationml/2006/main" type="twoTxTwoObj" preserve="1">
+  <p:cSld name="Comparison">
+    <p:spTree>
+      <p:nvGrpSpPr>
+        <p:cNvPr id="1" name=""/>
+        <p:cNvGrpSpPr/>
+        <p:nvPr/>
+      </p:nvGrpSpPr>
+      <p:grpSpPr>
+        <a:xfrm>
+          <a:off x="0" y="0"/>
+          <a:ext cx="0" cy="0"/>
+          <a:chOff x="0" y="0"/>
+          <a:chExt cx="0" cy="0"/>
+        </a:xfrm>
+      </p:grpSpPr>
+      <p:sp>
+        <p:nvSpPr>
+          <p:cNvPr id="10" name="Title 9"/>
+          <p:cNvSpPr>
+            <a:spLocks noGrp="1"/>
+          </p:cNvSpPr>
+          <p:nvPr>
+            <p:ph type="title"/>
+          </p:nvPr>
+        </p:nvSpPr>
+        <p:spPr>
+          <a:xfrm>
+            <a:off x="1097280" y="286603"/>
+            <a:ext cx="10058400" cy="1450757"/>
+          </a:xfrm>
+        </p:spPr>
+        <p:txBody>
+          <a:bodyPr/>
+          <a:lstStyle/>
+          <a:p>
+            <a:r>
+              <a:rPr lang="en-US"/>
+              <a:t>Click to edit Master title style</a:t>
+            </a:r>
+            <a:endParaRPr lang="en-US" dirty="0"/>
+          </a:p>
+        </p:txBody>
+      </p:sp>
+      <p:sp>
+        <p:nvSpPr>
+          <p:cNvPr id="3" name="Text Placeholder 2"/>
+          <p:cNvSpPr>
+            <a:spLocks noGrp="1"/>
+          </p:cNvSpPr>
+          <p:nvPr>
+            <p:ph type="body" idx="1"/>
+          </p:nvPr>
+        </p:nvSpPr>
+        <p:spPr>
+          <a:xfrm>
+            <a:off x="1097280" y="1846052"/>
+            <a:ext cx="4937760" cy="736282"/>
+          </a:xfrm>
+        </p:spPr>
+        <p:txBody>
+          <a:bodyPr lIns="91440" rIns="91440" anchor="ctr">
+            <a:normAutofit/>
+          </a:bodyPr>
+          <a:lstStyle>
+            <a:lvl1pPr marL="0" indent="0">
+              <a:buNone/>
+              <a:defRPr sz="2000" b="0" cap="all" baseline="0">
+                <a:solidFill>
+                  <a:schemeClr val="tx2"/>
+                </a:solidFill>
+              </a:defRPr>
+            </a:lvl1pPr>
+            <a:lvl2pPr marL="457200" indent="0">
+              <a:buNone/>
+              <a:defRPr sz="2000" b="1"/>
+            </a:lvl2pPr>
+            <a:lvl3pPr marL="914400" indent="0">
+              <a:buNone/>
+              <a:defRPr sz="1800" b="1"/>
+            </a:lvl3pPr>
+            <a:lvl4pPr marL="1371600" indent="0">
+              <a:buNone/>
+              <a:defRPr sz="1600" b="1"/>
+            </a:lvl4pPr>
+            <a:lvl5pPr marL="1828800" indent="0">
+              <a:buNone/>
+              <a:defRPr sz="1600" b="1"/>
+            </a:lvl5pPr>
+            <a:lvl6pPr marL="2286000" indent="0">
+              <a:buNone/>
+              <a:defRPr sz="1600" b="1"/>
+            </a:lvl6pPr>
+            <a:lvl7pPr marL="2743200" indent="0">
+              <a:buNone/>
+              <a:defRPr sz="1600" b="1"/>
+            </a:lvl7pPr>
+            <a:lvl8pPr marL="3200400" indent="0">
+              <a:buNone/>
+              <a:defRPr sz="1600" b="1"/>
+            </a:lvl8pPr>
+            <a:lvl9pPr marL="3657600" indent="0">
+              <a:buNone/>
+              <a:defRPr sz="1600" b="1"/>
+            </a:lvl9pPr>
+          </a:lstStyle>
+          <a:p>
+            <a:pPr lvl="0"/>
+            <a:r>
+              <a:rPr lang="en-US"/>
+              <a:t>Click to edit Master text styles</a:t>
+            </a:r>
+          </a:p>
+        </p:txBody>
+      </p:sp>
+      <p:sp>
+        <p:nvSpPr>
+          <p:cNvPr id="4" name="Content Placeholder 3"/>
+          <p:cNvSpPr>
+            <a:spLocks noGrp="1"/>
+          </p:cNvSpPr>
+          <p:nvPr>
+            <p:ph sz="half" idx="2"/>
+          </p:nvPr>
+        </p:nvSpPr>
+        <p:spPr>
+          <a:xfrm>
+            <a:off x="1097280" y="2582335"/>
+            <a:ext cx="4937760" cy="3286760"/>
+          </a:xfrm>
+        </p:spPr>
+        <p:txBody>
+          <a:bodyPr/>
+          <a:lstStyle/>
+          <a:p>
+            <a:pPr lvl="0"/>
+            <a:r>
+              <a:rPr lang="en-US"/>
+              <a:t>Click to edit Master text styles</a:t>
+            </a:r>
+          </a:p>
+          <a:p>
+            <a:pPr lvl="1"/>
+            <a:r>
+              <a:rPr lang="en-US"/>
+              <a:t>Second level</a:t>
+            </a:r>
+          </a:p>
+          <a:p>
+            <a:pPr lvl="2"/>
+            <a:r>
+              <a:rPr lang="en-US"/>
+              <a:t>Third level</a:t>
+            </a:r>
+          </a:p>
+          <a:p>
+            <a:pPr lvl="3"/>
+            <a:r>
+              <a:rPr lang="en-US"/>
+              <a:t>Fourth level</a:t>
+            </a:r>
+          </a:p>
+          <a:p>
+            <a:pPr lvl="4"/>
+            <a:r>
+              <a:rPr lang="en-US"/>
+              <a:t>Fifth level</a:t>
+            </a:r>
+            <a:endParaRPr lang="en-US" dirty="0"/>
+          </a:p>
+        </p:txBody>
+      </p:sp>
+      <p:sp>
+        <p:nvSpPr>
+          <p:cNvPr id="5" name="Text Placeholder 4"/>
+          <p:cNvSpPr>
+            <a:spLocks noGrp="1"/>
+          </p:cNvSpPr>
+          <p:nvPr>
+            <p:ph type="body" sz="quarter" idx="3"/>
+          </p:nvPr>
+        </p:nvSpPr>
+        <p:spPr>
+          <a:xfrm>
+            <a:off x="6217920" y="1846052"/>
+            <a:ext cx="4937760" cy="736282"/>
+          </a:xfrm>
+        </p:spPr>
+        <p:txBody>
+          <a:bodyPr lIns="91440" rIns="91440" anchor="ctr">
+            <a:normAutofit/>
+          </a:bodyPr>
+          <a:lstStyle>
+            <a:lvl1pPr marL="0" indent="0">
+              <a:buNone/>
+              <a:defRPr sz="2000" b="0" cap="all" baseline="0">
+                <a:solidFill>
+                  <a:schemeClr val="tx2"/>
+                </a:solidFill>
+              </a:defRPr>
+            </a:lvl1pPr>
+            <a:lvl2pPr marL="457200" indent="0">
+              <a:buNone/>
+              <a:defRPr sz="2000" b="1"/>
+            </a:lvl2pPr>
+            <a:lvl3pPr marL="914400" indent="0">
+              <a:buNone/>
+              <a:defRPr sz="1800" b="1"/>
+            </a:lvl3pPr>
+            <a:lvl4pPr marL="1371600" indent="0">
+              <a:buNone/>
+              <a:defRPr sz="1600" b="1"/>
+            </a:lvl4pPr>
+            <a:lvl5pPr marL="1828800" indent="0">
+              <a:buNone/>
+              <a:defRPr sz="1600" b="1"/>
+            </a:lvl5pPr>
+            <a:lvl6pPr marL="2286000" indent="0">
+              <a:buNone/>
+              <a:defRPr sz="1600" b="1"/>
+            </a:lvl6pPr>
+            <a:lvl7pPr marL="2743200" indent="0">
+              <a:buNone/>
+              <a:defRPr sz="1600" b="1"/>
+            </a:lvl7pPr>
+            <a:lvl8pPr marL="3200400" indent="0">
+              <a:buNone/>
+              <a:defRPr sz="1600" b="1"/>
+            </a:lvl8pPr>
+            <a:lvl9pPr marL="3657600" indent="0">
+              <a:buNone/>
+              <a:defRPr sz="1600" b="1"/>
+            </a:lvl9pPr>
+          </a:lstStyle>
+          <a:p>
+            <a:pPr lvl="0"/>
+            <a:r>
+              <a:rPr lang="en-US"/>
+              <a:t>Click to edit Master text styles</a:t>
+            </a:r>
+          </a:p>
+        </p:txBody>
+      </p:sp>
+      <p:sp>
+        <p:nvSpPr>
+          <p:cNvPr id="6" name="Content Placeholder 5"/>
+          <p:cNvSpPr>
+            <a:spLocks noGrp="1"/>
+          </p:cNvSpPr>
+          <p:nvPr>
+            <p:ph sz="quarter" idx="4"/>
+          </p:nvPr>
+        </p:nvSpPr>
+        <p:spPr>
+          <a:xfrm>
+            <a:off x="6217920" y="2582334"/>
+            <a:ext cx="4937760" cy="3286760"/>
+          </a:xfrm>
+        </p:spPr>
+        <p:txBody>
+          <a:bodyPr/>
+          <a:lstStyle/>
+          <a:p>
+            <a:pPr lvl="0"/>
+            <a:r>
+              <a:rPr lang="en-US"/>
+              <a:t>Click to edit Master text styles</a:t>
+            </a:r>
+          </a:p>
+          <a:p>
+            <a:pPr lvl="1"/>
+            <a:r>
+              <a:rPr lang="en-US"/>
+              <a:t>Second level</a:t>
+            </a:r>
+          </a:p>
+          <a:p>
+            <a:pPr lvl="2"/>
+            <a:r>
+              <a:rPr lang="en-US"/>
+              <a:t>Third level</a:t>
+            </a:r>
+          </a:p>
+          <a:p>
+            <a:pPr lvl="3"/>
+            <a:r>
+              <a:rPr lang="en-US"/>
+              <a:t>Fourth level</a:t>
+            </a:r>
+          </a:p>
+          <a:p>
+            <a:pPr lvl="4"/>
+            <a:r>
+              <a:rPr lang="en-US"/>
+              <a:t>Fifth level</a:t>
+            </a:r>
+            <a:endParaRPr lang="en-US" dirty="0"/>
+          </a:p>
+        </p:txBody>
+      </p:sp>
+      <p:sp>
+        <p:nvSpPr>
+          <p:cNvPr id="7" name="Date Placeholder 6"/>
+          <p:cNvSpPr>
+            <a:spLocks noGrp="1"/>
+          </p:cNvSpPr>
+          <p:nvPr>
+            <p:ph type="dt" sz="half" idx="10"/>
+          </p:nvPr>
+        </p:nvSpPr>
+        <p:spPr/>
+        <p:txBody>
+          <a:bodyPr/>
+          <a:lstStyle/>
+          <a:p>
+            <a:fld id="{7D0BE9EC-3994-4E60-BF0C-653179C96710}" type="datetimeFigureOut">
+              <a:rPr lang="en-US" smtClean="0"/>
+              <a:t>9/18/2022</a:t>
+            </a:fld>
+            <a:endParaRPr lang="en-US"/>
+          </a:p>
+        </p:txBody>
+      </p:sp>
+      <p:sp>
+        <p:nvSpPr>
+          <p:cNvPr id="8" name="Footer Placeholder 7"/>
+          <p:cNvSpPr>
+            <a:spLocks noGrp="1"/>
+          </p:cNvSpPr>
+          <p:nvPr>
+            <p:ph type="ftr" sz="quarter" idx="11"/>
+          </p:nvPr>
+        </p:nvSpPr>
+        <p:spPr/>
+        <p:txBody>
+          <a:bodyPr/>
+          <a:lstStyle/>
+          <a:p>
+            <a:endParaRPr lang="en-US"/>
+          </a:p>
+        </p:txBody>
+      </p:sp>
+      <p:sp>
+        <p:nvSpPr>
+          <p:cNvPr id="9" name="Slide Number Placeholder 8"/>
+          <p:cNvSpPr>
+            <a:spLocks noGrp="1"/>
+          </p:cNvSpPr>
+          <p:nvPr>
+            <p:ph type="sldNum" sz="quarter" idx="12"/>
+          </p:nvPr>
+        </p:nvSpPr>
+        <p:spPr/>
+        <p:txBody>
+          <a:bodyPr/>
+          <a:lstStyle/>
+          <a:p>
+            <a:fld id="{71DF6F05-ED68-4774-83B5-727FD9EC65D0}" type="slidenum">
+              <a:rPr lang="en-US" smtClean="0"/>
+              <a:t>‹#›</a:t>
+            </a:fld>
+            <a:endParaRPr lang="en-US"/>
+          </a:p>
+        </p:txBody>
+      </p:sp>
+    </p:spTree>
+    <p:extLst>
+      <p:ext uri="{BB962C8B-B14F-4D97-AF65-F5344CB8AC3E}">
+        <p14:creationId xmlns:p14="http://schemas.microsoft.com/office/powerpoint/2010/main" val="1593378567"/>
+      </p:ext>
+    </p:extLst>
+  </p:cSld>
+  <p:clrMapOvr>
+    <a:masterClrMapping/>
+  </p:clrMapOvr>
+</p:sldLayout>
+</file>
+
+<file path=ppt/slideLayouts/slideLayout17.xml><?xml version="1.0" encoding="utf-8"?>
+<p:sldLayout xmlns:a="http://schemas.openxmlformats.org/drawingml/2006/main" xmlns:r="http://schemas.openxmlformats.org/officeDocument/2006/relationships" xmlns:p="http://schemas.openxmlformats.org/presentationml/2006/main" type="titleOnly" preserve="1">
+  <p:cSld name="Title Only">
+    <p:spTree>
+      <p:nvGrpSpPr>
+        <p:cNvPr id="1" name=""/>
+        <p:cNvGrpSpPr/>
+        <p:nvPr/>
+      </p:nvGrpSpPr>
+      <p:grpSpPr>
+        <a:xfrm>
+          <a:off x="0" y="0"/>
+          <a:ext cx="0" cy="0"/>
+          <a:chOff x="0" y="0"/>
+          <a:chExt cx="0" cy="0"/>
+        </a:xfrm>
+      </p:grpSpPr>
+      <p:sp>
+        <p:nvSpPr>
+          <p:cNvPr id="2" name="Title 1"/>
+          <p:cNvSpPr>
+            <a:spLocks noGrp="1"/>
+          </p:cNvSpPr>
+          <p:nvPr>
+            <p:ph type="title"/>
+          </p:nvPr>
+        </p:nvSpPr>
+        <p:spPr/>
+        <p:txBody>
+          <a:bodyPr/>
+          <a:lstStyle/>
+          <a:p>
+            <a:r>
+              <a:rPr lang="en-US"/>
+              <a:t>Click to edit Master title style</a:t>
+            </a:r>
+            <a:endParaRPr lang="en-US" dirty="0"/>
+          </a:p>
+        </p:txBody>
+      </p:sp>
+      <p:sp>
+        <p:nvSpPr>
+          <p:cNvPr id="3" name="Date Placeholder 2"/>
+          <p:cNvSpPr>
+            <a:spLocks noGrp="1"/>
+          </p:cNvSpPr>
+          <p:nvPr>
+            <p:ph type="dt" sz="half" idx="10"/>
+          </p:nvPr>
+        </p:nvSpPr>
+        <p:spPr/>
+        <p:txBody>
+          <a:bodyPr/>
+          <a:lstStyle/>
+          <a:p>
+            <a:fld id="{7D0BE9EC-3994-4E60-BF0C-653179C96710}" type="datetimeFigureOut">
+              <a:rPr lang="en-US" smtClean="0"/>
+              <a:t>9/18/2022</a:t>
+            </a:fld>
+            <a:endParaRPr lang="en-US"/>
+          </a:p>
+        </p:txBody>
+      </p:sp>
+      <p:sp>
+        <p:nvSpPr>
+          <p:cNvPr id="4" name="Footer Placeholder 3"/>
+          <p:cNvSpPr>
+            <a:spLocks noGrp="1"/>
+          </p:cNvSpPr>
+          <p:nvPr>
+            <p:ph type="ftr" sz="quarter" idx="11"/>
+          </p:nvPr>
+        </p:nvSpPr>
+        <p:spPr/>
+        <p:txBody>
+          <a:bodyPr/>
+          <a:lstStyle/>
+          <a:p>
+            <a:endParaRPr lang="en-US"/>
+          </a:p>
+        </p:txBody>
+      </p:sp>
+      <p:sp>
+        <p:nvSpPr>
+          <p:cNvPr id="5" name="Slide Number Placeholder 4"/>
+          <p:cNvSpPr>
+            <a:spLocks noGrp="1"/>
+          </p:cNvSpPr>
+          <p:nvPr>
+            <p:ph type="sldNum" sz="quarter" idx="12"/>
+          </p:nvPr>
+        </p:nvSpPr>
+        <p:spPr/>
+        <p:txBody>
+          <a:bodyPr/>
+          <a:lstStyle/>
+          <a:p>
+            <a:fld id="{71DF6F05-ED68-4774-83B5-727FD9EC65D0}" type="slidenum">
+              <a:rPr lang="en-US" smtClean="0"/>
+              <a:t>‹#›</a:t>
+            </a:fld>
+            <a:endParaRPr lang="en-US"/>
+          </a:p>
+        </p:txBody>
+      </p:sp>
+    </p:spTree>
+    <p:extLst>
+      <p:ext uri="{BB962C8B-B14F-4D97-AF65-F5344CB8AC3E}">
+        <p14:creationId xmlns:p14="http://schemas.microsoft.com/office/powerpoint/2010/main" val="1702362535"/>
+      </p:ext>
+    </p:extLst>
+  </p:cSld>
+  <p:clrMapOvr>
+    <a:masterClrMapping/>
+  </p:clrMapOvr>
+</p:sldLayout>
+</file>
+
+<file path=ppt/slideLayouts/slideLayout18.xml><?xml version="1.0" encoding="utf-8"?>
+<p:sldLayout xmlns:a="http://schemas.openxmlformats.org/drawingml/2006/main" xmlns:r="http://schemas.openxmlformats.org/officeDocument/2006/relationships" xmlns:p="http://schemas.openxmlformats.org/presentationml/2006/main" showMasterSp="0" type="blank" preserve="1">
+  <p:cSld name="Blank">
+    <p:spTree>
+      <p:nvGrpSpPr>
+        <p:cNvPr id="1" name=""/>
+        <p:cNvGrpSpPr/>
+        <p:nvPr/>
+      </p:nvGrpSpPr>
+      <p:grpSpPr>
+        <a:xfrm>
+          <a:off x="0" y="0"/>
+          <a:ext cx="0" cy="0"/>
+          <a:chOff x="0" y="0"/>
+          <a:chExt cx="0" cy="0"/>
+        </a:xfrm>
+      </p:grpSpPr>
+      <p:sp>
+        <p:nvSpPr>
+          <p:cNvPr id="5" name="Rectangle 4"/>
+          <p:cNvSpPr/>
+          <p:nvPr/>
+        </p:nvSpPr>
+        <p:spPr>
+          <a:xfrm>
+            <a:off x="3175" y="6400800"/>
+            <a:ext cx="12188825" cy="457200"/>
+          </a:xfrm>
+          <a:prstGeom prst="rect">
+            <a:avLst/>
+          </a:prstGeom>
+          <a:solidFill>
+            <a:schemeClr val="accent2"/>
+          </a:solidFill>
+          <a:ln>
+            <a:noFill/>
+          </a:ln>
+        </p:spPr>
+        <p:style>
+          <a:lnRef idx="2">
+            <a:schemeClr val="accent1">
+              <a:shade val="50000"/>
+            </a:schemeClr>
+          </a:lnRef>
+          <a:fillRef idx="1">
+            <a:schemeClr val="accent1"/>
+          </a:fillRef>
+          <a:effectRef idx="0">
+            <a:schemeClr val="accent1"/>
+          </a:effectRef>
+          <a:fontRef idx="minor">
+            <a:schemeClr val="lt1"/>
+          </a:fontRef>
+        </p:style>
+      </p:sp>
+      <p:sp>
+        <p:nvSpPr>
+          <p:cNvPr id="6" name="Rectangle 5"/>
+          <p:cNvSpPr/>
+          <p:nvPr/>
+        </p:nvSpPr>
+        <p:spPr>
+          <a:xfrm>
+            <a:off x="15" y="6334316"/>
+            <a:ext cx="12188825" cy="64008"/>
+          </a:xfrm>
+          <a:prstGeom prst="rect">
+            <a:avLst/>
+          </a:prstGeom>
+          <a:solidFill>
+            <a:schemeClr val="accent1"/>
+          </a:solidFill>
+          <a:ln>
+            <a:noFill/>
+          </a:ln>
+        </p:spPr>
+        <p:style>
+          <a:lnRef idx="2">
+            <a:schemeClr val="accent1">
+              <a:shade val="50000"/>
+            </a:schemeClr>
+          </a:lnRef>
+          <a:fillRef idx="1">
+            <a:schemeClr val="accent1"/>
+          </a:fillRef>
+          <a:effectRef idx="0">
+            <a:schemeClr val="accent1"/>
+          </a:effectRef>
+          <a:fontRef idx="minor">
+            <a:schemeClr val="lt1"/>
+          </a:fontRef>
+        </p:style>
+      </p:sp>
+      <p:sp>
+        <p:nvSpPr>
+          <p:cNvPr id="7" name="Date Placeholder 6"/>
+          <p:cNvSpPr>
+            <a:spLocks noGrp="1"/>
+          </p:cNvSpPr>
+          <p:nvPr>
+            <p:ph type="dt" sz="half" idx="10"/>
+          </p:nvPr>
+        </p:nvSpPr>
+        <p:spPr/>
+        <p:txBody>
+          <a:bodyPr/>
+          <a:lstStyle/>
+          <a:p>
+            <a:fld id="{7D0BE9EC-3994-4E60-BF0C-653179C96710}" type="datetimeFigureOut">
+              <a:rPr lang="en-US" smtClean="0"/>
+              <a:t>9/18/2022</a:t>
+            </a:fld>
+            <a:endParaRPr lang="en-US"/>
+          </a:p>
+        </p:txBody>
+      </p:sp>
+      <p:sp>
+        <p:nvSpPr>
+          <p:cNvPr id="8" name="Footer Placeholder 7"/>
+          <p:cNvSpPr>
+            <a:spLocks noGrp="1"/>
+          </p:cNvSpPr>
+          <p:nvPr>
+            <p:ph type="ftr" sz="quarter" idx="11"/>
+          </p:nvPr>
+        </p:nvSpPr>
+        <p:spPr/>
+        <p:txBody>
+          <a:bodyPr/>
+          <a:lstStyle>
+            <a:lvl1pPr>
+              <a:defRPr>
+                <a:solidFill>
+                  <a:srgbClr val="FFFFFF"/>
+                </a:solidFill>
+              </a:defRPr>
+            </a:lvl1pPr>
+          </a:lstStyle>
+          <a:p>
+            <a:endParaRPr lang="en-US"/>
+          </a:p>
+        </p:txBody>
+      </p:sp>
+      <p:sp>
+        <p:nvSpPr>
+          <p:cNvPr id="9" name="Slide Number Placeholder 8"/>
+          <p:cNvSpPr>
+            <a:spLocks noGrp="1"/>
+          </p:cNvSpPr>
+          <p:nvPr>
+            <p:ph type="sldNum" sz="quarter" idx="12"/>
+          </p:nvPr>
+        </p:nvSpPr>
+        <p:spPr/>
+        <p:txBody>
+          <a:bodyPr/>
+          <a:lstStyle/>
+          <a:p>
+            <a:fld id="{71DF6F05-ED68-4774-83B5-727FD9EC65D0}" type="slidenum">
+              <a:rPr lang="en-US" smtClean="0"/>
+              <a:t>‹#›</a:t>
+            </a:fld>
+            <a:endParaRPr lang="en-US"/>
+          </a:p>
+        </p:txBody>
+      </p:sp>
+    </p:spTree>
+    <p:extLst>
+      <p:ext uri="{BB962C8B-B14F-4D97-AF65-F5344CB8AC3E}">
+        <p14:creationId xmlns:p14="http://schemas.microsoft.com/office/powerpoint/2010/main" val="2343780619"/>
+      </p:ext>
+    </p:extLst>
+  </p:cSld>
+  <p:clrMapOvr>
+    <a:masterClrMapping/>
+  </p:clrMapOvr>
+</p:sldLayout>
+</file>
+
+<file path=ppt/slideLayouts/slideLayout19.xml><?xml version="1.0" encoding="utf-8"?>
+<p:sldLayout xmlns:a="http://schemas.openxmlformats.org/drawingml/2006/main" xmlns:r="http://schemas.openxmlformats.org/officeDocument/2006/relationships" xmlns:p="http://schemas.openxmlformats.org/presentationml/2006/main" showMasterSp="0" type="objTx" preserve="1">
+  <p:cSld name="Content with Caption">
+    <p:spTree>
+      <p:nvGrpSpPr>
+        <p:cNvPr id="1" name=""/>
+        <p:cNvGrpSpPr/>
+        <p:nvPr/>
+      </p:nvGrpSpPr>
+      <p:grpSpPr>
+        <a:xfrm>
+          <a:off x="0" y="0"/>
+          <a:ext cx="0" cy="0"/>
+          <a:chOff x="0" y="0"/>
+          <a:chExt cx="0" cy="0"/>
+        </a:xfrm>
+      </p:grpSpPr>
+      <p:sp>
+        <p:nvSpPr>
+          <p:cNvPr id="8" name="Rectangle 7"/>
+          <p:cNvSpPr/>
+          <p:nvPr/>
+        </p:nvSpPr>
+        <p:spPr>
+          <a:xfrm>
+            <a:off x="16" y="0"/>
+            <a:ext cx="4050791" cy="6858000"/>
+          </a:xfrm>
+          <a:prstGeom prst="rect">
+            <a:avLst/>
+          </a:prstGeom>
+          <a:solidFill>
+            <a:schemeClr val="accent2"/>
+          </a:solidFill>
+          <a:ln>
+            <a:noFill/>
+          </a:ln>
+        </p:spPr>
+        <p:style>
+          <a:lnRef idx="2">
+            <a:schemeClr val="accent1">
+              <a:shade val="50000"/>
+            </a:schemeClr>
+          </a:lnRef>
+          <a:fillRef idx="1">
+            <a:schemeClr val="accent1"/>
+          </a:fillRef>
+          <a:effectRef idx="0">
+            <a:schemeClr val="accent1"/>
+          </a:effectRef>
+          <a:fontRef idx="minor">
+            <a:schemeClr val="lt1"/>
+          </a:fontRef>
+        </p:style>
+      </p:sp>
+      <p:sp>
+        <p:nvSpPr>
+          <p:cNvPr id="9" name="Rectangle 8"/>
+          <p:cNvSpPr/>
+          <p:nvPr/>
+        </p:nvSpPr>
+        <p:spPr>
+          <a:xfrm>
+            <a:off x="4040071" y="0"/>
+            <a:ext cx="64008" cy="6858000"/>
+          </a:xfrm>
+          <a:prstGeom prst="rect">
+            <a:avLst/>
+          </a:prstGeom>
+          <a:solidFill>
+            <a:schemeClr val="accent1"/>
+          </a:solidFill>
+          <a:ln>
+            <a:noFill/>
+          </a:ln>
+        </p:spPr>
+        <p:style>
+          <a:lnRef idx="2">
+            <a:schemeClr val="accent1">
+              <a:shade val="50000"/>
+            </a:schemeClr>
+          </a:lnRef>
+          <a:fillRef idx="1">
+            <a:schemeClr val="accent1"/>
+          </a:fillRef>
+          <a:effectRef idx="0">
+            <a:schemeClr val="accent1"/>
+          </a:effectRef>
+          <a:fontRef idx="minor">
+            <a:schemeClr val="lt1"/>
+          </a:fontRef>
+        </p:style>
+      </p:sp>
+      <p:sp>
+        <p:nvSpPr>
+          <p:cNvPr id="2" name="Title 1"/>
+          <p:cNvSpPr>
+            <a:spLocks noGrp="1"/>
+          </p:cNvSpPr>
+          <p:nvPr>
+            <p:ph type="title"/>
+          </p:nvPr>
+        </p:nvSpPr>
+        <p:spPr>
+          <a:xfrm>
+            <a:off x="457200" y="594359"/>
+            <a:ext cx="3200400" cy="2286000"/>
+          </a:xfrm>
+        </p:spPr>
+        <p:txBody>
+          <a:bodyPr anchor="b">
+            <a:normAutofit/>
+          </a:bodyPr>
+          <a:lstStyle>
+            <a:lvl1pPr>
+              <a:defRPr sz="3600" b="0">
+                <a:solidFill>
+                  <a:srgbClr val="FFFFFF"/>
+                </a:solidFill>
+              </a:defRPr>
+            </a:lvl1pPr>
+          </a:lstStyle>
+          <a:p>
+            <a:r>
+              <a:rPr lang="en-US"/>
+              <a:t>Click to edit Master title style</a:t>
+            </a:r>
+            <a:endParaRPr lang="en-US" dirty="0"/>
+          </a:p>
+        </p:txBody>
+      </p:sp>
+      <p:sp>
+        <p:nvSpPr>
+          <p:cNvPr id="3" name="Content Placeholder 2"/>
+          <p:cNvSpPr>
+            <a:spLocks noGrp="1"/>
+          </p:cNvSpPr>
+          <p:nvPr>
+            <p:ph idx="1"/>
+          </p:nvPr>
+        </p:nvSpPr>
+        <p:spPr>
+          <a:xfrm>
+            <a:off x="4800600" y="731520"/>
+            <a:ext cx="6492240" cy="5257800"/>
+          </a:xfrm>
+        </p:spPr>
+        <p:txBody>
+          <a:bodyPr/>
+          <a:lstStyle/>
+          <a:p>
+            <a:pPr lvl="0"/>
+            <a:r>
+              <a:rPr lang="en-US"/>
+              <a:t>Click to edit Master text styles</a:t>
+            </a:r>
+          </a:p>
+          <a:p>
+            <a:pPr lvl="1"/>
+            <a:r>
+              <a:rPr lang="en-US"/>
+              <a:t>Second level</a:t>
+            </a:r>
+          </a:p>
+          <a:p>
+            <a:pPr lvl="2"/>
+            <a:r>
+              <a:rPr lang="en-US"/>
+              <a:t>Third level</a:t>
+            </a:r>
+          </a:p>
+          <a:p>
+            <a:pPr lvl="3"/>
+            <a:r>
+              <a:rPr lang="en-US"/>
+              <a:t>Fourth level</a:t>
+            </a:r>
+          </a:p>
+          <a:p>
+            <a:pPr lvl="4"/>
+            <a:r>
+              <a:rPr lang="en-US"/>
+              <a:t>Fifth level</a:t>
+            </a:r>
+            <a:endParaRPr lang="en-US" dirty="0"/>
+          </a:p>
+        </p:txBody>
+      </p:sp>
+      <p:sp>
+        <p:nvSpPr>
+          <p:cNvPr id="4" name="Text Placeholder 3"/>
+          <p:cNvSpPr>
+            <a:spLocks noGrp="1"/>
+          </p:cNvSpPr>
+          <p:nvPr>
+            <p:ph type="body" sz="half" idx="2"/>
+          </p:nvPr>
+        </p:nvSpPr>
+        <p:spPr>
+          <a:xfrm>
+            <a:off x="457200" y="2926080"/>
+            <a:ext cx="3200400" cy="3379124"/>
+          </a:xfrm>
+        </p:spPr>
+        <p:txBody>
+          <a:bodyPr lIns="91440" rIns="91440">
+            <a:normAutofit/>
+          </a:bodyPr>
+          <a:lstStyle>
+            <a:lvl1pPr marL="0" indent="0">
+              <a:buNone/>
+              <a:defRPr sz="1500">
+                <a:solidFill>
+                  <a:srgbClr val="FFFFFF"/>
+                </a:solidFill>
+              </a:defRPr>
+            </a:lvl1pPr>
+            <a:lvl2pPr marL="457200" indent="0">
+              <a:buNone/>
+              <a:defRPr sz="1200"/>
+            </a:lvl2pPr>
+            <a:lvl3pPr marL="914400" indent="0">
+              <a:buNone/>
+              <a:defRPr sz="1000"/>
+            </a:lvl3pPr>
+            <a:lvl4pPr marL="1371600" indent="0">
+              <a:buNone/>
+              <a:defRPr sz="900"/>
+            </a:lvl4pPr>
+            <a:lvl5pPr marL="1828800" indent="0">
+              <a:buNone/>
+              <a:defRPr sz="900"/>
+            </a:lvl5pPr>
+            <a:lvl6pPr marL="2286000" indent="0">
+              <a:buNone/>
+              <a:defRPr sz="900"/>
+            </a:lvl6pPr>
+            <a:lvl7pPr marL="2743200" indent="0">
+              <a:buNone/>
+              <a:defRPr sz="900"/>
+            </a:lvl7pPr>
+            <a:lvl8pPr marL="3200400" indent="0">
+              <a:buNone/>
+              <a:defRPr sz="900"/>
+            </a:lvl8pPr>
+            <a:lvl9pPr marL="3657600" indent="0">
+              <a:buNone/>
+              <a:defRPr sz="900"/>
+            </a:lvl9pPr>
+          </a:lstStyle>
+          <a:p>
+            <a:pPr lvl="0"/>
+            <a:r>
+              <a:rPr lang="en-US"/>
+              <a:t>Click to edit Master text styles</a:t>
+            </a:r>
+          </a:p>
+        </p:txBody>
+      </p:sp>
+      <p:sp>
+        <p:nvSpPr>
+          <p:cNvPr id="5" name="Date Placeholder 4"/>
+          <p:cNvSpPr>
+            <a:spLocks noGrp="1"/>
+          </p:cNvSpPr>
+          <p:nvPr>
+            <p:ph type="dt" sz="half" idx="10"/>
+          </p:nvPr>
+        </p:nvSpPr>
+        <p:spPr>
+          <a:xfrm>
+            <a:off x="465512" y="6459785"/>
+            <a:ext cx="2618510" cy="365125"/>
+          </a:xfrm>
+        </p:spPr>
+        <p:txBody>
+          <a:bodyPr/>
+          <a:lstStyle>
+            <a:lvl1pPr algn="l">
+              <a:defRPr/>
+            </a:lvl1pPr>
+          </a:lstStyle>
+          <a:p>
+            <a:fld id="{7D0BE9EC-3994-4E60-BF0C-653179C96710}" type="datetimeFigureOut">
+              <a:rPr lang="en-US" smtClean="0"/>
+              <a:t>9/18/2022</a:t>
+            </a:fld>
+            <a:endParaRPr lang="en-US"/>
+          </a:p>
+        </p:txBody>
+      </p:sp>
+      <p:sp>
+        <p:nvSpPr>
+          <p:cNvPr id="6" name="Footer Placeholder 5"/>
+          <p:cNvSpPr>
+            <a:spLocks noGrp="1"/>
+          </p:cNvSpPr>
+          <p:nvPr>
+            <p:ph type="ftr" sz="quarter" idx="11"/>
+          </p:nvPr>
+        </p:nvSpPr>
+        <p:spPr>
+          <a:xfrm>
+            <a:off x="4800600" y="6459785"/>
+            <a:ext cx="4648200" cy="365125"/>
+          </a:xfrm>
+        </p:spPr>
+        <p:txBody>
+          <a:bodyPr/>
+          <a:lstStyle>
+            <a:lvl1pPr algn="l">
+              <a:defRPr>
+                <a:solidFill>
+                  <a:schemeClr val="tx2"/>
+                </a:solidFill>
+              </a:defRPr>
+            </a:lvl1pPr>
+          </a:lstStyle>
+          <a:p>
+            <a:endParaRPr lang="en-US"/>
+          </a:p>
+        </p:txBody>
+      </p:sp>
+      <p:sp>
+        <p:nvSpPr>
+          <p:cNvPr id="7" name="Slide Number Placeholder 6"/>
+          <p:cNvSpPr>
+            <a:spLocks noGrp="1"/>
+          </p:cNvSpPr>
+          <p:nvPr>
+            <p:ph type="sldNum" sz="quarter" idx="12"/>
+          </p:nvPr>
+        </p:nvSpPr>
+        <p:spPr/>
+        <p:txBody>
+          <a:bodyPr/>
+          <a:lstStyle>
+            <a:lvl1pPr>
+              <a:defRPr>
+                <a:solidFill>
+                  <a:schemeClr val="tx2"/>
+                </a:solidFill>
+              </a:defRPr>
+            </a:lvl1pPr>
+          </a:lstStyle>
+          <a:p>
+            <a:fld id="{71DF6F05-ED68-4774-83B5-727FD9EC65D0}" type="slidenum">
+              <a:rPr lang="en-US" smtClean="0"/>
+              <a:t>‹#›</a:t>
+            </a:fld>
+            <a:endParaRPr lang="en-US"/>
+          </a:p>
+        </p:txBody>
+      </p:sp>
+    </p:spTree>
+    <p:extLst>
+      <p:ext uri="{BB962C8B-B14F-4D97-AF65-F5344CB8AC3E}">
+        <p14:creationId xmlns:p14="http://schemas.microsoft.com/office/powerpoint/2010/main" val="3352161856"/>
       </p:ext>
     </p:extLst>
   </p:cSld>
@@ -883,7 +3056,7 @@
           <a:p>
             <a:fld id="{433EF8DA-81C9-48DB-9C1B-70F314538A8A}" type="datetimeFigureOut">
               <a:rPr lang="en-IN" smtClean="0"/>
-              <a:t>17-09-2022</a:t>
+              <a:t>18-09-2022</a:t>
             </a:fld>
             <a:endParaRPr lang="en-IN"/>
           </a:p>
@@ -947,6 +3120,788 @@
     <p:extLst>
       <p:ext uri="{BB962C8B-B14F-4D97-AF65-F5344CB8AC3E}">
         <p14:creationId xmlns:p14="http://schemas.microsoft.com/office/powerpoint/2010/main" val="795352714"/>
+      </p:ext>
+    </p:extLst>
+  </p:cSld>
+  <p:clrMapOvr>
+    <a:masterClrMapping/>
+  </p:clrMapOvr>
+</p:sldLayout>
+</file>
+
+<file path=ppt/slideLayouts/slideLayout20.xml><?xml version="1.0" encoding="utf-8"?>
+<p:sldLayout xmlns:a="http://schemas.openxmlformats.org/drawingml/2006/main" xmlns:r="http://schemas.openxmlformats.org/officeDocument/2006/relationships" xmlns:p="http://schemas.openxmlformats.org/presentationml/2006/main" showMasterSp="0" type="picTx" preserve="1">
+  <p:cSld name="Picture with Caption">
+    <p:spTree>
+      <p:nvGrpSpPr>
+        <p:cNvPr id="1" name=""/>
+        <p:cNvGrpSpPr/>
+        <p:nvPr/>
+      </p:nvGrpSpPr>
+      <p:grpSpPr>
+        <a:xfrm>
+          <a:off x="0" y="0"/>
+          <a:ext cx="0" cy="0"/>
+          <a:chOff x="0" y="0"/>
+          <a:chExt cx="0" cy="0"/>
+        </a:xfrm>
+      </p:grpSpPr>
+      <p:sp>
+        <p:nvSpPr>
+          <p:cNvPr id="8" name="Rectangle 7"/>
+          <p:cNvSpPr/>
+          <p:nvPr/>
+        </p:nvSpPr>
+        <p:spPr>
+          <a:xfrm>
+            <a:off x="0" y="4953000"/>
+            <a:ext cx="12188825" cy="1905000"/>
+          </a:xfrm>
+          <a:prstGeom prst="rect">
+            <a:avLst/>
+          </a:prstGeom>
+          <a:solidFill>
+            <a:schemeClr val="accent2"/>
+          </a:solidFill>
+          <a:ln>
+            <a:noFill/>
+          </a:ln>
+        </p:spPr>
+        <p:style>
+          <a:lnRef idx="2">
+            <a:schemeClr val="accent1">
+              <a:shade val="50000"/>
+            </a:schemeClr>
+          </a:lnRef>
+          <a:fillRef idx="1">
+            <a:schemeClr val="accent1"/>
+          </a:fillRef>
+          <a:effectRef idx="0">
+            <a:schemeClr val="accent1"/>
+          </a:effectRef>
+          <a:fontRef idx="minor">
+            <a:schemeClr val="lt1"/>
+          </a:fontRef>
+        </p:style>
+      </p:sp>
+      <p:sp>
+        <p:nvSpPr>
+          <p:cNvPr id="9" name="Rectangle 8"/>
+          <p:cNvSpPr/>
+          <p:nvPr/>
+        </p:nvSpPr>
+        <p:spPr>
+          <a:xfrm>
+            <a:off x="15" y="4915076"/>
+            <a:ext cx="12188825" cy="64008"/>
+          </a:xfrm>
+          <a:prstGeom prst="rect">
+            <a:avLst/>
+          </a:prstGeom>
+          <a:solidFill>
+            <a:schemeClr val="accent1"/>
+          </a:solidFill>
+          <a:ln>
+            <a:noFill/>
+          </a:ln>
+        </p:spPr>
+        <p:style>
+          <a:lnRef idx="2">
+            <a:schemeClr val="accent1">
+              <a:shade val="50000"/>
+            </a:schemeClr>
+          </a:lnRef>
+          <a:fillRef idx="1">
+            <a:schemeClr val="accent1"/>
+          </a:fillRef>
+          <a:effectRef idx="0">
+            <a:schemeClr val="accent1"/>
+          </a:effectRef>
+          <a:fontRef idx="minor">
+            <a:schemeClr val="lt1"/>
+          </a:fontRef>
+        </p:style>
+      </p:sp>
+      <p:sp>
+        <p:nvSpPr>
+          <p:cNvPr id="2" name="Title 1"/>
+          <p:cNvSpPr>
+            <a:spLocks noGrp="1"/>
+          </p:cNvSpPr>
+          <p:nvPr>
+            <p:ph type="title"/>
+          </p:nvPr>
+        </p:nvSpPr>
+        <p:spPr>
+          <a:xfrm>
+            <a:off x="1097280" y="5074920"/>
+            <a:ext cx="10113645" cy="822960"/>
+          </a:xfrm>
+        </p:spPr>
+        <p:txBody>
+          <a:bodyPr tIns="0" bIns="0" anchor="b">
+            <a:noAutofit/>
+          </a:bodyPr>
+          <a:lstStyle>
+            <a:lvl1pPr>
+              <a:defRPr sz="3600" b="0">
+                <a:solidFill>
+                  <a:srgbClr val="FFFFFF"/>
+                </a:solidFill>
+              </a:defRPr>
+            </a:lvl1pPr>
+          </a:lstStyle>
+          <a:p>
+            <a:r>
+              <a:rPr lang="en-US"/>
+              <a:t>Click to edit Master title style</a:t>
+            </a:r>
+            <a:endParaRPr lang="en-US" dirty="0"/>
+          </a:p>
+        </p:txBody>
+      </p:sp>
+      <p:sp>
+        <p:nvSpPr>
+          <p:cNvPr id="3" name="Picture Placeholder 2"/>
+          <p:cNvSpPr>
+            <a:spLocks noGrp="1" noChangeAspect="1"/>
+          </p:cNvSpPr>
+          <p:nvPr>
+            <p:ph type="pic" idx="1"/>
+          </p:nvPr>
+        </p:nvSpPr>
+        <p:spPr>
+          <a:xfrm>
+            <a:off x="15" y="0"/>
+            <a:ext cx="12191985" cy="4915076"/>
+          </a:xfrm>
+          <a:solidFill>
+            <a:schemeClr val="bg2">
+              <a:lumMod val="90000"/>
+            </a:schemeClr>
+          </a:solidFill>
+        </p:spPr>
+        <p:txBody>
+          <a:bodyPr lIns="457200" tIns="457200" anchor="t"/>
+          <a:lstStyle>
+            <a:lvl1pPr marL="0" indent="0">
+              <a:buNone/>
+              <a:defRPr sz="3200"/>
+            </a:lvl1pPr>
+            <a:lvl2pPr marL="457200" indent="0">
+              <a:buNone/>
+              <a:defRPr sz="2800"/>
+            </a:lvl2pPr>
+            <a:lvl3pPr marL="914400" indent="0">
+              <a:buNone/>
+              <a:defRPr sz="2400"/>
+            </a:lvl3pPr>
+            <a:lvl4pPr marL="1371600" indent="0">
+              <a:buNone/>
+              <a:defRPr sz="2000"/>
+            </a:lvl4pPr>
+            <a:lvl5pPr marL="1828800" indent="0">
+              <a:buNone/>
+              <a:defRPr sz="2000"/>
+            </a:lvl5pPr>
+            <a:lvl6pPr marL="2286000" indent="0">
+              <a:buNone/>
+              <a:defRPr sz="2000"/>
+            </a:lvl6pPr>
+            <a:lvl7pPr marL="2743200" indent="0">
+              <a:buNone/>
+              <a:defRPr sz="2000"/>
+            </a:lvl7pPr>
+            <a:lvl8pPr marL="3200400" indent="0">
+              <a:buNone/>
+              <a:defRPr sz="2000"/>
+            </a:lvl8pPr>
+            <a:lvl9pPr marL="3657600" indent="0">
+              <a:buNone/>
+              <a:defRPr sz="2000"/>
+            </a:lvl9pPr>
+          </a:lstStyle>
+          <a:p>
+            <a:r>
+              <a:rPr lang="en-US"/>
+              <a:t>Click icon to add picture</a:t>
+            </a:r>
+            <a:endParaRPr lang="en-US" dirty="0"/>
+          </a:p>
+        </p:txBody>
+      </p:sp>
+      <p:sp>
+        <p:nvSpPr>
+          <p:cNvPr id="4" name="Text Placeholder 3"/>
+          <p:cNvSpPr>
+            <a:spLocks noGrp="1"/>
+          </p:cNvSpPr>
+          <p:nvPr>
+            <p:ph type="body" sz="half" idx="2"/>
+          </p:nvPr>
+        </p:nvSpPr>
+        <p:spPr>
+          <a:xfrm>
+            <a:off x="1097280" y="5907024"/>
+            <a:ext cx="10113264" cy="594360"/>
+          </a:xfrm>
+        </p:spPr>
+        <p:txBody>
+          <a:bodyPr lIns="91440" tIns="0" rIns="91440" bIns="0">
+            <a:normAutofit/>
+          </a:bodyPr>
+          <a:lstStyle>
+            <a:lvl1pPr marL="0" indent="0">
+              <a:spcBef>
+                <a:spcPts val="0"/>
+              </a:spcBef>
+              <a:spcAft>
+                <a:spcPts val="600"/>
+              </a:spcAft>
+              <a:buNone/>
+              <a:defRPr sz="1500">
+                <a:solidFill>
+                  <a:srgbClr val="FFFFFF"/>
+                </a:solidFill>
+              </a:defRPr>
+            </a:lvl1pPr>
+            <a:lvl2pPr marL="457200" indent="0">
+              <a:buNone/>
+              <a:defRPr sz="1200"/>
+            </a:lvl2pPr>
+            <a:lvl3pPr marL="914400" indent="0">
+              <a:buNone/>
+              <a:defRPr sz="1000"/>
+            </a:lvl3pPr>
+            <a:lvl4pPr marL="1371600" indent="0">
+              <a:buNone/>
+              <a:defRPr sz="900"/>
+            </a:lvl4pPr>
+            <a:lvl5pPr marL="1828800" indent="0">
+              <a:buNone/>
+              <a:defRPr sz="900"/>
+            </a:lvl5pPr>
+            <a:lvl6pPr marL="2286000" indent="0">
+              <a:buNone/>
+              <a:defRPr sz="900"/>
+            </a:lvl6pPr>
+            <a:lvl7pPr marL="2743200" indent="0">
+              <a:buNone/>
+              <a:defRPr sz="900"/>
+            </a:lvl7pPr>
+            <a:lvl8pPr marL="3200400" indent="0">
+              <a:buNone/>
+              <a:defRPr sz="900"/>
+            </a:lvl8pPr>
+            <a:lvl9pPr marL="3657600" indent="0">
+              <a:buNone/>
+              <a:defRPr sz="900"/>
+            </a:lvl9pPr>
+          </a:lstStyle>
+          <a:p>
+            <a:pPr lvl="0"/>
+            <a:r>
+              <a:rPr lang="en-US"/>
+              <a:t>Click to edit Master text styles</a:t>
+            </a:r>
+          </a:p>
+        </p:txBody>
+      </p:sp>
+      <p:sp>
+        <p:nvSpPr>
+          <p:cNvPr id="5" name="Date Placeholder 4"/>
+          <p:cNvSpPr>
+            <a:spLocks noGrp="1"/>
+          </p:cNvSpPr>
+          <p:nvPr>
+            <p:ph type="dt" sz="half" idx="10"/>
+          </p:nvPr>
+        </p:nvSpPr>
+        <p:spPr/>
+        <p:txBody>
+          <a:bodyPr/>
+          <a:lstStyle/>
+          <a:p>
+            <a:fld id="{7D0BE9EC-3994-4E60-BF0C-653179C96710}" type="datetimeFigureOut">
+              <a:rPr lang="en-US" smtClean="0"/>
+              <a:t>9/18/2022</a:t>
+            </a:fld>
+            <a:endParaRPr lang="en-US"/>
+          </a:p>
+        </p:txBody>
+      </p:sp>
+      <p:sp>
+        <p:nvSpPr>
+          <p:cNvPr id="6" name="Footer Placeholder 5"/>
+          <p:cNvSpPr>
+            <a:spLocks noGrp="1"/>
+          </p:cNvSpPr>
+          <p:nvPr>
+            <p:ph type="ftr" sz="quarter" idx="11"/>
+          </p:nvPr>
+        </p:nvSpPr>
+        <p:spPr/>
+        <p:txBody>
+          <a:bodyPr/>
+          <a:lstStyle/>
+          <a:p>
+            <a:endParaRPr lang="en-US"/>
+          </a:p>
+        </p:txBody>
+      </p:sp>
+      <p:sp>
+        <p:nvSpPr>
+          <p:cNvPr id="7" name="Slide Number Placeholder 6"/>
+          <p:cNvSpPr>
+            <a:spLocks noGrp="1"/>
+          </p:cNvSpPr>
+          <p:nvPr>
+            <p:ph type="sldNum" sz="quarter" idx="12"/>
+          </p:nvPr>
+        </p:nvSpPr>
+        <p:spPr/>
+        <p:txBody>
+          <a:bodyPr/>
+          <a:lstStyle/>
+          <a:p>
+            <a:fld id="{71DF6F05-ED68-4774-83B5-727FD9EC65D0}" type="slidenum">
+              <a:rPr lang="en-US" smtClean="0"/>
+              <a:t>‹#›</a:t>
+            </a:fld>
+            <a:endParaRPr lang="en-US"/>
+          </a:p>
+        </p:txBody>
+      </p:sp>
+    </p:spTree>
+    <p:extLst>
+      <p:ext uri="{BB962C8B-B14F-4D97-AF65-F5344CB8AC3E}">
+        <p14:creationId xmlns:p14="http://schemas.microsoft.com/office/powerpoint/2010/main" val="1214662896"/>
+      </p:ext>
+    </p:extLst>
+  </p:cSld>
+  <p:clrMapOvr>
+    <a:masterClrMapping/>
+  </p:clrMapOvr>
+</p:sldLayout>
+</file>
+
+<file path=ppt/slideLayouts/slideLayout21.xml><?xml version="1.0" encoding="utf-8"?>
+<p:sldLayout xmlns:a="http://schemas.openxmlformats.org/drawingml/2006/main" xmlns:r="http://schemas.openxmlformats.org/officeDocument/2006/relationships" xmlns:p="http://schemas.openxmlformats.org/presentationml/2006/main" type="vertTx" preserve="1">
+  <p:cSld name="Title and Vertical Text">
+    <p:spTree>
+      <p:nvGrpSpPr>
+        <p:cNvPr id="1" name=""/>
+        <p:cNvGrpSpPr/>
+        <p:nvPr/>
+      </p:nvGrpSpPr>
+      <p:grpSpPr>
+        <a:xfrm>
+          <a:off x="0" y="0"/>
+          <a:ext cx="0" cy="0"/>
+          <a:chOff x="0" y="0"/>
+          <a:chExt cx="0" cy="0"/>
+        </a:xfrm>
+      </p:grpSpPr>
+      <p:sp>
+        <p:nvSpPr>
+          <p:cNvPr id="2" name="Title 1"/>
+          <p:cNvSpPr>
+            <a:spLocks noGrp="1"/>
+          </p:cNvSpPr>
+          <p:nvPr>
+            <p:ph type="title"/>
+          </p:nvPr>
+        </p:nvSpPr>
+        <p:spPr/>
+        <p:txBody>
+          <a:bodyPr/>
+          <a:lstStyle/>
+          <a:p>
+            <a:r>
+              <a:rPr lang="en-US"/>
+              <a:t>Click to edit Master title style</a:t>
+            </a:r>
+            <a:endParaRPr lang="en-US" dirty="0"/>
+          </a:p>
+        </p:txBody>
+      </p:sp>
+      <p:sp>
+        <p:nvSpPr>
+          <p:cNvPr id="3" name="Vertical Text Placeholder 2"/>
+          <p:cNvSpPr>
+            <a:spLocks noGrp="1"/>
+          </p:cNvSpPr>
+          <p:nvPr>
+            <p:ph type="body" orient="vert" idx="1"/>
+          </p:nvPr>
+        </p:nvSpPr>
+        <p:spPr/>
+        <p:txBody>
+          <a:bodyPr vert="eaVert" lIns="45720" tIns="0" rIns="45720" bIns="0"/>
+          <a:lstStyle/>
+          <a:p>
+            <a:pPr lvl="0"/>
+            <a:r>
+              <a:rPr lang="en-US"/>
+              <a:t>Click to edit Master text styles</a:t>
+            </a:r>
+          </a:p>
+          <a:p>
+            <a:pPr lvl="1"/>
+            <a:r>
+              <a:rPr lang="en-US"/>
+              <a:t>Second level</a:t>
+            </a:r>
+          </a:p>
+          <a:p>
+            <a:pPr lvl="2"/>
+            <a:r>
+              <a:rPr lang="en-US"/>
+              <a:t>Third level</a:t>
+            </a:r>
+          </a:p>
+          <a:p>
+            <a:pPr lvl="3"/>
+            <a:r>
+              <a:rPr lang="en-US"/>
+              <a:t>Fourth level</a:t>
+            </a:r>
+          </a:p>
+          <a:p>
+            <a:pPr lvl="4"/>
+            <a:r>
+              <a:rPr lang="en-US"/>
+              <a:t>Fifth level</a:t>
+            </a:r>
+            <a:endParaRPr lang="en-US" dirty="0"/>
+          </a:p>
+        </p:txBody>
+      </p:sp>
+      <p:sp>
+        <p:nvSpPr>
+          <p:cNvPr id="4" name="Date Placeholder 3"/>
+          <p:cNvSpPr>
+            <a:spLocks noGrp="1"/>
+          </p:cNvSpPr>
+          <p:nvPr>
+            <p:ph type="dt" sz="half" idx="10"/>
+          </p:nvPr>
+        </p:nvSpPr>
+        <p:spPr/>
+        <p:txBody>
+          <a:bodyPr/>
+          <a:lstStyle/>
+          <a:p>
+            <a:fld id="{7D0BE9EC-3994-4E60-BF0C-653179C96710}" type="datetimeFigureOut">
+              <a:rPr lang="en-US" smtClean="0"/>
+              <a:t>9/18/2022</a:t>
+            </a:fld>
+            <a:endParaRPr lang="en-US"/>
+          </a:p>
+        </p:txBody>
+      </p:sp>
+      <p:sp>
+        <p:nvSpPr>
+          <p:cNvPr id="5" name="Footer Placeholder 4"/>
+          <p:cNvSpPr>
+            <a:spLocks noGrp="1"/>
+          </p:cNvSpPr>
+          <p:nvPr>
+            <p:ph type="ftr" sz="quarter" idx="11"/>
+          </p:nvPr>
+        </p:nvSpPr>
+        <p:spPr/>
+        <p:txBody>
+          <a:bodyPr/>
+          <a:lstStyle/>
+          <a:p>
+            <a:endParaRPr lang="en-US"/>
+          </a:p>
+        </p:txBody>
+      </p:sp>
+      <p:sp>
+        <p:nvSpPr>
+          <p:cNvPr id="6" name="Slide Number Placeholder 5"/>
+          <p:cNvSpPr>
+            <a:spLocks noGrp="1"/>
+          </p:cNvSpPr>
+          <p:nvPr>
+            <p:ph type="sldNum" sz="quarter" idx="12"/>
+          </p:nvPr>
+        </p:nvSpPr>
+        <p:spPr/>
+        <p:txBody>
+          <a:bodyPr/>
+          <a:lstStyle/>
+          <a:p>
+            <a:fld id="{71DF6F05-ED68-4774-83B5-727FD9EC65D0}" type="slidenum">
+              <a:rPr lang="en-US" smtClean="0"/>
+              <a:t>‹#›</a:t>
+            </a:fld>
+            <a:endParaRPr lang="en-US"/>
+          </a:p>
+        </p:txBody>
+      </p:sp>
+    </p:spTree>
+    <p:extLst>
+      <p:ext uri="{BB962C8B-B14F-4D97-AF65-F5344CB8AC3E}">
+        <p14:creationId xmlns:p14="http://schemas.microsoft.com/office/powerpoint/2010/main" val="1461975263"/>
+      </p:ext>
+    </p:extLst>
+  </p:cSld>
+  <p:clrMapOvr>
+    <a:masterClrMapping/>
+  </p:clrMapOvr>
+</p:sldLayout>
+</file>
+
+<file path=ppt/slideLayouts/slideLayout22.xml><?xml version="1.0" encoding="utf-8"?>
+<p:sldLayout xmlns:a="http://schemas.openxmlformats.org/drawingml/2006/main" xmlns:r="http://schemas.openxmlformats.org/officeDocument/2006/relationships" xmlns:p="http://schemas.openxmlformats.org/presentationml/2006/main" showMasterSp="0" type="vertTitleAndTx" preserve="1">
+  <p:cSld name="Vertical Title and Text">
+    <p:spTree>
+      <p:nvGrpSpPr>
+        <p:cNvPr id="1" name=""/>
+        <p:cNvGrpSpPr/>
+        <p:nvPr/>
+      </p:nvGrpSpPr>
+      <p:grpSpPr>
+        <a:xfrm>
+          <a:off x="0" y="0"/>
+          <a:ext cx="0" cy="0"/>
+          <a:chOff x="0" y="0"/>
+          <a:chExt cx="0" cy="0"/>
+        </a:xfrm>
+      </p:grpSpPr>
+      <p:sp>
+        <p:nvSpPr>
+          <p:cNvPr id="7" name="Rectangle 6"/>
+          <p:cNvSpPr/>
+          <p:nvPr/>
+        </p:nvSpPr>
+        <p:spPr>
+          <a:xfrm>
+            <a:off x="3175" y="6400800"/>
+            <a:ext cx="12188825" cy="457200"/>
+          </a:xfrm>
+          <a:prstGeom prst="rect">
+            <a:avLst/>
+          </a:prstGeom>
+          <a:solidFill>
+            <a:schemeClr val="accent2"/>
+          </a:solidFill>
+          <a:ln>
+            <a:noFill/>
+          </a:ln>
+        </p:spPr>
+        <p:style>
+          <a:lnRef idx="2">
+            <a:schemeClr val="accent1">
+              <a:shade val="50000"/>
+            </a:schemeClr>
+          </a:lnRef>
+          <a:fillRef idx="1">
+            <a:schemeClr val="accent1"/>
+          </a:fillRef>
+          <a:effectRef idx="0">
+            <a:schemeClr val="accent1"/>
+          </a:effectRef>
+          <a:fontRef idx="minor">
+            <a:schemeClr val="lt1"/>
+          </a:fontRef>
+        </p:style>
+      </p:sp>
+      <p:sp>
+        <p:nvSpPr>
+          <p:cNvPr id="8" name="Rectangle 7"/>
+          <p:cNvSpPr/>
+          <p:nvPr/>
+        </p:nvSpPr>
+        <p:spPr>
+          <a:xfrm>
+            <a:off x="15" y="6334316"/>
+            <a:ext cx="12188825" cy="64008"/>
+          </a:xfrm>
+          <a:prstGeom prst="rect">
+            <a:avLst/>
+          </a:prstGeom>
+          <a:solidFill>
+            <a:schemeClr val="accent1"/>
+          </a:solidFill>
+          <a:ln>
+            <a:noFill/>
+          </a:ln>
+        </p:spPr>
+        <p:style>
+          <a:lnRef idx="2">
+            <a:schemeClr val="accent1">
+              <a:shade val="50000"/>
+            </a:schemeClr>
+          </a:lnRef>
+          <a:fillRef idx="1">
+            <a:schemeClr val="accent1"/>
+          </a:fillRef>
+          <a:effectRef idx="0">
+            <a:schemeClr val="accent1"/>
+          </a:effectRef>
+          <a:fontRef idx="minor">
+            <a:schemeClr val="lt1"/>
+          </a:fontRef>
+        </p:style>
+      </p:sp>
+      <p:sp>
+        <p:nvSpPr>
+          <p:cNvPr id="2" name="Vertical Title 1"/>
+          <p:cNvSpPr>
+            <a:spLocks noGrp="1"/>
+          </p:cNvSpPr>
+          <p:nvPr>
+            <p:ph type="title" orient="vert"/>
+          </p:nvPr>
+        </p:nvSpPr>
+        <p:spPr>
+          <a:xfrm>
+            <a:off x="8724900" y="412302"/>
+            <a:ext cx="2628900" cy="5759898"/>
+          </a:xfrm>
+        </p:spPr>
+        <p:txBody>
+          <a:bodyPr vert="eaVert"/>
+          <a:lstStyle/>
+          <a:p>
+            <a:r>
+              <a:rPr lang="en-US"/>
+              <a:t>Click to edit Master title style</a:t>
+            </a:r>
+            <a:endParaRPr lang="en-US" dirty="0"/>
+          </a:p>
+        </p:txBody>
+      </p:sp>
+      <p:sp>
+        <p:nvSpPr>
+          <p:cNvPr id="3" name="Vertical Text Placeholder 2"/>
+          <p:cNvSpPr>
+            <a:spLocks noGrp="1"/>
+          </p:cNvSpPr>
+          <p:nvPr>
+            <p:ph type="body" orient="vert" idx="1"/>
+          </p:nvPr>
+        </p:nvSpPr>
+        <p:spPr>
+          <a:xfrm>
+            <a:off x="838200" y="412302"/>
+            <a:ext cx="7734300" cy="5759898"/>
+          </a:xfrm>
+        </p:spPr>
+        <p:txBody>
+          <a:bodyPr vert="eaVert" lIns="45720" tIns="0" rIns="45720" bIns="0"/>
+          <a:lstStyle/>
+          <a:p>
+            <a:pPr lvl="0"/>
+            <a:r>
+              <a:rPr lang="en-US"/>
+              <a:t>Click to edit Master text styles</a:t>
+            </a:r>
+          </a:p>
+          <a:p>
+            <a:pPr lvl="1"/>
+            <a:r>
+              <a:rPr lang="en-US"/>
+              <a:t>Second level</a:t>
+            </a:r>
+          </a:p>
+          <a:p>
+            <a:pPr lvl="2"/>
+            <a:r>
+              <a:rPr lang="en-US"/>
+              <a:t>Third level</a:t>
+            </a:r>
+          </a:p>
+          <a:p>
+            <a:pPr lvl="3"/>
+            <a:r>
+              <a:rPr lang="en-US"/>
+              <a:t>Fourth level</a:t>
+            </a:r>
+          </a:p>
+          <a:p>
+            <a:pPr lvl="4"/>
+            <a:r>
+              <a:rPr lang="en-US"/>
+              <a:t>Fifth level</a:t>
+            </a:r>
+            <a:endParaRPr lang="en-US" dirty="0"/>
+          </a:p>
+        </p:txBody>
+      </p:sp>
+      <p:sp>
+        <p:nvSpPr>
+          <p:cNvPr id="4" name="Date Placeholder 3"/>
+          <p:cNvSpPr>
+            <a:spLocks noGrp="1"/>
+          </p:cNvSpPr>
+          <p:nvPr>
+            <p:ph type="dt" sz="half" idx="10"/>
+          </p:nvPr>
+        </p:nvSpPr>
+        <p:spPr/>
+        <p:txBody>
+          <a:bodyPr/>
+          <a:lstStyle/>
+          <a:p>
+            <a:fld id="{7D0BE9EC-3994-4E60-BF0C-653179C96710}" type="datetimeFigureOut">
+              <a:rPr lang="en-US" smtClean="0"/>
+              <a:t>9/18/2022</a:t>
+            </a:fld>
+            <a:endParaRPr lang="en-US"/>
+          </a:p>
+        </p:txBody>
+      </p:sp>
+      <p:sp>
+        <p:nvSpPr>
+          <p:cNvPr id="5" name="Footer Placeholder 4"/>
+          <p:cNvSpPr>
+            <a:spLocks noGrp="1"/>
+          </p:cNvSpPr>
+          <p:nvPr>
+            <p:ph type="ftr" sz="quarter" idx="11"/>
+          </p:nvPr>
+        </p:nvSpPr>
+        <p:spPr/>
+        <p:txBody>
+          <a:bodyPr/>
+          <a:lstStyle/>
+          <a:p>
+            <a:endParaRPr lang="en-US"/>
+          </a:p>
+        </p:txBody>
+      </p:sp>
+      <p:sp>
+        <p:nvSpPr>
+          <p:cNvPr id="6" name="Slide Number Placeholder 5"/>
+          <p:cNvSpPr>
+            <a:spLocks noGrp="1"/>
+          </p:cNvSpPr>
+          <p:nvPr>
+            <p:ph type="sldNum" sz="quarter" idx="12"/>
+          </p:nvPr>
+        </p:nvSpPr>
+        <p:spPr/>
+        <p:txBody>
+          <a:bodyPr/>
+          <a:lstStyle/>
+          <a:p>
+            <a:fld id="{71DF6F05-ED68-4774-83B5-727FD9EC65D0}" type="slidenum">
+              <a:rPr lang="en-US" smtClean="0"/>
+              <a:t>‹#›</a:t>
+            </a:fld>
+            <a:endParaRPr lang="en-US"/>
+          </a:p>
+        </p:txBody>
+      </p:sp>
+    </p:spTree>
+    <p:extLst>
+      <p:ext uri="{BB962C8B-B14F-4D97-AF65-F5344CB8AC3E}">
+        <p14:creationId xmlns:p14="http://schemas.microsoft.com/office/powerpoint/2010/main" val="816414030"/>
       </p:ext>
     </p:extLst>
   </p:cSld>
@@ -1159,7 +4114,7 @@
           <a:p>
             <a:fld id="{433EF8DA-81C9-48DB-9C1B-70F314538A8A}" type="datetimeFigureOut">
               <a:rPr lang="en-IN" smtClean="0"/>
-              <a:t>17-09-2022</a:t>
+              <a:t>18-09-2022</a:t>
             </a:fld>
             <a:endParaRPr lang="en-IN"/>
           </a:p>
@@ -1427,7 +4382,7 @@
           <a:p>
             <a:fld id="{433EF8DA-81C9-48DB-9C1B-70F314538A8A}" type="datetimeFigureOut">
               <a:rPr lang="en-IN" smtClean="0"/>
-              <a:t>17-09-2022</a:t>
+              <a:t>18-09-2022</a:t>
             </a:fld>
             <a:endParaRPr lang="en-IN"/>
           </a:p>
@@ -1842,7 +4797,7 @@
           <a:p>
             <a:fld id="{433EF8DA-81C9-48DB-9C1B-70F314538A8A}" type="datetimeFigureOut">
               <a:rPr lang="en-IN" smtClean="0"/>
-              <a:t>17-09-2022</a:t>
+              <a:t>18-09-2022</a:t>
             </a:fld>
             <a:endParaRPr lang="en-IN"/>
           </a:p>
@@ -1984,7 +4939,7 @@
           <a:p>
             <a:fld id="{433EF8DA-81C9-48DB-9C1B-70F314538A8A}" type="datetimeFigureOut">
               <a:rPr lang="en-IN" smtClean="0"/>
-              <a:t>17-09-2022</a:t>
+              <a:t>18-09-2022</a:t>
             </a:fld>
             <a:endParaRPr lang="en-IN"/>
           </a:p>
@@ -2097,7 +5052,7 @@
           <a:p>
             <a:fld id="{433EF8DA-81C9-48DB-9C1B-70F314538A8A}" type="datetimeFigureOut">
               <a:rPr lang="en-IN" smtClean="0"/>
-              <a:t>17-09-2022</a:t>
+              <a:t>18-09-2022</a:t>
             </a:fld>
             <a:endParaRPr lang="en-IN"/>
           </a:p>
@@ -2410,7 +5365,7 @@
           <a:p>
             <a:fld id="{433EF8DA-81C9-48DB-9C1B-70F314538A8A}" type="datetimeFigureOut">
               <a:rPr lang="en-IN" smtClean="0"/>
-              <a:t>17-09-2022</a:t>
+              <a:t>18-09-2022</a:t>
             </a:fld>
             <a:endParaRPr lang="en-IN"/>
           </a:p>
@@ -2699,7 +5654,7 @@
           <a:p>
             <a:fld id="{433EF8DA-81C9-48DB-9C1B-70F314538A8A}" type="datetimeFigureOut">
               <a:rPr lang="en-IN" smtClean="0"/>
-              <a:t>17-09-2022</a:t>
+              <a:t>18-09-2022</a:t>
             </a:fld>
             <a:endParaRPr lang="en-IN"/>
           </a:p>
@@ -2942,7 +5897,7 @@
           <a:p>
             <a:fld id="{433EF8DA-81C9-48DB-9C1B-70F314538A8A}" type="datetimeFigureOut">
               <a:rPr lang="en-IN" smtClean="0"/>
-              <a:t>17-09-2022</a:t>
+              <a:t>18-09-2022</a:t>
             </a:fld>
             <a:endParaRPr lang="en-IN"/>
           </a:p>
@@ -3342,6 +6297,739 @@
 </p:sldMaster>
 </file>
 
+<file path=ppt/slideMasters/slideMaster2.xml><?xml version="1.0" encoding="utf-8"?>
+<p:sldMaster xmlns:a="http://schemas.openxmlformats.org/drawingml/2006/main" xmlns:r="http://schemas.openxmlformats.org/officeDocument/2006/relationships" xmlns:p="http://schemas.openxmlformats.org/presentationml/2006/main">
+  <p:cSld>
+    <p:bg>
+      <p:bgRef idx="1001">
+        <a:schemeClr val="bg1"/>
+      </p:bgRef>
+    </p:bg>
+    <p:spTree>
+      <p:nvGrpSpPr>
+        <p:cNvPr id="1" name=""/>
+        <p:cNvGrpSpPr/>
+        <p:nvPr/>
+      </p:nvGrpSpPr>
+      <p:grpSpPr>
+        <a:xfrm>
+          <a:off x="0" y="0"/>
+          <a:ext cx="0" cy="0"/>
+          <a:chOff x="0" y="0"/>
+          <a:chExt cx="0" cy="0"/>
+        </a:xfrm>
+      </p:grpSpPr>
+      <p:sp>
+        <p:nvSpPr>
+          <p:cNvPr id="7" name="Rectangle 6"/>
+          <p:cNvSpPr/>
+          <p:nvPr/>
+        </p:nvSpPr>
+        <p:spPr>
+          <a:xfrm>
+            <a:off x="3175" y="6400800"/>
+            <a:ext cx="12188825" cy="457200"/>
+          </a:xfrm>
+          <a:prstGeom prst="rect">
+            <a:avLst/>
+          </a:prstGeom>
+          <a:solidFill>
+            <a:schemeClr val="accent2"/>
+          </a:solidFill>
+          <a:ln>
+            <a:noFill/>
+          </a:ln>
+        </p:spPr>
+        <p:style>
+          <a:lnRef idx="2">
+            <a:schemeClr val="accent1">
+              <a:shade val="50000"/>
+            </a:schemeClr>
+          </a:lnRef>
+          <a:fillRef idx="1">
+            <a:schemeClr val="accent1"/>
+          </a:fillRef>
+          <a:effectRef idx="0">
+            <a:schemeClr val="accent1"/>
+          </a:effectRef>
+          <a:fontRef idx="minor">
+            <a:schemeClr val="lt1"/>
+          </a:fontRef>
+        </p:style>
+      </p:sp>
+      <p:sp>
+        <p:nvSpPr>
+          <p:cNvPr id="9" name="Rectangle 8"/>
+          <p:cNvSpPr/>
+          <p:nvPr/>
+        </p:nvSpPr>
+        <p:spPr>
+          <a:xfrm>
+            <a:off x="15" y="6334316"/>
+            <a:ext cx="12188825" cy="64008"/>
+          </a:xfrm>
+          <a:prstGeom prst="rect">
+            <a:avLst/>
+          </a:prstGeom>
+          <a:solidFill>
+            <a:schemeClr val="accent1"/>
+          </a:solidFill>
+          <a:ln>
+            <a:noFill/>
+          </a:ln>
+        </p:spPr>
+        <p:style>
+          <a:lnRef idx="2">
+            <a:schemeClr val="accent1">
+              <a:shade val="50000"/>
+            </a:schemeClr>
+          </a:lnRef>
+          <a:fillRef idx="1">
+            <a:schemeClr val="accent1"/>
+          </a:fillRef>
+          <a:effectRef idx="0">
+            <a:schemeClr val="accent1"/>
+          </a:effectRef>
+          <a:fontRef idx="minor">
+            <a:schemeClr val="lt1"/>
+          </a:fontRef>
+        </p:style>
+      </p:sp>
+      <p:sp>
+        <p:nvSpPr>
+          <p:cNvPr id="2" name="Title Placeholder 1"/>
+          <p:cNvSpPr>
+            <a:spLocks noGrp="1"/>
+          </p:cNvSpPr>
+          <p:nvPr>
+            <p:ph type="title"/>
+          </p:nvPr>
+        </p:nvSpPr>
+        <p:spPr>
+          <a:xfrm>
+            <a:off x="1097280" y="286603"/>
+            <a:ext cx="10058400" cy="1450757"/>
+          </a:xfrm>
+          <a:prstGeom prst="rect">
+            <a:avLst/>
+          </a:prstGeom>
+        </p:spPr>
+        <p:txBody>
+          <a:bodyPr vert="horz" lIns="91440" tIns="45720" rIns="91440" bIns="45720" rtlCol="0" anchor="b">
+            <a:normAutofit/>
+          </a:bodyPr>
+          <a:lstStyle/>
+          <a:p>
+            <a:r>
+              <a:rPr lang="en-US"/>
+              <a:t>Click to edit Master title style</a:t>
+            </a:r>
+            <a:endParaRPr lang="en-US" dirty="0"/>
+          </a:p>
+        </p:txBody>
+      </p:sp>
+      <p:sp>
+        <p:nvSpPr>
+          <p:cNvPr id="3" name="Text Placeholder 2"/>
+          <p:cNvSpPr>
+            <a:spLocks noGrp="1"/>
+          </p:cNvSpPr>
+          <p:nvPr>
+            <p:ph type="body" idx="1"/>
+          </p:nvPr>
+        </p:nvSpPr>
+        <p:spPr>
+          <a:xfrm>
+            <a:off x="1097280" y="1845734"/>
+            <a:ext cx="10058400" cy="4023360"/>
+          </a:xfrm>
+          <a:prstGeom prst="rect">
+            <a:avLst/>
+          </a:prstGeom>
+        </p:spPr>
+        <p:txBody>
+          <a:bodyPr vert="horz" lIns="0" tIns="45720" rIns="0" bIns="45720" rtlCol="0">
+            <a:normAutofit/>
+          </a:bodyPr>
+          <a:lstStyle/>
+          <a:p>
+            <a:pPr lvl="0"/>
+            <a:r>
+              <a:rPr lang="en-US"/>
+              <a:t>Click to edit Master text styles</a:t>
+            </a:r>
+          </a:p>
+          <a:p>
+            <a:pPr lvl="1"/>
+            <a:r>
+              <a:rPr lang="en-US"/>
+              <a:t>Second level</a:t>
+            </a:r>
+          </a:p>
+          <a:p>
+            <a:pPr lvl="2"/>
+            <a:r>
+              <a:rPr lang="en-US"/>
+              <a:t>Third level</a:t>
+            </a:r>
+          </a:p>
+          <a:p>
+            <a:pPr lvl="3"/>
+            <a:r>
+              <a:rPr lang="en-US"/>
+              <a:t>Fourth level</a:t>
+            </a:r>
+          </a:p>
+          <a:p>
+            <a:pPr lvl="4"/>
+            <a:r>
+              <a:rPr lang="en-US"/>
+              <a:t>Fifth level</a:t>
+            </a:r>
+            <a:endParaRPr lang="en-US" dirty="0"/>
+          </a:p>
+        </p:txBody>
+      </p:sp>
+      <p:sp>
+        <p:nvSpPr>
+          <p:cNvPr id="4" name="Date Placeholder 3"/>
+          <p:cNvSpPr>
+            <a:spLocks noGrp="1"/>
+          </p:cNvSpPr>
+          <p:nvPr>
+            <p:ph type="dt" sz="half" idx="2"/>
+          </p:nvPr>
+        </p:nvSpPr>
+        <p:spPr>
+          <a:xfrm>
+            <a:off x="1097280" y="6459785"/>
+            <a:ext cx="2472271" cy="365125"/>
+          </a:xfrm>
+          <a:prstGeom prst="rect">
+            <a:avLst/>
+          </a:prstGeom>
+        </p:spPr>
+        <p:txBody>
+          <a:bodyPr vert="horz" lIns="91440" tIns="45720" rIns="91440" bIns="45720" rtlCol="0" anchor="ctr"/>
+          <a:lstStyle>
+            <a:lvl1pPr algn="l">
+              <a:defRPr sz="900">
+                <a:solidFill>
+                  <a:srgbClr val="FFFFFF"/>
+                </a:solidFill>
+              </a:defRPr>
+            </a:lvl1pPr>
+          </a:lstStyle>
+          <a:p>
+            <a:fld id="{7D0BE9EC-3994-4E60-BF0C-653179C96710}" type="datetimeFigureOut">
+              <a:rPr lang="en-US" smtClean="0"/>
+              <a:t>9/18/2022</a:t>
+            </a:fld>
+            <a:endParaRPr lang="en-US"/>
+          </a:p>
+        </p:txBody>
+      </p:sp>
+      <p:sp>
+        <p:nvSpPr>
+          <p:cNvPr id="5" name="Footer Placeholder 4"/>
+          <p:cNvSpPr>
+            <a:spLocks noGrp="1"/>
+          </p:cNvSpPr>
+          <p:nvPr>
+            <p:ph type="ftr" sz="quarter" idx="3"/>
+          </p:nvPr>
+        </p:nvSpPr>
+        <p:spPr>
+          <a:xfrm>
+            <a:off x="3686185" y="6459785"/>
+            <a:ext cx="4822804" cy="365125"/>
+          </a:xfrm>
+          <a:prstGeom prst="rect">
+            <a:avLst/>
+          </a:prstGeom>
+        </p:spPr>
+        <p:txBody>
+          <a:bodyPr vert="horz" lIns="91440" tIns="45720" rIns="91440" bIns="45720" rtlCol="0" anchor="ctr"/>
+          <a:lstStyle>
+            <a:lvl1pPr algn="ctr">
+              <a:defRPr sz="900" cap="all" baseline="0">
+                <a:solidFill>
+                  <a:srgbClr val="FFFFFF"/>
+                </a:solidFill>
+              </a:defRPr>
+            </a:lvl1pPr>
+          </a:lstStyle>
+          <a:p>
+            <a:endParaRPr lang="en-US"/>
+          </a:p>
+        </p:txBody>
+      </p:sp>
+      <p:sp>
+        <p:nvSpPr>
+          <p:cNvPr id="6" name="Slide Number Placeholder 5"/>
+          <p:cNvSpPr>
+            <a:spLocks noGrp="1"/>
+          </p:cNvSpPr>
+          <p:nvPr>
+            <p:ph type="sldNum" sz="quarter" idx="4"/>
+          </p:nvPr>
+        </p:nvSpPr>
+        <p:spPr>
+          <a:xfrm>
+            <a:off x="9900458" y="6459785"/>
+            <a:ext cx="1312025" cy="365125"/>
+          </a:xfrm>
+          <a:prstGeom prst="rect">
+            <a:avLst/>
+          </a:prstGeom>
+        </p:spPr>
+        <p:txBody>
+          <a:bodyPr vert="horz" lIns="91440" tIns="45720" rIns="91440" bIns="45720" rtlCol="0" anchor="ctr"/>
+          <a:lstStyle>
+            <a:lvl1pPr algn="r">
+              <a:defRPr sz="1050">
+                <a:solidFill>
+                  <a:srgbClr val="FFFFFF"/>
+                </a:solidFill>
+              </a:defRPr>
+            </a:lvl1pPr>
+          </a:lstStyle>
+          <a:p>
+            <a:fld id="{71DF6F05-ED68-4774-83B5-727FD9EC65D0}" type="slidenum">
+              <a:rPr lang="en-US" smtClean="0"/>
+              <a:t>‹#›</a:t>
+            </a:fld>
+            <a:endParaRPr lang="en-US"/>
+          </a:p>
+        </p:txBody>
+      </p:sp>
+      <p:cxnSp>
+        <p:nvCxnSpPr>
+          <p:cNvPr id="10" name="Straight Connector 9"/>
+          <p:cNvCxnSpPr/>
+          <p:nvPr/>
+        </p:nvCxnSpPr>
+        <p:spPr>
+          <a:xfrm>
+            <a:off x="1193532" y="1737845"/>
+            <a:ext cx="9966960" cy="0"/>
+          </a:xfrm>
+          <a:prstGeom prst="line">
+            <a:avLst/>
+          </a:prstGeom>
+          <a:ln w="6350">
+            <a:solidFill>
+              <a:schemeClr val="tx1">
+                <a:lumMod val="50000"/>
+                <a:lumOff val="50000"/>
+              </a:schemeClr>
+            </a:solidFill>
+          </a:ln>
+        </p:spPr>
+        <p:style>
+          <a:lnRef idx="1">
+            <a:schemeClr val="accent1"/>
+          </a:lnRef>
+          <a:fillRef idx="0">
+            <a:schemeClr val="accent1"/>
+          </a:fillRef>
+          <a:effectRef idx="0">
+            <a:schemeClr val="accent1"/>
+          </a:effectRef>
+          <a:fontRef idx="minor">
+            <a:schemeClr val="tx1"/>
+          </a:fontRef>
+        </p:style>
+      </p:cxnSp>
+    </p:spTree>
+    <p:extLst>
+      <p:ext uri="{BB962C8B-B14F-4D97-AF65-F5344CB8AC3E}">
+        <p14:creationId xmlns:p14="http://schemas.microsoft.com/office/powerpoint/2010/main" val="96884295"/>
+      </p:ext>
+    </p:extLst>
+  </p:cSld>
+  <p:clrMap bg1="lt1" tx1="dk1" bg2="lt2" tx2="dk2" accent1="accent1" accent2="accent2" accent3="accent3" accent4="accent4" accent5="accent5" accent6="accent6" hlink="hlink" folHlink="folHlink"/>
+  <p:sldLayoutIdLst>
+    <p:sldLayoutId id="2147483661" r:id="rId1"/>
+    <p:sldLayoutId id="2147483662" r:id="rId2"/>
+    <p:sldLayoutId id="2147483663" r:id="rId3"/>
+    <p:sldLayoutId id="2147483664" r:id="rId4"/>
+    <p:sldLayoutId id="2147483665" r:id="rId5"/>
+    <p:sldLayoutId id="2147483666" r:id="rId6"/>
+    <p:sldLayoutId id="2147483667" r:id="rId7"/>
+    <p:sldLayoutId id="2147483668" r:id="rId8"/>
+    <p:sldLayoutId id="2147483669" r:id="rId9"/>
+    <p:sldLayoutId id="2147483670" r:id="rId10"/>
+    <p:sldLayoutId id="2147483671" r:id="rId11"/>
+  </p:sldLayoutIdLst>
+  <p:txStyles>
+    <p:titleStyle>
+      <a:lvl1pPr algn="l" defTabSz="914400" rtl="0" eaLnBrk="1" latinLnBrk="0" hangingPunct="1">
+        <a:lnSpc>
+          <a:spcPct val="85000"/>
+        </a:lnSpc>
+        <a:spcBef>
+          <a:spcPct val="0"/>
+        </a:spcBef>
+        <a:buNone/>
+        <a:defRPr sz="4800" kern="1200" spc="-50" baseline="0">
+          <a:solidFill>
+            <a:schemeClr val="tx1">
+              <a:lumMod val="75000"/>
+              <a:lumOff val="25000"/>
+            </a:schemeClr>
+          </a:solidFill>
+          <a:latin typeface="+mj-lt"/>
+          <a:ea typeface="+mj-ea"/>
+          <a:cs typeface="+mj-cs"/>
+        </a:defRPr>
+      </a:lvl1pPr>
+    </p:titleStyle>
+    <p:bodyStyle>
+      <a:lvl1pPr marL="91440" indent="-91440" algn="l" defTabSz="914400" rtl="0" eaLnBrk="1" latinLnBrk="0" hangingPunct="1">
+        <a:lnSpc>
+          <a:spcPct val="90000"/>
+        </a:lnSpc>
+        <a:spcBef>
+          <a:spcPts val="1200"/>
+        </a:spcBef>
+        <a:spcAft>
+          <a:spcPts val="200"/>
+        </a:spcAft>
+        <a:buClr>
+          <a:schemeClr val="accent1"/>
+        </a:buClr>
+        <a:buSzPct val="100000"/>
+        <a:buFont typeface="Calibri" panose="020F0502020204030204" pitchFamily="34" charset="0"/>
+        <a:buChar char=" "/>
+        <a:defRPr sz="2000" kern="1200">
+          <a:solidFill>
+            <a:schemeClr val="tx1">
+              <a:lumMod val="75000"/>
+              <a:lumOff val="25000"/>
+            </a:schemeClr>
+          </a:solidFill>
+          <a:latin typeface="+mn-lt"/>
+          <a:ea typeface="+mn-ea"/>
+          <a:cs typeface="+mn-cs"/>
+        </a:defRPr>
+      </a:lvl1pPr>
+      <a:lvl2pPr marL="384048" indent="-182880" algn="l" defTabSz="914400" rtl="0" eaLnBrk="1" latinLnBrk="0" hangingPunct="1">
+        <a:lnSpc>
+          <a:spcPct val="90000"/>
+        </a:lnSpc>
+        <a:spcBef>
+          <a:spcPts val="200"/>
+        </a:spcBef>
+        <a:spcAft>
+          <a:spcPts val="400"/>
+        </a:spcAft>
+        <a:buClr>
+          <a:schemeClr val="accent1"/>
+        </a:buClr>
+        <a:buFont typeface="Calibri" pitchFamily="34" charset="0"/>
+        <a:buChar char="◦"/>
+        <a:defRPr sz="1800" kern="1200">
+          <a:solidFill>
+            <a:schemeClr val="tx1">
+              <a:lumMod val="75000"/>
+              <a:lumOff val="25000"/>
+            </a:schemeClr>
+          </a:solidFill>
+          <a:latin typeface="+mn-lt"/>
+          <a:ea typeface="+mn-ea"/>
+          <a:cs typeface="+mn-cs"/>
+        </a:defRPr>
+      </a:lvl2pPr>
+      <a:lvl3pPr marL="566928" indent="-182880" algn="l" defTabSz="914400" rtl="0" eaLnBrk="1" latinLnBrk="0" hangingPunct="1">
+        <a:lnSpc>
+          <a:spcPct val="90000"/>
+        </a:lnSpc>
+        <a:spcBef>
+          <a:spcPts val="200"/>
+        </a:spcBef>
+        <a:spcAft>
+          <a:spcPts val="400"/>
+        </a:spcAft>
+        <a:buClr>
+          <a:schemeClr val="accent1"/>
+        </a:buClr>
+        <a:buFont typeface="Calibri" pitchFamily="34" charset="0"/>
+        <a:buChar char="◦"/>
+        <a:defRPr sz="1400" kern="1200">
+          <a:solidFill>
+            <a:schemeClr val="tx1">
+              <a:lumMod val="75000"/>
+              <a:lumOff val="25000"/>
+            </a:schemeClr>
+          </a:solidFill>
+          <a:latin typeface="+mn-lt"/>
+          <a:ea typeface="+mn-ea"/>
+          <a:cs typeface="+mn-cs"/>
+        </a:defRPr>
+      </a:lvl3pPr>
+      <a:lvl4pPr marL="749808" indent="-182880" algn="l" defTabSz="914400" rtl="0" eaLnBrk="1" latinLnBrk="0" hangingPunct="1">
+        <a:lnSpc>
+          <a:spcPct val="90000"/>
+        </a:lnSpc>
+        <a:spcBef>
+          <a:spcPts val="200"/>
+        </a:spcBef>
+        <a:spcAft>
+          <a:spcPts val="400"/>
+        </a:spcAft>
+        <a:buClr>
+          <a:schemeClr val="accent1"/>
+        </a:buClr>
+        <a:buFont typeface="Calibri" pitchFamily="34" charset="0"/>
+        <a:buChar char="◦"/>
+        <a:defRPr sz="1400" kern="1200">
+          <a:solidFill>
+            <a:schemeClr val="tx1">
+              <a:lumMod val="75000"/>
+              <a:lumOff val="25000"/>
+            </a:schemeClr>
+          </a:solidFill>
+          <a:latin typeface="+mn-lt"/>
+          <a:ea typeface="+mn-ea"/>
+          <a:cs typeface="+mn-cs"/>
+        </a:defRPr>
+      </a:lvl4pPr>
+      <a:lvl5pPr marL="932688" indent="-182880" algn="l" defTabSz="914400" rtl="0" eaLnBrk="1" latinLnBrk="0" hangingPunct="1">
+        <a:lnSpc>
+          <a:spcPct val="90000"/>
+        </a:lnSpc>
+        <a:spcBef>
+          <a:spcPts val="200"/>
+        </a:spcBef>
+        <a:spcAft>
+          <a:spcPts val="400"/>
+        </a:spcAft>
+        <a:buClr>
+          <a:schemeClr val="accent1"/>
+        </a:buClr>
+        <a:buFont typeface="Calibri" pitchFamily="34" charset="0"/>
+        <a:buChar char="◦"/>
+        <a:defRPr sz="1400" kern="1200">
+          <a:solidFill>
+            <a:schemeClr val="tx1">
+              <a:lumMod val="75000"/>
+              <a:lumOff val="25000"/>
+            </a:schemeClr>
+          </a:solidFill>
+          <a:latin typeface="+mn-lt"/>
+          <a:ea typeface="+mn-ea"/>
+          <a:cs typeface="+mn-cs"/>
+        </a:defRPr>
+      </a:lvl5pPr>
+      <a:lvl6pPr marL="1100000" indent="-228600" algn="l" defTabSz="914400" rtl="0" eaLnBrk="1" latinLnBrk="0" hangingPunct="1">
+        <a:lnSpc>
+          <a:spcPct val="90000"/>
+        </a:lnSpc>
+        <a:spcBef>
+          <a:spcPts val="200"/>
+        </a:spcBef>
+        <a:spcAft>
+          <a:spcPts val="400"/>
+        </a:spcAft>
+        <a:buClr>
+          <a:schemeClr val="accent1"/>
+        </a:buClr>
+        <a:buFont typeface="Calibri" pitchFamily="34" charset="0"/>
+        <a:buChar char="◦"/>
+        <a:defRPr sz="1400" kern="1200">
+          <a:solidFill>
+            <a:schemeClr val="tx1">
+              <a:lumMod val="75000"/>
+              <a:lumOff val="25000"/>
+            </a:schemeClr>
+          </a:solidFill>
+          <a:latin typeface="+mn-lt"/>
+          <a:ea typeface="+mn-ea"/>
+          <a:cs typeface="+mn-cs"/>
+        </a:defRPr>
+      </a:lvl6pPr>
+      <a:lvl7pPr marL="1300000" indent="-228600" algn="l" defTabSz="914400" rtl="0" eaLnBrk="1" latinLnBrk="0" hangingPunct="1">
+        <a:lnSpc>
+          <a:spcPct val="90000"/>
+        </a:lnSpc>
+        <a:spcBef>
+          <a:spcPts val="200"/>
+        </a:spcBef>
+        <a:spcAft>
+          <a:spcPts val="400"/>
+        </a:spcAft>
+        <a:buClr>
+          <a:schemeClr val="accent1"/>
+        </a:buClr>
+        <a:buFont typeface="Calibri" pitchFamily="34" charset="0"/>
+        <a:buChar char="◦"/>
+        <a:defRPr sz="1400" kern="1200">
+          <a:solidFill>
+            <a:schemeClr val="tx1">
+              <a:lumMod val="75000"/>
+              <a:lumOff val="25000"/>
+            </a:schemeClr>
+          </a:solidFill>
+          <a:latin typeface="+mn-lt"/>
+          <a:ea typeface="+mn-ea"/>
+          <a:cs typeface="+mn-cs"/>
+        </a:defRPr>
+      </a:lvl7pPr>
+      <a:lvl8pPr marL="1500000" indent="-228600" algn="l" defTabSz="914400" rtl="0" eaLnBrk="1" latinLnBrk="0" hangingPunct="1">
+        <a:lnSpc>
+          <a:spcPct val="90000"/>
+        </a:lnSpc>
+        <a:spcBef>
+          <a:spcPts val="200"/>
+        </a:spcBef>
+        <a:spcAft>
+          <a:spcPts val="400"/>
+        </a:spcAft>
+        <a:buClr>
+          <a:schemeClr val="accent1"/>
+        </a:buClr>
+        <a:buFont typeface="Calibri" pitchFamily="34" charset="0"/>
+        <a:buChar char="◦"/>
+        <a:defRPr sz="1400" kern="1200">
+          <a:solidFill>
+            <a:schemeClr val="tx1">
+              <a:lumMod val="75000"/>
+              <a:lumOff val="25000"/>
+            </a:schemeClr>
+          </a:solidFill>
+          <a:latin typeface="+mn-lt"/>
+          <a:ea typeface="+mn-ea"/>
+          <a:cs typeface="+mn-cs"/>
+        </a:defRPr>
+      </a:lvl8pPr>
+      <a:lvl9pPr marL="1700000" indent="-228600" algn="l" defTabSz="914400" rtl="0" eaLnBrk="1" latinLnBrk="0" hangingPunct="1">
+        <a:lnSpc>
+          <a:spcPct val="90000"/>
+        </a:lnSpc>
+        <a:spcBef>
+          <a:spcPts val="200"/>
+        </a:spcBef>
+        <a:spcAft>
+          <a:spcPts val="400"/>
+        </a:spcAft>
+        <a:buClr>
+          <a:schemeClr val="accent1"/>
+        </a:buClr>
+        <a:buFont typeface="Calibri" pitchFamily="34" charset="0"/>
+        <a:buChar char="◦"/>
+        <a:defRPr sz="1400" kern="1200">
+          <a:solidFill>
+            <a:schemeClr val="tx1">
+              <a:lumMod val="75000"/>
+              <a:lumOff val="25000"/>
+            </a:schemeClr>
+          </a:solidFill>
+          <a:latin typeface="+mn-lt"/>
+          <a:ea typeface="+mn-ea"/>
+          <a:cs typeface="+mn-cs"/>
+        </a:defRPr>
+      </a:lvl9pPr>
+    </p:bodyStyle>
+    <p:otherStyle>
+      <a:defPPr>
+        <a:defRPr lang="en-US"/>
+      </a:defPPr>
+      <a:lvl1pPr marL="0" algn="l" defTabSz="914400" rtl="0" eaLnBrk="1" latinLnBrk="0" hangingPunct="1">
+        <a:defRPr sz="1800" kern="1200">
+          <a:solidFill>
+            <a:schemeClr val="tx1"/>
+          </a:solidFill>
+          <a:latin typeface="+mn-lt"/>
+          <a:ea typeface="+mn-ea"/>
+          <a:cs typeface="+mn-cs"/>
+        </a:defRPr>
+      </a:lvl1pPr>
+      <a:lvl2pPr marL="457200" algn="l" defTabSz="914400" rtl="0" eaLnBrk="1" latinLnBrk="0" hangingPunct="1">
+        <a:defRPr sz="1800" kern="1200">
+          <a:solidFill>
+            <a:schemeClr val="tx1"/>
+          </a:solidFill>
+          <a:latin typeface="+mn-lt"/>
+          <a:ea typeface="+mn-ea"/>
+          <a:cs typeface="+mn-cs"/>
+        </a:defRPr>
+      </a:lvl2pPr>
+      <a:lvl3pPr marL="914400" algn="l" defTabSz="914400" rtl="0" eaLnBrk="1" latinLnBrk="0" hangingPunct="1">
+        <a:defRPr sz="1800" kern="1200">
+          <a:solidFill>
+            <a:schemeClr val="tx1"/>
+          </a:solidFill>
+          <a:latin typeface="+mn-lt"/>
+          <a:ea typeface="+mn-ea"/>
+          <a:cs typeface="+mn-cs"/>
+        </a:defRPr>
+      </a:lvl3pPr>
+      <a:lvl4pPr marL="1371600" algn="l" defTabSz="914400" rtl="0" eaLnBrk="1" latinLnBrk="0" hangingPunct="1">
+        <a:defRPr sz="1800" kern="1200">
+          <a:solidFill>
+            <a:schemeClr val="tx1"/>
+          </a:solidFill>
+          <a:latin typeface="+mn-lt"/>
+          <a:ea typeface="+mn-ea"/>
+          <a:cs typeface="+mn-cs"/>
+        </a:defRPr>
+      </a:lvl4pPr>
+      <a:lvl5pPr marL="1828800" algn="l" defTabSz="914400" rtl="0" eaLnBrk="1" latinLnBrk="0" hangingPunct="1">
+        <a:defRPr sz="1800" kern="1200">
+          <a:solidFill>
+            <a:schemeClr val="tx1"/>
+          </a:solidFill>
+          <a:latin typeface="+mn-lt"/>
+          <a:ea typeface="+mn-ea"/>
+          <a:cs typeface="+mn-cs"/>
+        </a:defRPr>
+      </a:lvl5pPr>
+      <a:lvl6pPr marL="2286000" algn="l" defTabSz="914400" rtl="0" eaLnBrk="1" latinLnBrk="0" hangingPunct="1">
+        <a:defRPr sz="1800" kern="1200">
+          <a:solidFill>
+            <a:schemeClr val="tx1"/>
+          </a:solidFill>
+          <a:latin typeface="+mn-lt"/>
+          <a:ea typeface="+mn-ea"/>
+          <a:cs typeface="+mn-cs"/>
+        </a:defRPr>
+      </a:lvl6pPr>
+      <a:lvl7pPr marL="2743200" algn="l" defTabSz="914400" rtl="0" eaLnBrk="1" latinLnBrk="0" hangingPunct="1">
+        <a:defRPr sz="1800" kern="1200">
+          <a:solidFill>
+            <a:schemeClr val="tx1"/>
+          </a:solidFill>
+          <a:latin typeface="+mn-lt"/>
+          <a:ea typeface="+mn-ea"/>
+          <a:cs typeface="+mn-cs"/>
+        </a:defRPr>
+      </a:lvl7pPr>
+      <a:lvl8pPr marL="3200400" algn="l" defTabSz="914400" rtl="0" eaLnBrk="1" latinLnBrk="0" hangingPunct="1">
+        <a:defRPr sz="1800" kern="1200">
+          <a:solidFill>
+            <a:schemeClr val="tx1"/>
+          </a:solidFill>
+          <a:latin typeface="+mn-lt"/>
+          <a:ea typeface="+mn-ea"/>
+          <a:cs typeface="+mn-cs"/>
+        </a:defRPr>
+      </a:lvl8pPr>
+      <a:lvl9pPr marL="3657600" algn="l" defTabSz="914400" rtl="0" eaLnBrk="1" latinLnBrk="0" hangingPunct="1">
+        <a:defRPr sz="1800" kern="1200">
+          <a:solidFill>
+            <a:schemeClr val="tx1"/>
+          </a:solidFill>
+          <a:latin typeface="+mn-lt"/>
+          <a:ea typeface="+mn-ea"/>
+          <a:cs typeface="+mn-cs"/>
+        </a:defRPr>
+      </a:lvl9pPr>
+    </p:otherStyle>
+  </p:txStyles>
+</p:sldMaster>
+</file>
+
 <file path=ppt/slides/slide1.xml><?xml version="1.0" encoding="utf-8"?>
 <p:sld xmlns:a="http://schemas.openxmlformats.org/drawingml/2006/main" xmlns:r="http://schemas.openxmlformats.org/officeDocument/2006/relationships" xmlns:p="http://schemas.openxmlformats.org/presentationml/2006/main">
   <p:cSld>
@@ -3870,6 +7558,989 @@
     <p:extLst>
       <p:ext uri="{BB962C8B-B14F-4D97-AF65-F5344CB8AC3E}">
         <p14:creationId xmlns:p14="http://schemas.microsoft.com/office/powerpoint/2010/main" val="2648213242"/>
+      </p:ext>
+    </p:extLst>
+  </p:cSld>
+  <p:clrMapOvr>
+    <a:masterClrMapping/>
+  </p:clrMapOvr>
+</p:sld>
+</file>
+
+<file path=ppt/slides/slide14.xml><?xml version="1.0" encoding="utf-8"?>
+<p:sld xmlns:a="http://schemas.openxmlformats.org/drawingml/2006/main" xmlns:r="http://schemas.openxmlformats.org/officeDocument/2006/relationships" xmlns:p="http://schemas.openxmlformats.org/presentationml/2006/main">
+  <p:cSld>
+    <p:spTree>
+      <p:nvGrpSpPr>
+        <p:cNvPr id="1" name=""/>
+        <p:cNvGrpSpPr/>
+        <p:nvPr/>
+      </p:nvGrpSpPr>
+      <p:grpSpPr>
+        <a:xfrm>
+          <a:off x="0" y="0"/>
+          <a:ext cx="0" cy="0"/>
+          <a:chOff x="0" y="0"/>
+          <a:chExt cx="0" cy="0"/>
+        </a:xfrm>
+      </p:grpSpPr>
+      <p:sp>
+        <p:nvSpPr>
+          <p:cNvPr id="4" name="Title 3">
+            <a:extLst>
+              <a:ext uri="{FF2B5EF4-FFF2-40B4-BE49-F238E27FC236}">
+                <a16:creationId xmlns:a16="http://schemas.microsoft.com/office/drawing/2014/main" id="{A3AACFBF-F1C1-2B5A-B25C-DCA0E71EF7C5}"/>
+              </a:ext>
+            </a:extLst>
+          </p:cNvPr>
+          <p:cNvSpPr>
+            <a:spLocks noGrp="1"/>
+          </p:cNvSpPr>
+          <p:nvPr>
+            <p:ph type="ctrTitle"/>
+          </p:nvPr>
+        </p:nvSpPr>
+        <p:spPr>
+          <a:xfrm>
+            <a:off x="1622474" y="1952357"/>
+            <a:ext cx="9144000" cy="2387600"/>
+          </a:xfrm>
+        </p:spPr>
+        <p:txBody>
+          <a:bodyPr/>
+          <a:lstStyle/>
+          <a:p>
+            <a:r>
+              <a:rPr lang="en-IN" dirty="0"/>
+              <a:t>Azure Fundamentals</a:t>
+            </a:r>
+          </a:p>
+        </p:txBody>
+      </p:sp>
+    </p:spTree>
+    <p:extLst>
+      <p:ext uri="{BB962C8B-B14F-4D97-AF65-F5344CB8AC3E}">
+        <p14:creationId xmlns:p14="http://schemas.microsoft.com/office/powerpoint/2010/main" val="3127990848"/>
+      </p:ext>
+    </p:extLst>
+  </p:cSld>
+  <p:clrMapOvr>
+    <a:masterClrMapping/>
+  </p:clrMapOvr>
+</p:sld>
+</file>
+
+<file path=ppt/slides/slide15.xml><?xml version="1.0" encoding="utf-8"?>
+<p:sld xmlns:a="http://schemas.openxmlformats.org/drawingml/2006/main" xmlns:r="http://schemas.openxmlformats.org/officeDocument/2006/relationships" xmlns:p="http://schemas.openxmlformats.org/presentationml/2006/main">
+  <p:cSld>
+    <p:spTree>
+      <p:nvGrpSpPr>
+        <p:cNvPr id="1" name=""/>
+        <p:cNvGrpSpPr/>
+        <p:nvPr/>
+      </p:nvGrpSpPr>
+      <p:grpSpPr>
+        <a:xfrm>
+          <a:off x="0" y="0"/>
+          <a:ext cx="0" cy="0"/>
+          <a:chOff x="0" y="0"/>
+          <a:chExt cx="0" cy="0"/>
+        </a:xfrm>
+      </p:grpSpPr>
+      <p:sp>
+        <p:nvSpPr>
+          <p:cNvPr id="4" name="Title 3">
+            <a:extLst>
+              <a:ext uri="{FF2B5EF4-FFF2-40B4-BE49-F238E27FC236}">
+                <a16:creationId xmlns:a16="http://schemas.microsoft.com/office/drawing/2014/main" id="{631EB57C-05E7-F20A-D60E-B39331BB69C8}"/>
+              </a:ext>
+            </a:extLst>
+          </p:cNvPr>
+          <p:cNvSpPr>
+            <a:spLocks noGrp="1"/>
+          </p:cNvSpPr>
+          <p:nvPr>
+            <p:ph type="ctrTitle"/>
+          </p:nvPr>
+        </p:nvSpPr>
+        <p:spPr/>
+        <p:txBody>
+          <a:bodyPr/>
+          <a:lstStyle/>
+          <a:p>
+            <a:r>
+              <a:rPr lang="en-IN"/>
+              <a:t>Azure Fundamentals</a:t>
+            </a:r>
+            <a:endParaRPr lang="en-IN" dirty="0"/>
+          </a:p>
+        </p:txBody>
+      </p:sp>
+      <p:pic>
+        <p:nvPicPr>
+          <p:cNvPr id="7" name="Picture 6">
+            <a:extLst>
+              <a:ext uri="{FF2B5EF4-FFF2-40B4-BE49-F238E27FC236}">
+                <a16:creationId xmlns:a16="http://schemas.microsoft.com/office/drawing/2014/main" id="{2DE50136-02BC-7283-A52F-A47DDEF7651F}"/>
+              </a:ext>
+            </a:extLst>
+          </p:cNvPr>
+          <p:cNvPicPr>
+            <a:picLocks noChangeAspect="1"/>
+          </p:cNvPicPr>
+          <p:nvPr/>
+        </p:nvPicPr>
+        <p:blipFill>
+          <a:blip r:embed="rId2"/>
+          <a:stretch>
+            <a:fillRect/>
+          </a:stretch>
+        </p:blipFill>
+        <p:spPr>
+          <a:xfrm>
+            <a:off x="0" y="1328853"/>
+            <a:ext cx="12192000" cy="4200293"/>
+          </a:xfrm>
+          <a:prstGeom prst="rect">
+            <a:avLst/>
+          </a:prstGeom>
+        </p:spPr>
+      </p:pic>
+      <p:sp>
+        <p:nvSpPr>
+          <p:cNvPr id="8" name="TextBox 7">
+            <a:extLst>
+              <a:ext uri="{FF2B5EF4-FFF2-40B4-BE49-F238E27FC236}">
+                <a16:creationId xmlns:a16="http://schemas.microsoft.com/office/drawing/2014/main" id="{A5E4D99A-8CCE-6EB7-88F8-9FDB3786423B}"/>
+              </a:ext>
+            </a:extLst>
+          </p:cNvPr>
+          <p:cNvSpPr txBox="1"/>
+          <p:nvPr/>
+        </p:nvSpPr>
+        <p:spPr>
+          <a:xfrm>
+            <a:off x="703385" y="351692"/>
+            <a:ext cx="9580098" cy="369332"/>
+          </a:xfrm>
+          <a:prstGeom prst="rect">
+            <a:avLst/>
+          </a:prstGeom>
+          <a:noFill/>
+        </p:spPr>
+        <p:txBody>
+          <a:bodyPr wrap="square" rtlCol="0">
+            <a:spAutoFit/>
+          </a:bodyPr>
+          <a:lstStyle/>
+          <a:p>
+            <a:r>
+              <a:rPr lang="en-IN" dirty="0"/>
+              <a:t>Azure IaaS, PaaS &amp; SaaS Concepts</a:t>
+            </a:r>
+          </a:p>
+        </p:txBody>
+      </p:sp>
+    </p:spTree>
+    <p:extLst>
+      <p:ext uri="{BB962C8B-B14F-4D97-AF65-F5344CB8AC3E}">
+        <p14:creationId xmlns:p14="http://schemas.microsoft.com/office/powerpoint/2010/main" val="1897315726"/>
+      </p:ext>
+    </p:extLst>
+  </p:cSld>
+  <p:clrMapOvr>
+    <a:masterClrMapping/>
+  </p:clrMapOvr>
+</p:sld>
+</file>
+
+<file path=ppt/slides/slide16.xml><?xml version="1.0" encoding="utf-8"?>
+<p:sld xmlns:a="http://schemas.openxmlformats.org/drawingml/2006/main" xmlns:r="http://schemas.openxmlformats.org/officeDocument/2006/relationships" xmlns:p="http://schemas.openxmlformats.org/presentationml/2006/main">
+  <p:cSld>
+    <p:spTree>
+      <p:nvGrpSpPr>
+        <p:cNvPr id="1" name=""/>
+        <p:cNvGrpSpPr/>
+        <p:nvPr/>
+      </p:nvGrpSpPr>
+      <p:grpSpPr>
+        <a:xfrm>
+          <a:off x="0" y="0"/>
+          <a:ext cx="0" cy="0"/>
+          <a:chOff x="0" y="0"/>
+          <a:chExt cx="0" cy="0"/>
+        </a:xfrm>
+      </p:grpSpPr>
+      <p:sp>
+        <p:nvSpPr>
+          <p:cNvPr id="2" name="Title 1">
+            <a:extLst>
+              <a:ext uri="{FF2B5EF4-FFF2-40B4-BE49-F238E27FC236}">
+                <a16:creationId xmlns:a16="http://schemas.microsoft.com/office/drawing/2014/main" id="{44AB8775-A672-4362-B7C5-DACBE0A4EA00}"/>
+              </a:ext>
+            </a:extLst>
+          </p:cNvPr>
+          <p:cNvSpPr>
+            <a:spLocks noGrp="1"/>
+          </p:cNvSpPr>
+          <p:nvPr>
+            <p:ph type="title"/>
+          </p:nvPr>
+        </p:nvSpPr>
+        <p:spPr>
+          <a:xfrm>
+            <a:off x="1097280" y="286604"/>
+            <a:ext cx="10058400" cy="1227404"/>
+          </a:xfrm>
+        </p:spPr>
+        <p:txBody>
+          <a:bodyPr/>
+          <a:lstStyle/>
+          <a:p>
+            <a:r>
+              <a:rPr lang="en-US" dirty="0"/>
+              <a:t>A lap around Azure Datacenter</a:t>
+            </a:r>
+          </a:p>
+        </p:txBody>
+      </p:sp>
+      <p:sp>
+        <p:nvSpPr>
+          <p:cNvPr id="5" name="Content Placeholder 4">
+            <a:extLst>
+              <a:ext uri="{FF2B5EF4-FFF2-40B4-BE49-F238E27FC236}">
+                <a16:creationId xmlns:a16="http://schemas.microsoft.com/office/drawing/2014/main" id="{6737B5E7-79AA-4FFD-A38C-52289EAD75AC}"/>
+              </a:ext>
+            </a:extLst>
+          </p:cNvPr>
+          <p:cNvSpPr>
+            <a:spLocks noGrp="1"/>
+          </p:cNvSpPr>
+          <p:nvPr>
+            <p:ph idx="1"/>
+          </p:nvPr>
+        </p:nvSpPr>
+        <p:spPr/>
+        <p:txBody>
+          <a:bodyPr/>
+          <a:lstStyle/>
+          <a:p>
+            <a:pPr>
+              <a:buFont typeface="Arial" panose="020B0604020202020204" pitchFamily="34" charset="0"/>
+              <a:buChar char="•"/>
+            </a:pPr>
+            <a:r>
+              <a:rPr lang="en-US" dirty="0"/>
+              <a:t> Azure data centers are unique physical buildings – located all over the globe- that house a group of networked computer servers. </a:t>
+            </a:r>
+          </a:p>
+          <a:p>
+            <a:pPr>
+              <a:buFont typeface="Arial" panose="020B0604020202020204" pitchFamily="34" charset="0"/>
+              <a:buChar char="•"/>
+            </a:pPr>
+            <a:endParaRPr lang="en-US" dirty="0"/>
+          </a:p>
+          <a:p>
+            <a:pPr>
+              <a:buFont typeface="Arial" panose="020B0604020202020204" pitchFamily="34" charset="0"/>
+              <a:buChar char="•"/>
+            </a:pPr>
+            <a:r>
+              <a:rPr lang="en-US" dirty="0"/>
+              <a:t> Azure composed of a globally distributed datacenter infrastructure supporting thousands of online services &amp; spanning more than 100 highly secure facilities worldwide. Azure has 58 regions worldwide &amp; is available in 140 countries/regions. </a:t>
+            </a:r>
+          </a:p>
+          <a:p>
+            <a:pPr>
+              <a:buFont typeface="Arial" panose="020B0604020202020204" pitchFamily="34" charset="0"/>
+              <a:buChar char="•"/>
+            </a:pPr>
+            <a:endParaRPr lang="en-US" dirty="0"/>
+          </a:p>
+          <a:p>
+            <a:pPr>
+              <a:buFont typeface="Arial" panose="020B0604020202020204" pitchFamily="34" charset="0"/>
+              <a:buChar char="•"/>
+            </a:pPr>
+            <a:r>
+              <a:rPr lang="en-US" dirty="0"/>
+              <a:t>A region is set of datacenters interconnected via a massive &amp; resilient network. The network includes content distribution, load balancing, redundancy &amp; data link encryption by default for all Azure traffic within a region or travelling between regions.  </a:t>
+            </a:r>
+          </a:p>
+        </p:txBody>
+      </p:sp>
+    </p:spTree>
+    <p:extLst>
+      <p:ext uri="{BB962C8B-B14F-4D97-AF65-F5344CB8AC3E}">
+        <p14:creationId xmlns:p14="http://schemas.microsoft.com/office/powerpoint/2010/main" val="1674829923"/>
+      </p:ext>
+    </p:extLst>
+  </p:cSld>
+  <p:clrMapOvr>
+    <a:masterClrMapping/>
+  </p:clrMapOvr>
+</p:sld>
+</file>
+
+<file path=ppt/slides/slide17.xml><?xml version="1.0" encoding="utf-8"?>
+<p:sld xmlns:a="http://schemas.openxmlformats.org/drawingml/2006/main" xmlns:r="http://schemas.openxmlformats.org/officeDocument/2006/relationships" xmlns:p="http://schemas.openxmlformats.org/presentationml/2006/main">
+  <p:cSld>
+    <p:bg>
+      <p:bgPr>
+        <a:solidFill>
+          <a:schemeClr val="bg1"/>
+        </a:solidFill>
+        <a:effectLst/>
+      </p:bgPr>
+    </p:bg>
+    <p:spTree>
+      <p:nvGrpSpPr>
+        <p:cNvPr id="1" name=""/>
+        <p:cNvGrpSpPr/>
+        <p:nvPr/>
+      </p:nvGrpSpPr>
+      <p:grpSpPr>
+        <a:xfrm>
+          <a:off x="0" y="0"/>
+          <a:ext cx="0" cy="0"/>
+          <a:chOff x="0" y="0"/>
+          <a:chExt cx="0" cy="0"/>
+        </a:xfrm>
+      </p:grpSpPr>
+      <p:sp useBgFill="1">
+        <p:nvSpPr>
+          <p:cNvPr id="10" name="Rectangle 9">
+            <a:extLst>
+              <a:ext uri="{FF2B5EF4-FFF2-40B4-BE49-F238E27FC236}">
+                <a16:creationId xmlns:a16="http://schemas.microsoft.com/office/drawing/2014/main" id="{08CB54FC-0B2A-4107-9A70-958B90B76585}"/>
+              </a:ext>
+              <a:ext uri="{C183D7F6-B498-43B3-948B-1728B52AA6E4}">
+                <adec:decorative xmlns:adec="http://schemas.microsoft.com/office/drawing/2017/decorative" val="1"/>
+              </a:ext>
+            </a:extLst>
+          </p:cNvPr>
+          <p:cNvSpPr>
+            <a:spLocks noGrp="1" noRot="1" noChangeAspect="1" noMove="1" noResize="1" noEditPoints="1" noAdjustHandles="1" noChangeArrowheads="1" noChangeShapeType="1" noTextEdit="1"/>
+          </p:cNvSpPr>
+          <p:nvPr>
+            <p:extLst>
+              <p:ext uri="{386F3935-93C4-4BCD-93E2-E3B085C9AB24}">
+                <p16:designElem xmlns:p16="http://schemas.microsoft.com/office/powerpoint/2015/main" val="1"/>
+              </p:ext>
+            </p:extLst>
+          </p:nvPr>
+        </p:nvSpPr>
+        <p:spPr>
+          <a:xfrm>
+            <a:off x="0" y="0"/>
+            <a:ext cx="12192001" cy="6334316"/>
+          </a:xfrm>
+          <a:prstGeom prst="rect">
+            <a:avLst/>
+          </a:prstGeom>
+          <a:ln>
+            <a:noFill/>
+          </a:ln>
+        </p:spPr>
+        <p:style>
+          <a:lnRef idx="2">
+            <a:schemeClr val="accent1">
+              <a:shade val="50000"/>
+            </a:schemeClr>
+          </a:lnRef>
+          <a:fillRef idx="1">
+            <a:schemeClr val="accent1"/>
+          </a:fillRef>
+          <a:effectRef idx="0">
+            <a:schemeClr val="accent1"/>
+          </a:effectRef>
+          <a:fontRef idx="minor">
+            <a:schemeClr val="lt1"/>
+          </a:fontRef>
+        </p:style>
+        <p:txBody>
+          <a:bodyPr rtlCol="0" anchor="ctr"/>
+          <a:lstStyle/>
+          <a:p>
+            <a:pPr marL="0" marR="0" lvl="0" indent="0" algn="ctr" defTabSz="457200" rtl="0" eaLnBrk="1" fontAlgn="auto" latinLnBrk="0" hangingPunct="1">
+              <a:lnSpc>
+                <a:spcPct val="100000"/>
+              </a:lnSpc>
+              <a:spcBef>
+                <a:spcPts val="0"/>
+              </a:spcBef>
+              <a:spcAft>
+                <a:spcPts val="0"/>
+              </a:spcAft>
+              <a:buClrTx/>
+              <a:buSzTx/>
+              <a:buFontTx/>
+              <a:buNone/>
+              <a:tabLst/>
+              <a:defRPr/>
+            </a:pPr>
+            <a:endParaRPr kumimoji="0" lang="en-US" sz="1800" b="0" i="0" u="none" strike="noStrike" kern="1200" cap="none" spc="0" normalizeH="0" baseline="0" noProof="0">
+              <a:ln>
+                <a:noFill/>
+              </a:ln>
+              <a:solidFill>
+                <a:prstClr val="white"/>
+              </a:solidFill>
+              <a:effectLst/>
+              <a:uLnTx/>
+              <a:uFillTx/>
+              <a:latin typeface="Calibri" panose="020F0502020204030204"/>
+              <a:ea typeface="+mn-ea"/>
+              <a:cs typeface="+mn-cs"/>
+            </a:endParaRPr>
+          </a:p>
+        </p:txBody>
+      </p:sp>
+      <p:sp>
+        <p:nvSpPr>
+          <p:cNvPr id="2" name="Title 1">
+            <a:extLst>
+              <a:ext uri="{FF2B5EF4-FFF2-40B4-BE49-F238E27FC236}">
+                <a16:creationId xmlns:a16="http://schemas.microsoft.com/office/drawing/2014/main" id="{11E0EEC5-1C42-458E-AD5A-782AC5F43EF2}"/>
+              </a:ext>
+            </a:extLst>
+          </p:cNvPr>
+          <p:cNvSpPr>
+            <a:spLocks noGrp="1"/>
+          </p:cNvSpPr>
+          <p:nvPr>
+            <p:ph type="title"/>
+          </p:nvPr>
+        </p:nvSpPr>
+        <p:spPr>
+          <a:xfrm>
+            <a:off x="6411685" y="634946"/>
+            <a:ext cx="5127171" cy="1450757"/>
+          </a:xfrm>
+        </p:spPr>
+        <p:txBody>
+          <a:bodyPr>
+            <a:normAutofit/>
+          </a:bodyPr>
+          <a:lstStyle/>
+          <a:p>
+            <a:r>
+              <a:rPr lang="en-US" dirty="0"/>
+              <a:t>Datacenter Infrastructure</a:t>
+            </a:r>
+          </a:p>
+        </p:txBody>
+      </p:sp>
+      <p:pic>
+        <p:nvPicPr>
+          <p:cNvPr id="5" name="Picture 4">
+            <a:extLst>
+              <a:ext uri="{FF2B5EF4-FFF2-40B4-BE49-F238E27FC236}">
+                <a16:creationId xmlns:a16="http://schemas.microsoft.com/office/drawing/2014/main" id="{D26EF972-80C9-40F5-8382-7FF39B959F11}"/>
+              </a:ext>
+            </a:extLst>
+          </p:cNvPr>
+          <p:cNvPicPr>
+            <a:picLocks noChangeAspect="1"/>
+          </p:cNvPicPr>
+          <p:nvPr/>
+        </p:nvPicPr>
+        <p:blipFill>
+          <a:blip r:embed="rId2"/>
+          <a:stretch>
+            <a:fillRect/>
+          </a:stretch>
+        </p:blipFill>
+        <p:spPr>
+          <a:xfrm>
+            <a:off x="643192" y="1006555"/>
+            <a:ext cx="5451627" cy="4524849"/>
+          </a:xfrm>
+          <a:prstGeom prst="rect">
+            <a:avLst/>
+          </a:prstGeom>
+        </p:spPr>
+      </p:pic>
+      <p:cxnSp>
+        <p:nvCxnSpPr>
+          <p:cNvPr id="12" name="Straight Connector 11">
+            <a:extLst>
+              <a:ext uri="{FF2B5EF4-FFF2-40B4-BE49-F238E27FC236}">
+                <a16:creationId xmlns:a16="http://schemas.microsoft.com/office/drawing/2014/main" id="{7855A9B5-1710-4B19-B0F1-CDFDD4ED5B7E}"/>
+              </a:ext>
+              <a:ext uri="{C183D7F6-B498-43B3-948B-1728B52AA6E4}">
+                <adec:decorative xmlns:adec="http://schemas.microsoft.com/office/drawing/2017/decorative" val="1"/>
+              </a:ext>
+            </a:extLst>
+          </p:cNvPr>
+          <p:cNvCxnSpPr>
+            <a:cxnSpLocks noGrp="1" noRot="1" noChangeAspect="1" noMove="1" noResize="1" noEditPoints="1" noAdjustHandles="1" noChangeArrowheads="1" noChangeShapeType="1"/>
+          </p:cNvCxnSpPr>
+          <p:nvPr>
+            <p:extLst>
+              <p:ext uri="{386F3935-93C4-4BCD-93E2-E3B085C9AB24}">
+                <p16:designElem xmlns:p16="http://schemas.microsoft.com/office/powerpoint/2015/main" val="1"/>
+              </p:ext>
+            </p:extLst>
+          </p:nvPr>
+        </p:nvCxnSpPr>
+        <p:spPr>
+          <a:xfrm>
+            <a:off x="6411684" y="2086188"/>
+            <a:ext cx="4748808" cy="0"/>
+          </a:xfrm>
+          <a:prstGeom prst="line">
+            <a:avLst/>
+          </a:prstGeom>
+          <a:ln w="6350">
+            <a:solidFill>
+              <a:schemeClr val="tx1">
+                <a:lumMod val="50000"/>
+                <a:lumOff val="50000"/>
+                <a:alpha val="90000"/>
+              </a:schemeClr>
+            </a:solidFill>
+          </a:ln>
+        </p:spPr>
+        <p:style>
+          <a:lnRef idx="1">
+            <a:schemeClr val="accent1"/>
+          </a:lnRef>
+          <a:fillRef idx="0">
+            <a:schemeClr val="accent1"/>
+          </a:fillRef>
+          <a:effectRef idx="0">
+            <a:schemeClr val="accent1"/>
+          </a:effectRef>
+          <a:fontRef idx="minor">
+            <a:schemeClr val="tx1"/>
+          </a:fontRef>
+        </p:style>
+      </p:cxnSp>
+      <p:sp>
+        <p:nvSpPr>
+          <p:cNvPr id="3" name="Content Placeholder 2">
+            <a:extLst>
+              <a:ext uri="{FF2B5EF4-FFF2-40B4-BE49-F238E27FC236}">
+                <a16:creationId xmlns:a16="http://schemas.microsoft.com/office/drawing/2014/main" id="{B0DEE626-8C67-4EE4-988B-F2A2EB5F0E5F}"/>
+              </a:ext>
+            </a:extLst>
+          </p:cNvPr>
+          <p:cNvSpPr>
+            <a:spLocks noGrp="1"/>
+          </p:cNvSpPr>
+          <p:nvPr>
+            <p:ph idx="1"/>
+          </p:nvPr>
+        </p:nvSpPr>
+        <p:spPr>
+          <a:xfrm>
+            <a:off x="6411684" y="2198914"/>
+            <a:ext cx="5127172" cy="3670180"/>
+          </a:xfrm>
+        </p:spPr>
+        <p:txBody>
+          <a:bodyPr>
+            <a:normAutofit/>
+          </a:bodyPr>
+          <a:lstStyle/>
+          <a:p>
+            <a:pPr>
+              <a:buFont typeface="Arial" panose="020B0604020202020204" pitchFamily="34" charset="0"/>
+              <a:buChar char="•"/>
+            </a:pPr>
+            <a:r>
+              <a:rPr lang="en-US" dirty="0"/>
+              <a:t> The Azure regions are organized into geographies ensures data residency, sovereignty,  compliance &amp; resiliency requirements are honored within geographical boundaries. </a:t>
+            </a:r>
+          </a:p>
+          <a:p>
+            <a:pPr>
+              <a:buFont typeface="Arial" panose="020B0604020202020204" pitchFamily="34" charset="0"/>
+              <a:buChar char="•"/>
+            </a:pPr>
+            <a:endParaRPr lang="en-US" dirty="0"/>
+          </a:p>
+          <a:p>
+            <a:pPr>
+              <a:buFont typeface="Arial" panose="020B0604020202020204" pitchFamily="34" charset="0"/>
+              <a:buChar char="•"/>
+            </a:pPr>
+            <a:r>
+              <a:rPr lang="en-US" dirty="0"/>
+              <a:t> Availability zones are physically separate locations within an Azure region made up of one or more DC equipped with independent power, cooling &amp; networking. </a:t>
+            </a:r>
+          </a:p>
+        </p:txBody>
+      </p:sp>
+      <p:sp>
+        <p:nvSpPr>
+          <p:cNvPr id="14" name="Rectangle 13">
+            <a:extLst>
+              <a:ext uri="{FF2B5EF4-FFF2-40B4-BE49-F238E27FC236}">
+                <a16:creationId xmlns:a16="http://schemas.microsoft.com/office/drawing/2014/main" id="{6587DBF8-5C50-4034-8B79-FE54A01A8E15}"/>
+              </a:ext>
+              <a:ext uri="{C183D7F6-B498-43B3-948B-1728B52AA6E4}">
+                <adec:decorative xmlns:adec="http://schemas.microsoft.com/office/drawing/2017/decorative" val="1"/>
+              </a:ext>
+            </a:extLst>
+          </p:cNvPr>
+          <p:cNvSpPr>
+            <a:spLocks noGrp="1" noRot="1" noChangeAspect="1" noMove="1" noResize="1" noEditPoints="1" noAdjustHandles="1" noChangeArrowheads="1" noChangeShapeType="1" noTextEdit="1"/>
+          </p:cNvSpPr>
+          <p:nvPr>
+            <p:extLst>
+              <p:ext uri="{386F3935-93C4-4BCD-93E2-E3B085C9AB24}">
+                <p16:designElem xmlns:p16="http://schemas.microsoft.com/office/powerpoint/2015/main" val="1"/>
+              </p:ext>
+            </p:extLst>
+          </p:nvPr>
+        </p:nvSpPr>
+        <p:spPr>
+          <a:xfrm>
+            <a:off x="15" y="6334316"/>
+            <a:ext cx="12191985" cy="66484"/>
+          </a:xfrm>
+          <a:prstGeom prst="rect">
+            <a:avLst/>
+          </a:prstGeom>
+          <a:solidFill>
+            <a:srgbClr val="7EDAF9"/>
+          </a:solidFill>
+          <a:ln>
+            <a:noFill/>
+          </a:ln>
+        </p:spPr>
+        <p:style>
+          <a:lnRef idx="2">
+            <a:schemeClr val="accent1">
+              <a:shade val="50000"/>
+            </a:schemeClr>
+          </a:lnRef>
+          <a:fillRef idx="1">
+            <a:schemeClr val="accent1"/>
+          </a:fillRef>
+          <a:effectRef idx="0">
+            <a:schemeClr val="accent1"/>
+          </a:effectRef>
+          <a:fontRef idx="minor">
+            <a:schemeClr val="lt1"/>
+          </a:fontRef>
+        </p:style>
+      </p:sp>
+      <p:sp>
+        <p:nvSpPr>
+          <p:cNvPr id="16" name="Rectangle 15">
+            <a:extLst>
+              <a:ext uri="{FF2B5EF4-FFF2-40B4-BE49-F238E27FC236}">
+                <a16:creationId xmlns:a16="http://schemas.microsoft.com/office/drawing/2014/main" id="{14720853-E885-4BE5-BFE2-24004CEF6952}"/>
+              </a:ext>
+              <a:ext uri="{C183D7F6-B498-43B3-948B-1728B52AA6E4}">
+                <adec:decorative xmlns:adec="http://schemas.microsoft.com/office/drawing/2017/decorative" val="1"/>
+              </a:ext>
+            </a:extLst>
+          </p:cNvPr>
+          <p:cNvSpPr>
+            <a:spLocks noGrp="1" noRot="1" noChangeAspect="1" noMove="1" noResize="1" noEditPoints="1" noAdjustHandles="1" noChangeArrowheads="1" noChangeShapeType="1" noTextEdit="1"/>
+          </p:cNvSpPr>
+          <p:nvPr>
+            <p:extLst>
+              <p:ext uri="{386F3935-93C4-4BCD-93E2-E3B085C9AB24}">
+                <p16:designElem xmlns:p16="http://schemas.microsoft.com/office/powerpoint/2015/main" val="1"/>
+              </p:ext>
+            </p:extLst>
+          </p:nvPr>
+        </p:nvSpPr>
+        <p:spPr>
+          <a:xfrm>
+            <a:off x="1" y="6400800"/>
+            <a:ext cx="12192000" cy="457200"/>
+          </a:xfrm>
+          <a:prstGeom prst="rect">
+            <a:avLst/>
+          </a:prstGeom>
+          <a:solidFill>
+            <a:schemeClr val="accent2"/>
+          </a:solidFill>
+          <a:ln>
+            <a:noFill/>
+          </a:ln>
+        </p:spPr>
+        <p:style>
+          <a:lnRef idx="2">
+            <a:schemeClr val="accent1">
+              <a:shade val="50000"/>
+            </a:schemeClr>
+          </a:lnRef>
+          <a:fillRef idx="1">
+            <a:schemeClr val="accent1"/>
+          </a:fillRef>
+          <a:effectRef idx="0">
+            <a:schemeClr val="accent1"/>
+          </a:effectRef>
+          <a:fontRef idx="minor">
+            <a:schemeClr val="lt1"/>
+          </a:fontRef>
+        </p:style>
+      </p:sp>
+    </p:spTree>
+    <p:extLst>
+      <p:ext uri="{BB962C8B-B14F-4D97-AF65-F5344CB8AC3E}">
+        <p14:creationId xmlns:p14="http://schemas.microsoft.com/office/powerpoint/2010/main" val="761442752"/>
+      </p:ext>
+    </p:extLst>
+  </p:cSld>
+  <p:clrMapOvr>
+    <a:masterClrMapping/>
+  </p:clrMapOvr>
+</p:sld>
+</file>
+
+<file path=ppt/slides/slide18.xml><?xml version="1.0" encoding="utf-8"?>
+<p:sld xmlns:a="http://schemas.openxmlformats.org/drawingml/2006/main" xmlns:r="http://schemas.openxmlformats.org/officeDocument/2006/relationships" xmlns:p="http://schemas.openxmlformats.org/presentationml/2006/main">
+  <p:cSld>
+    <p:spTree>
+      <p:nvGrpSpPr>
+        <p:cNvPr id="1" name=""/>
+        <p:cNvGrpSpPr/>
+        <p:nvPr/>
+      </p:nvGrpSpPr>
+      <p:grpSpPr>
+        <a:xfrm>
+          <a:off x="0" y="0"/>
+          <a:ext cx="0" cy="0"/>
+          <a:chOff x="0" y="0"/>
+          <a:chExt cx="0" cy="0"/>
+        </a:xfrm>
+      </p:grpSpPr>
+      <p:sp>
+        <p:nvSpPr>
+          <p:cNvPr id="2" name="Title 1">
+            <a:extLst>
+              <a:ext uri="{FF2B5EF4-FFF2-40B4-BE49-F238E27FC236}">
+                <a16:creationId xmlns:a16="http://schemas.microsoft.com/office/drawing/2014/main" id="{46CC65A2-F8AD-4923-BCCF-76136E9382AF}"/>
+              </a:ext>
+            </a:extLst>
+          </p:cNvPr>
+          <p:cNvSpPr>
+            <a:spLocks noGrp="1"/>
+          </p:cNvSpPr>
+          <p:nvPr>
+            <p:ph type="title"/>
+          </p:nvPr>
+        </p:nvSpPr>
+        <p:spPr/>
+        <p:txBody>
+          <a:bodyPr/>
+          <a:lstStyle/>
+          <a:p>
+            <a:r>
+              <a:rPr lang="en-US" dirty="0"/>
+              <a:t>Overview of Azure Regions</a:t>
+            </a:r>
+          </a:p>
+        </p:txBody>
+      </p:sp>
+      <p:sp>
+        <p:nvSpPr>
+          <p:cNvPr id="3" name="Content Placeholder 2">
+            <a:extLst>
+              <a:ext uri="{FF2B5EF4-FFF2-40B4-BE49-F238E27FC236}">
+                <a16:creationId xmlns:a16="http://schemas.microsoft.com/office/drawing/2014/main" id="{1C4958AB-C175-45D1-A131-A284D76A46D0}"/>
+              </a:ext>
+            </a:extLst>
+          </p:cNvPr>
+          <p:cNvSpPr>
+            <a:spLocks noGrp="1"/>
+          </p:cNvSpPr>
+          <p:nvPr>
+            <p:ph idx="1"/>
+          </p:nvPr>
+        </p:nvSpPr>
+        <p:spPr/>
+        <p:txBody>
+          <a:bodyPr/>
+          <a:lstStyle/>
+          <a:p>
+            <a:pPr>
+              <a:buFont typeface="Arial" panose="020B0604020202020204" pitchFamily="34" charset="0"/>
+              <a:buChar char="•"/>
+            </a:pPr>
+            <a:r>
+              <a:rPr lang="en-US" dirty="0"/>
+              <a:t> An Azure Storage account consists of all your Azure Storage data objects : blobs, file share, queue, table, disks. </a:t>
+            </a:r>
+          </a:p>
+          <a:p>
+            <a:pPr>
+              <a:buFont typeface="Arial" panose="020B0604020202020204" pitchFamily="34" charset="0"/>
+              <a:buChar char="•"/>
+            </a:pPr>
+            <a:endParaRPr lang="en-US" dirty="0"/>
+          </a:p>
+          <a:p>
+            <a:pPr>
+              <a:buFont typeface="Arial" panose="020B0604020202020204" pitchFamily="34" charset="0"/>
+              <a:buChar char="•"/>
+            </a:pPr>
+            <a:r>
+              <a:rPr lang="en-US" dirty="0"/>
+              <a:t> The storage account provides a unique namespace for your Azure Storage data which’s uniquely accessible from anywhere in the world over HTTP / HTTPS. </a:t>
+            </a:r>
+          </a:p>
+          <a:p>
+            <a:pPr>
+              <a:buFont typeface="Arial" panose="020B0604020202020204" pitchFamily="34" charset="0"/>
+              <a:buChar char="•"/>
+            </a:pPr>
+            <a:endParaRPr lang="en-US" dirty="0"/>
+          </a:p>
+          <a:p>
+            <a:pPr>
+              <a:buFont typeface="Arial" panose="020B0604020202020204" pitchFamily="34" charset="0"/>
+              <a:buChar char="•"/>
+            </a:pPr>
+            <a:r>
+              <a:rPr lang="en-US" dirty="0"/>
+              <a:t> Data stored in Storage account is highly durable , secure, available &amp; massively scalable. </a:t>
+            </a:r>
+          </a:p>
+        </p:txBody>
+      </p:sp>
+    </p:spTree>
+    <p:extLst>
+      <p:ext uri="{BB962C8B-B14F-4D97-AF65-F5344CB8AC3E}">
+        <p14:creationId xmlns:p14="http://schemas.microsoft.com/office/powerpoint/2010/main" val="4125190208"/>
+      </p:ext>
+    </p:extLst>
+  </p:cSld>
+  <p:clrMapOvr>
+    <a:masterClrMapping/>
+  </p:clrMapOvr>
+</p:sld>
+</file>
+
+<file path=ppt/slides/slide19.xml><?xml version="1.0" encoding="utf-8"?>
+<p:sld xmlns:a="http://schemas.openxmlformats.org/drawingml/2006/main" xmlns:r="http://schemas.openxmlformats.org/officeDocument/2006/relationships" xmlns:p="http://schemas.openxmlformats.org/presentationml/2006/main">
+  <p:cSld>
+    <p:spTree>
+      <p:nvGrpSpPr>
+        <p:cNvPr id="1" name=""/>
+        <p:cNvGrpSpPr/>
+        <p:nvPr/>
+      </p:nvGrpSpPr>
+      <p:grpSpPr>
+        <a:xfrm>
+          <a:off x="0" y="0"/>
+          <a:ext cx="0" cy="0"/>
+          <a:chOff x="0" y="0"/>
+          <a:chExt cx="0" cy="0"/>
+        </a:xfrm>
+      </p:grpSpPr>
+      <p:sp>
+        <p:nvSpPr>
+          <p:cNvPr id="2" name="Title 1">
+            <a:extLst>
+              <a:ext uri="{FF2B5EF4-FFF2-40B4-BE49-F238E27FC236}">
+                <a16:creationId xmlns:a16="http://schemas.microsoft.com/office/drawing/2014/main" id="{44AB8775-A672-4362-B7C5-DACBE0A4EA00}"/>
+              </a:ext>
+            </a:extLst>
+          </p:cNvPr>
+          <p:cNvSpPr>
+            <a:spLocks noGrp="1"/>
+          </p:cNvSpPr>
+          <p:nvPr>
+            <p:ph type="title"/>
+          </p:nvPr>
+        </p:nvSpPr>
+        <p:spPr>
+          <a:xfrm>
+            <a:off x="1097280" y="286604"/>
+            <a:ext cx="10058400" cy="1227404"/>
+          </a:xfrm>
+        </p:spPr>
+        <p:txBody>
+          <a:bodyPr/>
+          <a:lstStyle/>
+          <a:p>
+            <a:r>
+              <a:rPr lang="en-US" dirty="0"/>
+              <a:t>A lap around of Azure Availability Zones </a:t>
+            </a:r>
+          </a:p>
+        </p:txBody>
+      </p:sp>
+      <p:sp>
+        <p:nvSpPr>
+          <p:cNvPr id="5" name="Content Placeholder 4">
+            <a:extLst>
+              <a:ext uri="{FF2B5EF4-FFF2-40B4-BE49-F238E27FC236}">
+                <a16:creationId xmlns:a16="http://schemas.microsoft.com/office/drawing/2014/main" id="{D07B786A-3891-4B97-9173-EFCC6969FD04}"/>
+              </a:ext>
+            </a:extLst>
+          </p:cNvPr>
+          <p:cNvSpPr>
+            <a:spLocks noGrp="1"/>
+          </p:cNvSpPr>
+          <p:nvPr>
+            <p:ph idx="1"/>
+          </p:nvPr>
+        </p:nvSpPr>
+        <p:spPr/>
+        <p:txBody>
+          <a:bodyPr/>
+          <a:lstStyle/>
+          <a:p>
+            <a:pPr>
+              <a:buFont typeface="Arial" panose="020B0604020202020204" pitchFamily="34" charset="0"/>
+              <a:buChar char="•"/>
+            </a:pPr>
+            <a:r>
+              <a:rPr lang="en-US" dirty="0"/>
+              <a:t> Availability Zones which’re physically separate locations within a region consists of independent power, cooling &amp; networking with 1000 miles apart. </a:t>
+            </a:r>
+          </a:p>
+          <a:p>
+            <a:pPr>
+              <a:buFont typeface="Arial" panose="020B0604020202020204" pitchFamily="34" charset="0"/>
+              <a:buChar char="•"/>
+            </a:pPr>
+            <a:endParaRPr lang="en-US" dirty="0"/>
+          </a:p>
+          <a:p>
+            <a:pPr>
+              <a:buFont typeface="Arial" panose="020B0604020202020204" pitchFamily="34" charset="0"/>
+              <a:buChar char="•"/>
+            </a:pPr>
+            <a:r>
+              <a:rPr lang="en-US" dirty="0"/>
+              <a:t> Availability zones allow to run mission-critical applications with high availability &amp; low latency replication. </a:t>
+            </a:r>
+          </a:p>
+          <a:p>
+            <a:pPr>
+              <a:buFont typeface="Arial" panose="020B0604020202020204" pitchFamily="34" charset="0"/>
+              <a:buChar char="•"/>
+            </a:pPr>
+            <a:endParaRPr lang="en-US" dirty="0"/>
+          </a:p>
+          <a:p>
+            <a:pPr>
+              <a:buFont typeface="Arial" panose="020B0604020202020204" pitchFamily="34" charset="0"/>
+              <a:buChar char="•"/>
+            </a:pPr>
+            <a:r>
+              <a:rPr lang="en-US" dirty="0"/>
+              <a:t> Geographically distributed datacenters enables MSFT to be close to customers, to reduce network latency &amp; allow for geo-redundant backup &amp; failover. </a:t>
+            </a:r>
+          </a:p>
+        </p:txBody>
+      </p:sp>
+    </p:spTree>
+    <p:extLst>
+      <p:ext uri="{BB962C8B-B14F-4D97-AF65-F5344CB8AC3E}">
+        <p14:creationId xmlns:p14="http://schemas.microsoft.com/office/powerpoint/2010/main" val="539256410"/>
       </p:ext>
     </p:extLst>
   </p:cSld>
@@ -4758,6 +9429,1867 @@
 </p:sld>
 </file>
 
+<file path=ppt/slides/slide20.xml><?xml version="1.0" encoding="utf-8"?>
+<p:sld xmlns:a="http://schemas.openxmlformats.org/drawingml/2006/main" xmlns:r="http://schemas.openxmlformats.org/officeDocument/2006/relationships" xmlns:p="http://schemas.openxmlformats.org/presentationml/2006/main">
+  <p:cSld>
+    <p:spTree>
+      <p:nvGrpSpPr>
+        <p:cNvPr id="1" name=""/>
+        <p:cNvGrpSpPr/>
+        <p:nvPr/>
+      </p:nvGrpSpPr>
+      <p:grpSpPr>
+        <a:xfrm>
+          <a:off x="0" y="0"/>
+          <a:ext cx="0" cy="0"/>
+          <a:chOff x="0" y="0"/>
+          <a:chExt cx="0" cy="0"/>
+        </a:xfrm>
+      </p:grpSpPr>
+      <p:sp>
+        <p:nvSpPr>
+          <p:cNvPr id="2" name="Title 1">
+            <a:extLst>
+              <a:ext uri="{FF2B5EF4-FFF2-40B4-BE49-F238E27FC236}">
+                <a16:creationId xmlns:a16="http://schemas.microsoft.com/office/drawing/2014/main" id="{8CF9CEAE-FD1E-4FAE-8269-EA95CC1733E9}"/>
+              </a:ext>
+            </a:extLst>
+          </p:cNvPr>
+          <p:cNvSpPr>
+            <a:spLocks noGrp="1"/>
+          </p:cNvSpPr>
+          <p:nvPr>
+            <p:ph type="title"/>
+          </p:nvPr>
+        </p:nvSpPr>
+        <p:spPr>
+          <a:xfrm>
+            <a:off x="2306473" y="340286"/>
+            <a:ext cx="9556840" cy="1450757"/>
+          </a:xfrm>
+        </p:spPr>
+        <p:txBody>
+          <a:bodyPr>
+            <a:normAutofit/>
+          </a:bodyPr>
+          <a:lstStyle/>
+          <a:p>
+            <a:r>
+              <a:rPr lang="en-US" sz="4000" dirty="0"/>
+              <a:t>Overview of Azure Resource Manager</a:t>
+            </a:r>
+          </a:p>
+        </p:txBody>
+      </p:sp>
+      <p:pic>
+        <p:nvPicPr>
+          <p:cNvPr id="5" name="Picture 4" descr="Diagram&#10;&#10;Description automatically generated">
+            <a:extLst>
+              <a:ext uri="{FF2B5EF4-FFF2-40B4-BE49-F238E27FC236}">
+                <a16:creationId xmlns:a16="http://schemas.microsoft.com/office/drawing/2014/main" id="{92FB356F-9D77-4B04-BCF1-107F07923D10}"/>
+              </a:ext>
+            </a:extLst>
+          </p:cNvPr>
+          <p:cNvPicPr>
+            <a:picLocks noChangeAspect="1"/>
+          </p:cNvPicPr>
+          <p:nvPr/>
+        </p:nvPicPr>
+        <p:blipFill>
+          <a:blip r:embed="rId2"/>
+          <a:stretch>
+            <a:fillRect/>
+          </a:stretch>
+        </p:blipFill>
+        <p:spPr>
+          <a:xfrm>
+            <a:off x="643192" y="1831113"/>
+            <a:ext cx="5451627" cy="2875733"/>
+          </a:xfrm>
+          <a:prstGeom prst="rect">
+            <a:avLst/>
+          </a:prstGeom>
+        </p:spPr>
+      </p:pic>
+      <p:sp>
+        <p:nvSpPr>
+          <p:cNvPr id="3" name="Content Placeholder 2">
+            <a:extLst>
+              <a:ext uri="{FF2B5EF4-FFF2-40B4-BE49-F238E27FC236}">
+                <a16:creationId xmlns:a16="http://schemas.microsoft.com/office/drawing/2014/main" id="{11D2802F-D26A-4C84-995E-44F47EAED394}"/>
+              </a:ext>
+            </a:extLst>
+          </p:cNvPr>
+          <p:cNvSpPr>
+            <a:spLocks noGrp="1"/>
+          </p:cNvSpPr>
+          <p:nvPr>
+            <p:ph idx="1"/>
+          </p:nvPr>
+        </p:nvSpPr>
+        <p:spPr>
+          <a:xfrm>
+            <a:off x="6411684" y="2198914"/>
+            <a:ext cx="5127172" cy="3670180"/>
+          </a:xfrm>
+        </p:spPr>
+        <p:txBody>
+          <a:bodyPr>
+            <a:normAutofit/>
+          </a:bodyPr>
+          <a:lstStyle/>
+          <a:p>
+            <a:pPr>
+              <a:buFont typeface="Arial" panose="020B0604020202020204" pitchFamily="34" charset="0"/>
+              <a:buChar char="•"/>
+            </a:pPr>
+            <a:r>
+              <a:rPr lang="en-US" dirty="0"/>
+              <a:t> Azure Resource Manager is the deployment &amp; management service for Azure which provides a management layer that enables you to create, update &amp; delete resources in your Azure account. </a:t>
+            </a:r>
+          </a:p>
+          <a:p>
+            <a:pPr>
+              <a:buFont typeface="Arial" panose="020B0604020202020204" pitchFamily="34" charset="0"/>
+              <a:buChar char="•"/>
+            </a:pPr>
+            <a:endParaRPr lang="en-US" dirty="0"/>
+          </a:p>
+          <a:p>
+            <a:pPr>
+              <a:buFont typeface="Arial" panose="020B0604020202020204" pitchFamily="34" charset="0"/>
+              <a:buChar char="•"/>
+            </a:pPr>
+            <a:r>
+              <a:rPr lang="en-US" dirty="0"/>
+              <a:t> The management features like access control, locks &amp; tags can be used to secure &amp; organize the resources after deployment. </a:t>
+            </a:r>
+          </a:p>
+          <a:p>
+            <a:pPr>
+              <a:buFont typeface="Arial" panose="020B0604020202020204" pitchFamily="34" charset="0"/>
+              <a:buChar char="•"/>
+            </a:pPr>
+            <a:endParaRPr lang="en-US" dirty="0"/>
+          </a:p>
+          <a:p>
+            <a:pPr>
+              <a:buFont typeface="Arial" panose="020B0604020202020204" pitchFamily="34" charset="0"/>
+              <a:buChar char="•"/>
+            </a:pPr>
+            <a:endParaRPr lang="en-US" dirty="0"/>
+          </a:p>
+        </p:txBody>
+      </p:sp>
+    </p:spTree>
+    <p:extLst>
+      <p:ext uri="{BB962C8B-B14F-4D97-AF65-F5344CB8AC3E}">
+        <p14:creationId xmlns:p14="http://schemas.microsoft.com/office/powerpoint/2010/main" val="3429533792"/>
+      </p:ext>
+    </p:extLst>
+  </p:cSld>
+  <p:clrMapOvr>
+    <a:masterClrMapping/>
+  </p:clrMapOvr>
+</p:sld>
+</file>
+
+<file path=ppt/slides/slide21.xml><?xml version="1.0" encoding="utf-8"?>
+<p:sld xmlns:a="http://schemas.openxmlformats.org/drawingml/2006/main" xmlns:r="http://schemas.openxmlformats.org/officeDocument/2006/relationships" xmlns:p="http://schemas.openxmlformats.org/presentationml/2006/main">
+  <p:cSld>
+    <p:spTree>
+      <p:nvGrpSpPr>
+        <p:cNvPr id="1" name=""/>
+        <p:cNvGrpSpPr/>
+        <p:nvPr/>
+      </p:nvGrpSpPr>
+      <p:grpSpPr>
+        <a:xfrm>
+          <a:off x="0" y="0"/>
+          <a:ext cx="0" cy="0"/>
+          <a:chOff x="0" y="0"/>
+          <a:chExt cx="0" cy="0"/>
+        </a:xfrm>
+      </p:grpSpPr>
+      <p:sp>
+        <p:nvSpPr>
+          <p:cNvPr id="2" name="Title 1">
+            <a:extLst>
+              <a:ext uri="{FF2B5EF4-FFF2-40B4-BE49-F238E27FC236}">
+                <a16:creationId xmlns:a16="http://schemas.microsoft.com/office/drawing/2014/main" id="{46CC65A2-F8AD-4923-BCCF-76136E9382AF}"/>
+              </a:ext>
+            </a:extLst>
+          </p:cNvPr>
+          <p:cNvSpPr>
+            <a:spLocks noGrp="1"/>
+          </p:cNvSpPr>
+          <p:nvPr>
+            <p:ph type="title"/>
+          </p:nvPr>
+        </p:nvSpPr>
+        <p:spPr/>
+        <p:txBody>
+          <a:bodyPr/>
+          <a:lstStyle/>
+          <a:p>
+            <a:r>
+              <a:rPr lang="en-US" dirty="0"/>
+              <a:t>The benefits of Azure Resource Manager</a:t>
+            </a:r>
+          </a:p>
+        </p:txBody>
+      </p:sp>
+      <p:sp>
+        <p:nvSpPr>
+          <p:cNvPr id="3" name="Content Placeholder 2">
+            <a:extLst>
+              <a:ext uri="{FF2B5EF4-FFF2-40B4-BE49-F238E27FC236}">
+                <a16:creationId xmlns:a16="http://schemas.microsoft.com/office/drawing/2014/main" id="{1C4958AB-C175-45D1-A131-A284D76A46D0}"/>
+              </a:ext>
+            </a:extLst>
+          </p:cNvPr>
+          <p:cNvSpPr>
+            <a:spLocks noGrp="1"/>
+          </p:cNvSpPr>
+          <p:nvPr>
+            <p:ph idx="1"/>
+          </p:nvPr>
+        </p:nvSpPr>
+        <p:spPr/>
+        <p:txBody>
+          <a:bodyPr>
+            <a:normAutofit fontScale="92500" lnSpcReduction="10000"/>
+          </a:bodyPr>
+          <a:lstStyle/>
+          <a:p>
+            <a:pPr algn="l">
+              <a:buFont typeface="Arial" panose="020B0604020202020204" pitchFamily="34" charset="0"/>
+              <a:buChar char="•"/>
+            </a:pPr>
+            <a:r>
+              <a:rPr lang="en-US" sz="1900" dirty="0"/>
+              <a:t> </a:t>
+            </a:r>
+            <a:r>
+              <a:rPr lang="en-US" sz="1900" b="0" i="0" dirty="0">
+                <a:solidFill>
+                  <a:srgbClr val="171717"/>
+                </a:solidFill>
+                <a:effectLst/>
+                <a:latin typeface="Segoe UI" panose="020B0502040204020203" pitchFamily="34" charset="0"/>
+              </a:rPr>
+              <a:t>Manage your infrastructure through declarative templates rather than scripts.</a:t>
+            </a:r>
+          </a:p>
+          <a:p>
+            <a:pPr>
+              <a:buFont typeface="Arial" panose="020B0604020202020204" pitchFamily="34" charset="0"/>
+              <a:buChar char="•"/>
+            </a:pPr>
+            <a:endParaRPr lang="en-US" sz="1900" dirty="0"/>
+          </a:p>
+          <a:p>
+            <a:pPr>
+              <a:lnSpc>
+                <a:spcPct val="100000"/>
+              </a:lnSpc>
+              <a:buFont typeface="Arial" panose="020B0604020202020204" pitchFamily="34" charset="0"/>
+              <a:buChar char="•"/>
+            </a:pPr>
+            <a:r>
+              <a:rPr lang="en-US" sz="1900" dirty="0">
+                <a:solidFill>
+                  <a:srgbClr val="171717"/>
+                </a:solidFill>
+                <a:latin typeface="Segoe UI" panose="020B0502040204020203" pitchFamily="34" charset="0"/>
+              </a:rPr>
+              <a:t>Deploy, manage, and monitor all the resources for your solution as a group, rather than handling these resources individually.</a:t>
+            </a:r>
+          </a:p>
+          <a:p>
+            <a:pPr>
+              <a:lnSpc>
+                <a:spcPct val="100000"/>
+              </a:lnSpc>
+              <a:buFont typeface="Arial" panose="020B0604020202020204" pitchFamily="34" charset="0"/>
+              <a:buChar char="•"/>
+            </a:pPr>
+            <a:endParaRPr lang="en-US" sz="1900" dirty="0">
+              <a:solidFill>
+                <a:srgbClr val="171717"/>
+              </a:solidFill>
+              <a:latin typeface="Segoe UI" panose="020B0502040204020203" pitchFamily="34" charset="0"/>
+            </a:endParaRPr>
+          </a:p>
+          <a:p>
+            <a:pPr>
+              <a:buFont typeface="Arial" panose="020B0604020202020204" pitchFamily="34" charset="0"/>
+              <a:buChar char="•"/>
+            </a:pPr>
+            <a:r>
+              <a:rPr lang="en-US" sz="1900" dirty="0">
+                <a:solidFill>
+                  <a:srgbClr val="171717"/>
+                </a:solidFill>
+                <a:latin typeface="Segoe UI" panose="020B0502040204020203" pitchFamily="34" charset="0"/>
+              </a:rPr>
+              <a:t>Define the dependencies between resources so they're deployed in the correct order.</a:t>
+            </a:r>
+          </a:p>
+          <a:p>
+            <a:pPr algn="l">
+              <a:buFont typeface="Arial" panose="020B0604020202020204" pitchFamily="34" charset="0"/>
+              <a:buChar char="•"/>
+            </a:pPr>
+            <a:endParaRPr lang="en-US" sz="1900" dirty="0">
+              <a:solidFill>
+                <a:srgbClr val="171717"/>
+              </a:solidFill>
+              <a:latin typeface="Segoe UI" panose="020B0502040204020203" pitchFamily="34" charset="0"/>
+            </a:endParaRPr>
+          </a:p>
+          <a:p>
+            <a:pPr algn="l">
+              <a:buFont typeface="Arial" panose="020B0604020202020204" pitchFamily="34" charset="0"/>
+              <a:buChar char="•"/>
+            </a:pPr>
+            <a:r>
+              <a:rPr lang="en-US" sz="1900" dirty="0">
+                <a:solidFill>
+                  <a:srgbClr val="171717"/>
+                </a:solidFill>
+                <a:latin typeface="Segoe UI" panose="020B0502040204020203" pitchFamily="34" charset="0"/>
+              </a:rPr>
+              <a:t>Apply access control to all services because Azure role-based access control (Azure RBAC) is natively integrated into the management platform.</a:t>
+            </a:r>
+          </a:p>
+          <a:p>
+            <a:pPr marL="0" indent="0">
+              <a:buNone/>
+            </a:pPr>
+            <a:br>
+              <a:rPr lang="en-US" dirty="0"/>
+            </a:br>
+            <a:endParaRPr lang="en-US" b="0" i="0" dirty="0">
+              <a:solidFill>
+                <a:srgbClr val="171717"/>
+              </a:solidFill>
+              <a:effectLst/>
+              <a:latin typeface="Segoe UI" panose="020B0502040204020203" pitchFamily="34" charset="0"/>
+            </a:endParaRPr>
+          </a:p>
+        </p:txBody>
+      </p:sp>
+    </p:spTree>
+    <p:extLst>
+      <p:ext uri="{BB962C8B-B14F-4D97-AF65-F5344CB8AC3E}">
+        <p14:creationId xmlns:p14="http://schemas.microsoft.com/office/powerpoint/2010/main" val="296471549"/>
+      </p:ext>
+    </p:extLst>
+  </p:cSld>
+  <p:clrMapOvr>
+    <a:masterClrMapping/>
+  </p:clrMapOvr>
+</p:sld>
+</file>
+
+<file path=ppt/slides/slide22.xml><?xml version="1.0" encoding="utf-8"?>
+<p:sld xmlns:a="http://schemas.openxmlformats.org/drawingml/2006/main" xmlns:r="http://schemas.openxmlformats.org/officeDocument/2006/relationships" xmlns:p="http://schemas.openxmlformats.org/presentationml/2006/main">
+  <p:cSld>
+    <p:spTree>
+      <p:nvGrpSpPr>
+        <p:cNvPr id="1" name=""/>
+        <p:cNvGrpSpPr/>
+        <p:nvPr/>
+      </p:nvGrpSpPr>
+      <p:grpSpPr>
+        <a:xfrm>
+          <a:off x="0" y="0"/>
+          <a:ext cx="0" cy="0"/>
+          <a:chOff x="0" y="0"/>
+          <a:chExt cx="0" cy="0"/>
+        </a:xfrm>
+      </p:grpSpPr>
+      <p:sp>
+        <p:nvSpPr>
+          <p:cNvPr id="2" name="Title 1">
+            <a:extLst>
+              <a:ext uri="{FF2B5EF4-FFF2-40B4-BE49-F238E27FC236}">
+                <a16:creationId xmlns:a16="http://schemas.microsoft.com/office/drawing/2014/main" id="{46CC65A2-F8AD-4923-BCCF-76136E9382AF}"/>
+              </a:ext>
+            </a:extLst>
+          </p:cNvPr>
+          <p:cNvSpPr>
+            <a:spLocks noGrp="1"/>
+          </p:cNvSpPr>
+          <p:nvPr>
+            <p:ph type="title"/>
+          </p:nvPr>
+        </p:nvSpPr>
+        <p:spPr/>
+        <p:txBody>
+          <a:bodyPr/>
+          <a:lstStyle/>
+          <a:p>
+            <a:r>
+              <a:rPr lang="en-US" dirty="0"/>
+              <a:t>Azure Resource Group Overview</a:t>
+            </a:r>
+          </a:p>
+        </p:txBody>
+      </p:sp>
+      <p:sp>
+        <p:nvSpPr>
+          <p:cNvPr id="3" name="Content Placeholder 2">
+            <a:extLst>
+              <a:ext uri="{FF2B5EF4-FFF2-40B4-BE49-F238E27FC236}">
+                <a16:creationId xmlns:a16="http://schemas.microsoft.com/office/drawing/2014/main" id="{1C4958AB-C175-45D1-A131-A284D76A46D0}"/>
+              </a:ext>
+            </a:extLst>
+          </p:cNvPr>
+          <p:cNvSpPr>
+            <a:spLocks noGrp="1"/>
+          </p:cNvSpPr>
+          <p:nvPr>
+            <p:ph idx="1"/>
+          </p:nvPr>
+        </p:nvSpPr>
+        <p:spPr/>
+        <p:txBody>
+          <a:bodyPr/>
+          <a:lstStyle/>
+          <a:p>
+            <a:pPr>
+              <a:buFont typeface="Arial" panose="020B0604020202020204" pitchFamily="34" charset="0"/>
+              <a:buChar char="•"/>
+            </a:pPr>
+            <a:r>
+              <a:rPr lang="en-US" dirty="0"/>
+              <a:t> A resource group is a container which holds related resources for an Azure solution which includes all of the resources for the solution or only those resources which you want to manage as a group. </a:t>
+            </a:r>
+          </a:p>
+          <a:p>
+            <a:pPr>
+              <a:buFont typeface="Arial" panose="020B0604020202020204" pitchFamily="34" charset="0"/>
+              <a:buChar char="•"/>
+            </a:pPr>
+            <a:endParaRPr lang="en-US" dirty="0"/>
+          </a:p>
+          <a:p>
+            <a:pPr>
+              <a:buFont typeface="Arial" panose="020B0604020202020204" pitchFamily="34" charset="0"/>
+              <a:buChar char="•"/>
+            </a:pPr>
+            <a:r>
+              <a:rPr lang="en-US" dirty="0"/>
+              <a:t> Add resources that share the same lifecycle to the same resource group so you can deploy, update &amp; delete them as a group. </a:t>
+            </a:r>
+          </a:p>
+          <a:p>
+            <a:pPr>
+              <a:buFont typeface="Arial" panose="020B0604020202020204" pitchFamily="34" charset="0"/>
+              <a:buChar char="•"/>
+            </a:pPr>
+            <a:endParaRPr lang="en-US" dirty="0"/>
+          </a:p>
+          <a:p>
+            <a:pPr>
+              <a:buFont typeface="Arial" panose="020B0604020202020204" pitchFamily="34" charset="0"/>
+              <a:buChar char="•"/>
+            </a:pPr>
+            <a:r>
+              <a:rPr lang="en-US" dirty="0"/>
+              <a:t> The resource group stores metadata about the resources. </a:t>
+            </a:r>
+          </a:p>
+        </p:txBody>
+      </p:sp>
+    </p:spTree>
+    <p:extLst>
+      <p:ext uri="{BB962C8B-B14F-4D97-AF65-F5344CB8AC3E}">
+        <p14:creationId xmlns:p14="http://schemas.microsoft.com/office/powerpoint/2010/main" val="3722866795"/>
+      </p:ext>
+    </p:extLst>
+  </p:cSld>
+  <p:clrMapOvr>
+    <a:masterClrMapping/>
+  </p:clrMapOvr>
+</p:sld>
+</file>
+
+<file path=ppt/slides/slide23.xml><?xml version="1.0" encoding="utf-8"?>
+<p:sld xmlns:a="http://schemas.openxmlformats.org/drawingml/2006/main" xmlns:r="http://schemas.openxmlformats.org/officeDocument/2006/relationships" xmlns:p="http://schemas.openxmlformats.org/presentationml/2006/main">
+  <p:cSld>
+    <p:spTree>
+      <p:nvGrpSpPr>
+        <p:cNvPr id="1" name=""/>
+        <p:cNvGrpSpPr/>
+        <p:nvPr/>
+      </p:nvGrpSpPr>
+      <p:grpSpPr>
+        <a:xfrm>
+          <a:off x="0" y="0"/>
+          <a:ext cx="0" cy="0"/>
+          <a:chOff x="0" y="0"/>
+          <a:chExt cx="0" cy="0"/>
+        </a:xfrm>
+      </p:grpSpPr>
+      <p:sp>
+        <p:nvSpPr>
+          <p:cNvPr id="2" name="Title 1">
+            <a:extLst>
+              <a:ext uri="{FF2B5EF4-FFF2-40B4-BE49-F238E27FC236}">
+                <a16:creationId xmlns:a16="http://schemas.microsoft.com/office/drawing/2014/main" id="{46CC65A2-F8AD-4923-BCCF-76136E9382AF}"/>
+              </a:ext>
+            </a:extLst>
+          </p:cNvPr>
+          <p:cNvSpPr>
+            <a:spLocks noGrp="1"/>
+          </p:cNvSpPr>
+          <p:nvPr>
+            <p:ph type="title"/>
+          </p:nvPr>
+        </p:nvSpPr>
+        <p:spPr>
+          <a:xfrm>
+            <a:off x="2093843" y="41508"/>
+            <a:ext cx="9312491" cy="1450757"/>
+          </a:xfrm>
+        </p:spPr>
+        <p:txBody>
+          <a:bodyPr>
+            <a:normAutofit/>
+          </a:bodyPr>
+          <a:lstStyle/>
+          <a:p>
+            <a:r>
+              <a:rPr lang="en-US" dirty="0"/>
+              <a:t>Azure Resource Group Scope</a:t>
+            </a:r>
+          </a:p>
+        </p:txBody>
+      </p:sp>
+      <p:pic>
+        <p:nvPicPr>
+          <p:cNvPr id="5" name="Picture 4" descr="Graphical user interface, chart, box and whisker chart&#10;&#10;Description automatically generated">
+            <a:extLst>
+              <a:ext uri="{FF2B5EF4-FFF2-40B4-BE49-F238E27FC236}">
+                <a16:creationId xmlns:a16="http://schemas.microsoft.com/office/drawing/2014/main" id="{E0C3D9A9-4D17-4709-A6BD-B58F38DE5B46}"/>
+              </a:ext>
+            </a:extLst>
+          </p:cNvPr>
+          <p:cNvPicPr>
+            <a:picLocks noChangeAspect="1"/>
+          </p:cNvPicPr>
+          <p:nvPr/>
+        </p:nvPicPr>
+        <p:blipFill>
+          <a:blip r:embed="rId2"/>
+          <a:stretch>
+            <a:fillRect/>
+          </a:stretch>
+        </p:blipFill>
+        <p:spPr>
+          <a:xfrm>
+            <a:off x="643192" y="1492265"/>
+            <a:ext cx="5451627" cy="3553428"/>
+          </a:xfrm>
+          <a:prstGeom prst="rect">
+            <a:avLst/>
+          </a:prstGeom>
+        </p:spPr>
+      </p:pic>
+      <p:sp>
+        <p:nvSpPr>
+          <p:cNvPr id="3" name="Content Placeholder 2">
+            <a:extLst>
+              <a:ext uri="{FF2B5EF4-FFF2-40B4-BE49-F238E27FC236}">
+                <a16:creationId xmlns:a16="http://schemas.microsoft.com/office/drawing/2014/main" id="{1C4958AB-C175-45D1-A131-A284D76A46D0}"/>
+              </a:ext>
+            </a:extLst>
+          </p:cNvPr>
+          <p:cNvSpPr>
+            <a:spLocks noGrp="1"/>
+          </p:cNvSpPr>
+          <p:nvPr>
+            <p:ph idx="1"/>
+          </p:nvPr>
+        </p:nvSpPr>
+        <p:spPr>
+          <a:xfrm>
+            <a:off x="6411684" y="2198914"/>
+            <a:ext cx="5127172" cy="3670180"/>
+          </a:xfrm>
+        </p:spPr>
+        <p:txBody>
+          <a:bodyPr>
+            <a:normAutofit/>
+          </a:bodyPr>
+          <a:lstStyle/>
+          <a:p>
+            <a:pPr>
+              <a:buFont typeface="Arial" panose="020B0604020202020204" pitchFamily="34" charset="0"/>
+              <a:buChar char="•"/>
+            </a:pPr>
+            <a:r>
+              <a:rPr lang="en-US" dirty="0"/>
+              <a:t> Azure provides four levels of scope: management group, subscription, resource groups &amp; resources. The management settings can be applied at any of these levels of scope. </a:t>
+            </a:r>
+          </a:p>
+          <a:p>
+            <a:pPr>
+              <a:buFont typeface="Arial" panose="020B0604020202020204" pitchFamily="34" charset="0"/>
+              <a:buChar char="•"/>
+            </a:pPr>
+            <a:endParaRPr lang="en-US" dirty="0"/>
+          </a:p>
+          <a:p>
+            <a:pPr>
+              <a:buFont typeface="Arial" panose="020B0604020202020204" pitchFamily="34" charset="0"/>
+              <a:buChar char="•"/>
+            </a:pPr>
+            <a:r>
+              <a:rPr lang="en-US" dirty="0"/>
+              <a:t> Lower levels inherit settings from higher levels. </a:t>
+            </a:r>
+          </a:p>
+          <a:p>
+            <a:pPr>
+              <a:buFont typeface="Arial" panose="020B0604020202020204" pitchFamily="34" charset="0"/>
+              <a:buChar char="•"/>
+            </a:pPr>
+            <a:endParaRPr lang="en-US" dirty="0"/>
+          </a:p>
+          <a:p>
+            <a:pPr marL="0" indent="0">
+              <a:buNone/>
+            </a:pPr>
+            <a:endParaRPr lang="en-US" dirty="0"/>
+          </a:p>
+        </p:txBody>
+      </p:sp>
+    </p:spTree>
+    <p:extLst>
+      <p:ext uri="{BB962C8B-B14F-4D97-AF65-F5344CB8AC3E}">
+        <p14:creationId xmlns:p14="http://schemas.microsoft.com/office/powerpoint/2010/main" val="4043838214"/>
+      </p:ext>
+    </p:extLst>
+  </p:cSld>
+  <p:clrMapOvr>
+    <a:masterClrMapping/>
+  </p:clrMapOvr>
+</p:sld>
+</file>
+
+<file path=ppt/slides/slide24.xml><?xml version="1.0" encoding="utf-8"?>
+<p:sld xmlns:a="http://schemas.openxmlformats.org/drawingml/2006/main" xmlns:r="http://schemas.openxmlformats.org/officeDocument/2006/relationships" xmlns:p="http://schemas.openxmlformats.org/presentationml/2006/main">
+  <p:cSld>
+    <p:spTree>
+      <p:nvGrpSpPr>
+        <p:cNvPr id="1" name=""/>
+        <p:cNvGrpSpPr/>
+        <p:nvPr/>
+      </p:nvGrpSpPr>
+      <p:grpSpPr>
+        <a:xfrm>
+          <a:off x="0" y="0"/>
+          <a:ext cx="0" cy="0"/>
+          <a:chOff x="0" y="0"/>
+          <a:chExt cx="0" cy="0"/>
+        </a:xfrm>
+      </p:grpSpPr>
+      <p:sp>
+        <p:nvSpPr>
+          <p:cNvPr id="2" name="Title 1">
+            <a:extLst>
+              <a:ext uri="{FF2B5EF4-FFF2-40B4-BE49-F238E27FC236}">
+                <a16:creationId xmlns:a16="http://schemas.microsoft.com/office/drawing/2014/main" id="{44AB8775-A672-4362-B7C5-DACBE0A4EA00}"/>
+              </a:ext>
+            </a:extLst>
+          </p:cNvPr>
+          <p:cNvSpPr>
+            <a:spLocks noGrp="1"/>
+          </p:cNvSpPr>
+          <p:nvPr>
+            <p:ph type="title"/>
+          </p:nvPr>
+        </p:nvSpPr>
+        <p:spPr>
+          <a:xfrm>
+            <a:off x="1097280" y="286604"/>
+            <a:ext cx="10058400" cy="1227404"/>
+          </a:xfrm>
+        </p:spPr>
+        <p:txBody>
+          <a:bodyPr/>
+          <a:lstStyle/>
+          <a:p>
+            <a:r>
+              <a:rPr lang="en-US" dirty="0"/>
+              <a:t>Azure Resource Group Features</a:t>
+            </a:r>
+          </a:p>
+        </p:txBody>
+      </p:sp>
+      <p:sp>
+        <p:nvSpPr>
+          <p:cNvPr id="5" name="Content Placeholder 4">
+            <a:extLst>
+              <a:ext uri="{FF2B5EF4-FFF2-40B4-BE49-F238E27FC236}">
+                <a16:creationId xmlns:a16="http://schemas.microsoft.com/office/drawing/2014/main" id="{F0E4D4AE-10B9-4084-9EDE-EBFED20FB30B}"/>
+              </a:ext>
+            </a:extLst>
+          </p:cNvPr>
+          <p:cNvSpPr>
+            <a:spLocks noGrp="1"/>
+          </p:cNvSpPr>
+          <p:nvPr>
+            <p:ph idx="1"/>
+          </p:nvPr>
+        </p:nvSpPr>
+        <p:spPr/>
+        <p:txBody>
+          <a:bodyPr>
+            <a:normAutofit lnSpcReduction="10000"/>
+          </a:bodyPr>
+          <a:lstStyle/>
+          <a:p>
+            <a:pPr>
+              <a:buFont typeface="Arial" panose="020B0604020202020204" pitchFamily="34" charset="0"/>
+              <a:buChar char="•"/>
+            </a:pPr>
+            <a:r>
+              <a:rPr lang="en-US" dirty="0"/>
+              <a:t> Resources in your resource group should share the same lifecycle through which you can deploy, update &amp; delete them together. </a:t>
+            </a:r>
+          </a:p>
+          <a:p>
+            <a:pPr>
+              <a:buFont typeface="Arial" panose="020B0604020202020204" pitchFamily="34" charset="0"/>
+              <a:buChar char="•"/>
+            </a:pPr>
+            <a:endParaRPr lang="en-US" dirty="0"/>
+          </a:p>
+          <a:p>
+            <a:pPr>
+              <a:buFont typeface="Arial" panose="020B0604020202020204" pitchFamily="34" charset="0"/>
+              <a:buChar char="•"/>
+            </a:pPr>
+            <a:r>
+              <a:rPr lang="en-US" dirty="0"/>
+              <a:t> Each resource can exist in only one resource group in a designated location. </a:t>
+            </a:r>
+          </a:p>
+          <a:p>
+            <a:pPr>
+              <a:buFont typeface="Arial" panose="020B0604020202020204" pitchFamily="34" charset="0"/>
+              <a:buChar char="•"/>
+            </a:pPr>
+            <a:endParaRPr lang="en-US" dirty="0"/>
+          </a:p>
+          <a:p>
+            <a:pPr>
+              <a:buFont typeface="Arial" panose="020B0604020202020204" pitchFamily="34" charset="0"/>
+              <a:buChar char="•"/>
+            </a:pPr>
+            <a:r>
+              <a:rPr lang="en-US" dirty="0"/>
+              <a:t> You can add / remove a resource to a resource group at any time. </a:t>
+            </a:r>
+          </a:p>
+          <a:p>
+            <a:pPr>
+              <a:buFont typeface="Arial" panose="020B0604020202020204" pitchFamily="34" charset="0"/>
+              <a:buChar char="•"/>
+            </a:pPr>
+            <a:endParaRPr lang="en-US" dirty="0"/>
+          </a:p>
+          <a:p>
+            <a:pPr>
+              <a:buFont typeface="Arial" panose="020B0604020202020204" pitchFamily="34" charset="0"/>
+              <a:buChar char="•"/>
+            </a:pPr>
+            <a:r>
+              <a:rPr lang="en-US" dirty="0"/>
+              <a:t> You can move a resource from one resource group to another group. </a:t>
+            </a:r>
+          </a:p>
+          <a:p>
+            <a:pPr marL="0" indent="0">
+              <a:buNone/>
+            </a:pPr>
+            <a:endParaRPr lang="en-US" dirty="0"/>
+          </a:p>
+          <a:p>
+            <a:pPr>
+              <a:buFont typeface="Arial" panose="020B0604020202020204" pitchFamily="34" charset="0"/>
+              <a:buChar char="•"/>
+            </a:pPr>
+            <a:r>
+              <a:rPr lang="en-US" dirty="0"/>
+              <a:t> The resources in a resource group can be located in different regions than the resource group.   </a:t>
+            </a:r>
+          </a:p>
+        </p:txBody>
+      </p:sp>
+    </p:spTree>
+    <p:extLst>
+      <p:ext uri="{BB962C8B-B14F-4D97-AF65-F5344CB8AC3E}">
+        <p14:creationId xmlns:p14="http://schemas.microsoft.com/office/powerpoint/2010/main" val="3615120124"/>
+      </p:ext>
+    </p:extLst>
+  </p:cSld>
+  <p:clrMapOvr>
+    <a:masterClrMapping/>
+  </p:clrMapOvr>
+</p:sld>
+</file>
+
+<file path=ppt/slides/slide25.xml><?xml version="1.0" encoding="utf-8"?>
+<p:sld xmlns:a="http://schemas.openxmlformats.org/drawingml/2006/main" xmlns:r="http://schemas.openxmlformats.org/officeDocument/2006/relationships" xmlns:p="http://schemas.openxmlformats.org/presentationml/2006/main">
+  <p:cSld>
+    <p:spTree>
+      <p:nvGrpSpPr>
+        <p:cNvPr id="1" name=""/>
+        <p:cNvGrpSpPr/>
+        <p:nvPr/>
+      </p:nvGrpSpPr>
+      <p:grpSpPr>
+        <a:xfrm>
+          <a:off x="0" y="0"/>
+          <a:ext cx="0" cy="0"/>
+          <a:chOff x="0" y="0"/>
+          <a:chExt cx="0" cy="0"/>
+        </a:xfrm>
+      </p:grpSpPr>
+      <p:sp>
+        <p:nvSpPr>
+          <p:cNvPr id="2" name="Title 1">
+            <a:extLst>
+              <a:ext uri="{FF2B5EF4-FFF2-40B4-BE49-F238E27FC236}">
+                <a16:creationId xmlns:a16="http://schemas.microsoft.com/office/drawing/2014/main" id="{8CF9CEAE-FD1E-4FAE-8269-EA95CC1733E9}"/>
+              </a:ext>
+            </a:extLst>
+          </p:cNvPr>
+          <p:cNvSpPr>
+            <a:spLocks noGrp="1"/>
+          </p:cNvSpPr>
+          <p:nvPr>
+            <p:ph type="title"/>
+          </p:nvPr>
+        </p:nvSpPr>
+        <p:spPr/>
+        <p:txBody>
+          <a:bodyPr>
+            <a:normAutofit/>
+          </a:bodyPr>
+          <a:lstStyle/>
+          <a:p>
+            <a:r>
+              <a:rPr lang="en-US" dirty="0"/>
+              <a:t>Azure Resource Providers &amp; types</a:t>
+            </a:r>
+          </a:p>
+        </p:txBody>
+      </p:sp>
+      <p:sp>
+        <p:nvSpPr>
+          <p:cNvPr id="3" name="Content Placeholder 2">
+            <a:extLst>
+              <a:ext uri="{FF2B5EF4-FFF2-40B4-BE49-F238E27FC236}">
+                <a16:creationId xmlns:a16="http://schemas.microsoft.com/office/drawing/2014/main" id="{11D2802F-D26A-4C84-995E-44F47EAED394}"/>
+              </a:ext>
+            </a:extLst>
+          </p:cNvPr>
+          <p:cNvSpPr>
+            <a:spLocks noGrp="1"/>
+          </p:cNvSpPr>
+          <p:nvPr>
+            <p:ph idx="1"/>
+          </p:nvPr>
+        </p:nvSpPr>
+        <p:spPr/>
+        <p:txBody>
+          <a:bodyPr>
+            <a:normAutofit/>
+          </a:bodyPr>
+          <a:lstStyle/>
+          <a:p>
+            <a:pPr>
+              <a:buFont typeface="Arial" panose="020B0604020202020204" pitchFamily="34" charset="0"/>
+              <a:buChar char="•"/>
+            </a:pPr>
+            <a:r>
+              <a:rPr lang="en-US" dirty="0"/>
+              <a:t> A service which supplies Azure resources. For e.g. a common resource provider is </a:t>
+            </a:r>
+            <a:r>
+              <a:rPr lang="en-US" b="1" i="1" dirty="0" err="1"/>
+              <a:t>Microsoft.Compute</a:t>
+            </a:r>
+            <a:r>
+              <a:rPr lang="en-US" b="1" i="1" dirty="0"/>
+              <a:t> </a:t>
+            </a:r>
+            <a:r>
+              <a:rPr lang="en-US" dirty="0"/>
+              <a:t>which supplies the virtual machine resource. </a:t>
+            </a:r>
+          </a:p>
+          <a:p>
+            <a:pPr>
+              <a:buFont typeface="Arial" panose="020B0604020202020204" pitchFamily="34" charset="0"/>
+              <a:buChar char="•"/>
+            </a:pPr>
+            <a:endParaRPr lang="en-US" dirty="0"/>
+          </a:p>
+          <a:p>
+            <a:pPr>
+              <a:buFont typeface="Arial" panose="020B0604020202020204" pitchFamily="34" charset="0"/>
+              <a:buChar char="•"/>
+            </a:pPr>
+            <a:r>
+              <a:rPr lang="en-US" dirty="0"/>
+              <a:t> </a:t>
+            </a:r>
+            <a:r>
+              <a:rPr lang="en-US" b="1" i="1" dirty="0" err="1"/>
+              <a:t>Microsoft.Storage</a:t>
+            </a:r>
+            <a:r>
+              <a:rPr lang="en-US" b="1" i="1" dirty="0"/>
+              <a:t> </a:t>
+            </a:r>
+            <a:r>
+              <a:rPr lang="en-US" dirty="0"/>
+              <a:t>is another common resource provider. The Azure subscription must be registered for the resource provider. The registration step enables to maintain the principles of least privileges within the subscription. </a:t>
+            </a:r>
+          </a:p>
+          <a:p>
+            <a:pPr>
+              <a:buFont typeface="Arial" panose="020B0604020202020204" pitchFamily="34" charset="0"/>
+              <a:buChar char="•"/>
+            </a:pPr>
+            <a:endParaRPr lang="en-US" dirty="0"/>
+          </a:p>
+          <a:p>
+            <a:pPr>
+              <a:buFont typeface="Arial" panose="020B0604020202020204" pitchFamily="34" charset="0"/>
+              <a:buChar char="•"/>
+            </a:pPr>
+            <a:r>
+              <a:rPr lang="en-US" dirty="0"/>
+              <a:t> You should have the permission to do the /register/action operation for the resource provider. The permission is included in the Contributor &amp; Owner roles. </a:t>
+            </a:r>
+          </a:p>
+          <a:p>
+            <a:pPr>
+              <a:buFont typeface="Arial" panose="020B0604020202020204" pitchFamily="34" charset="0"/>
+              <a:buChar char="•"/>
+            </a:pPr>
+            <a:endParaRPr lang="en-US" dirty="0"/>
+          </a:p>
+        </p:txBody>
+      </p:sp>
+    </p:spTree>
+    <p:extLst>
+      <p:ext uri="{BB962C8B-B14F-4D97-AF65-F5344CB8AC3E}">
+        <p14:creationId xmlns:p14="http://schemas.microsoft.com/office/powerpoint/2010/main" val="1281080212"/>
+      </p:ext>
+    </p:extLst>
+  </p:cSld>
+  <p:clrMapOvr>
+    <a:masterClrMapping/>
+  </p:clrMapOvr>
+</p:sld>
+</file>
+
+<file path=ppt/slides/slide26.xml><?xml version="1.0" encoding="utf-8"?>
+<p:sld xmlns:a="http://schemas.openxmlformats.org/drawingml/2006/main" xmlns:r="http://schemas.openxmlformats.org/officeDocument/2006/relationships" xmlns:p="http://schemas.openxmlformats.org/presentationml/2006/main">
+  <p:cSld>
+    <p:spTree>
+      <p:nvGrpSpPr>
+        <p:cNvPr id="1" name=""/>
+        <p:cNvGrpSpPr/>
+        <p:nvPr/>
+      </p:nvGrpSpPr>
+      <p:grpSpPr>
+        <a:xfrm>
+          <a:off x="0" y="0"/>
+          <a:ext cx="0" cy="0"/>
+          <a:chOff x="0" y="0"/>
+          <a:chExt cx="0" cy="0"/>
+        </a:xfrm>
+      </p:grpSpPr>
+      <p:sp>
+        <p:nvSpPr>
+          <p:cNvPr id="2" name="Title 1">
+            <a:extLst>
+              <a:ext uri="{FF2B5EF4-FFF2-40B4-BE49-F238E27FC236}">
+                <a16:creationId xmlns:a16="http://schemas.microsoft.com/office/drawing/2014/main" id="{46CC65A2-F8AD-4923-BCCF-76136E9382AF}"/>
+              </a:ext>
+            </a:extLst>
+          </p:cNvPr>
+          <p:cNvSpPr>
+            <a:spLocks noGrp="1"/>
+          </p:cNvSpPr>
+          <p:nvPr>
+            <p:ph type="title"/>
+          </p:nvPr>
+        </p:nvSpPr>
+        <p:spPr/>
+        <p:txBody>
+          <a:bodyPr/>
+          <a:lstStyle/>
+          <a:p>
+            <a:r>
+              <a:rPr lang="en-US" dirty="0"/>
+              <a:t>Azure Storage Account Overview</a:t>
+            </a:r>
+          </a:p>
+        </p:txBody>
+      </p:sp>
+      <p:sp>
+        <p:nvSpPr>
+          <p:cNvPr id="3" name="Content Placeholder 2">
+            <a:extLst>
+              <a:ext uri="{FF2B5EF4-FFF2-40B4-BE49-F238E27FC236}">
+                <a16:creationId xmlns:a16="http://schemas.microsoft.com/office/drawing/2014/main" id="{1C4958AB-C175-45D1-A131-A284D76A46D0}"/>
+              </a:ext>
+            </a:extLst>
+          </p:cNvPr>
+          <p:cNvSpPr>
+            <a:spLocks noGrp="1"/>
+          </p:cNvSpPr>
+          <p:nvPr>
+            <p:ph idx="1"/>
+          </p:nvPr>
+        </p:nvSpPr>
+        <p:spPr/>
+        <p:txBody>
+          <a:bodyPr/>
+          <a:lstStyle/>
+          <a:p>
+            <a:pPr>
+              <a:buFont typeface="Arial" panose="020B0604020202020204" pitchFamily="34" charset="0"/>
+              <a:buChar char="•"/>
+            </a:pPr>
+            <a:r>
+              <a:rPr lang="en-US" dirty="0"/>
+              <a:t> An Azure Storage account consists of all your Azure Storage data objects : blobs, file share, queue, table, disks. </a:t>
+            </a:r>
+          </a:p>
+          <a:p>
+            <a:pPr>
+              <a:buFont typeface="Arial" panose="020B0604020202020204" pitchFamily="34" charset="0"/>
+              <a:buChar char="•"/>
+            </a:pPr>
+            <a:endParaRPr lang="en-US" dirty="0"/>
+          </a:p>
+          <a:p>
+            <a:pPr>
+              <a:buFont typeface="Arial" panose="020B0604020202020204" pitchFamily="34" charset="0"/>
+              <a:buChar char="•"/>
+            </a:pPr>
+            <a:r>
+              <a:rPr lang="en-US" dirty="0"/>
+              <a:t> The storage account provides a unique namespace for your Azure Storage data which’s uniquely accessible from anywhere in the world over HTTP / HTTPS. </a:t>
+            </a:r>
+          </a:p>
+          <a:p>
+            <a:pPr>
+              <a:buFont typeface="Arial" panose="020B0604020202020204" pitchFamily="34" charset="0"/>
+              <a:buChar char="•"/>
+            </a:pPr>
+            <a:endParaRPr lang="en-US" dirty="0"/>
+          </a:p>
+          <a:p>
+            <a:pPr>
+              <a:buFont typeface="Arial" panose="020B0604020202020204" pitchFamily="34" charset="0"/>
+              <a:buChar char="•"/>
+            </a:pPr>
+            <a:r>
+              <a:rPr lang="en-US" dirty="0"/>
+              <a:t> Data stored in Storage account is highly durable , secure, available &amp; massively scalable. </a:t>
+            </a:r>
+          </a:p>
+        </p:txBody>
+      </p:sp>
+    </p:spTree>
+    <p:extLst>
+      <p:ext uri="{BB962C8B-B14F-4D97-AF65-F5344CB8AC3E}">
+        <p14:creationId xmlns:p14="http://schemas.microsoft.com/office/powerpoint/2010/main" val="1406336893"/>
+      </p:ext>
+    </p:extLst>
+  </p:cSld>
+  <p:clrMapOvr>
+    <a:masterClrMapping/>
+  </p:clrMapOvr>
+</p:sld>
+</file>
+
+<file path=ppt/slides/slide27.xml><?xml version="1.0" encoding="utf-8"?>
+<p:sld xmlns:a="http://schemas.openxmlformats.org/drawingml/2006/main" xmlns:r="http://schemas.openxmlformats.org/officeDocument/2006/relationships" xmlns:p="http://schemas.openxmlformats.org/presentationml/2006/main">
+  <p:cSld>
+    <p:spTree>
+      <p:nvGrpSpPr>
+        <p:cNvPr id="1" name=""/>
+        <p:cNvGrpSpPr/>
+        <p:nvPr/>
+      </p:nvGrpSpPr>
+      <p:grpSpPr>
+        <a:xfrm>
+          <a:off x="0" y="0"/>
+          <a:ext cx="0" cy="0"/>
+          <a:chOff x="0" y="0"/>
+          <a:chExt cx="0" cy="0"/>
+        </a:xfrm>
+      </p:grpSpPr>
+      <p:sp>
+        <p:nvSpPr>
+          <p:cNvPr id="2" name="Title 1">
+            <a:extLst>
+              <a:ext uri="{FF2B5EF4-FFF2-40B4-BE49-F238E27FC236}">
+                <a16:creationId xmlns:a16="http://schemas.microsoft.com/office/drawing/2014/main" id="{44AB8775-A672-4362-B7C5-DACBE0A4EA00}"/>
+              </a:ext>
+            </a:extLst>
+          </p:cNvPr>
+          <p:cNvSpPr>
+            <a:spLocks noGrp="1"/>
+          </p:cNvSpPr>
+          <p:nvPr>
+            <p:ph type="title"/>
+          </p:nvPr>
+        </p:nvSpPr>
+        <p:spPr>
+          <a:xfrm>
+            <a:off x="1097280" y="286604"/>
+            <a:ext cx="10058400" cy="1227404"/>
+          </a:xfrm>
+        </p:spPr>
+        <p:txBody>
+          <a:bodyPr/>
+          <a:lstStyle/>
+          <a:p>
+            <a:r>
+              <a:rPr lang="en-US" dirty="0"/>
+              <a:t>Azure Role based access control</a:t>
+            </a:r>
+          </a:p>
+        </p:txBody>
+      </p:sp>
+      <p:sp>
+        <p:nvSpPr>
+          <p:cNvPr id="5" name="Content Placeholder 4">
+            <a:extLst>
+              <a:ext uri="{FF2B5EF4-FFF2-40B4-BE49-F238E27FC236}">
+                <a16:creationId xmlns:a16="http://schemas.microsoft.com/office/drawing/2014/main" id="{F0E4D4AE-10B9-4084-9EDE-EBFED20FB30B}"/>
+              </a:ext>
+            </a:extLst>
+          </p:cNvPr>
+          <p:cNvSpPr>
+            <a:spLocks noGrp="1"/>
+          </p:cNvSpPr>
+          <p:nvPr>
+            <p:ph idx="1"/>
+          </p:nvPr>
+        </p:nvSpPr>
+        <p:spPr/>
+        <p:txBody>
+          <a:bodyPr/>
+          <a:lstStyle/>
+          <a:p>
+            <a:pPr>
+              <a:buFont typeface="Arial" panose="020B0604020202020204" pitchFamily="34" charset="0"/>
+              <a:buChar char="•"/>
+            </a:pPr>
+            <a:r>
+              <a:rPr lang="en-US" dirty="0"/>
+              <a:t> Azure Role based access control (RBAC) helps you to manage who has access to Azure resources based on accessibility. </a:t>
+            </a:r>
+          </a:p>
+          <a:p>
+            <a:pPr>
+              <a:buFont typeface="Arial" panose="020B0604020202020204" pitchFamily="34" charset="0"/>
+              <a:buChar char="•"/>
+            </a:pPr>
+            <a:endParaRPr lang="en-US" dirty="0"/>
+          </a:p>
+          <a:p>
+            <a:pPr>
+              <a:buFont typeface="Arial" panose="020B0604020202020204" pitchFamily="34" charset="0"/>
+              <a:buChar char="•"/>
+            </a:pPr>
+            <a:r>
+              <a:rPr lang="en-US" dirty="0"/>
+              <a:t> Azure RBAC is an authorization system built on Azure resource manager which provides fine-grained access management of Azure resources. </a:t>
+            </a:r>
+          </a:p>
+          <a:p>
+            <a:pPr>
+              <a:buFont typeface="Arial" panose="020B0604020202020204" pitchFamily="34" charset="0"/>
+              <a:buChar char="•"/>
+            </a:pPr>
+            <a:endParaRPr lang="en-US" dirty="0"/>
+          </a:p>
+          <a:p>
+            <a:pPr>
+              <a:buFont typeface="Arial" panose="020B0604020202020204" pitchFamily="34" charset="0"/>
+              <a:buChar char="•"/>
+            </a:pPr>
+            <a:r>
+              <a:rPr lang="en-US" dirty="0"/>
+              <a:t> It allows one user to manage VM in a subscription &amp; another user to manage Azure </a:t>
+            </a:r>
+            <a:r>
+              <a:rPr lang="en-US" dirty="0" err="1"/>
+              <a:t>Vnets</a:t>
+            </a:r>
+            <a:r>
+              <a:rPr lang="en-US" dirty="0"/>
+              <a:t>. </a:t>
+            </a:r>
+          </a:p>
+          <a:p>
+            <a:pPr>
+              <a:buFont typeface="Arial" panose="020B0604020202020204" pitchFamily="34" charset="0"/>
+              <a:buChar char="•"/>
+            </a:pPr>
+            <a:endParaRPr lang="en-US" dirty="0"/>
+          </a:p>
+          <a:p>
+            <a:pPr>
+              <a:buFont typeface="Arial" panose="020B0604020202020204" pitchFamily="34" charset="0"/>
+              <a:buChar char="•"/>
+            </a:pPr>
+            <a:r>
+              <a:rPr lang="en-US" dirty="0"/>
+              <a:t> Allow a DBA group to manage SQL databases in a subscription, manage all resources in a resource group, allows an application to access all resources in a resource group. </a:t>
+            </a:r>
+          </a:p>
+        </p:txBody>
+      </p:sp>
+    </p:spTree>
+    <p:extLst>
+      <p:ext uri="{BB962C8B-B14F-4D97-AF65-F5344CB8AC3E}">
+        <p14:creationId xmlns:p14="http://schemas.microsoft.com/office/powerpoint/2010/main" val="3915745845"/>
+      </p:ext>
+    </p:extLst>
+  </p:cSld>
+  <p:clrMapOvr>
+    <a:masterClrMapping/>
+  </p:clrMapOvr>
+</p:sld>
+</file>
+
+<file path=ppt/slides/slide28.xml><?xml version="1.0" encoding="utf-8"?>
+<p:sld xmlns:a="http://schemas.openxmlformats.org/drawingml/2006/main" xmlns:r="http://schemas.openxmlformats.org/officeDocument/2006/relationships" xmlns:p="http://schemas.openxmlformats.org/presentationml/2006/main">
+  <p:cSld>
+    <p:spTree>
+      <p:nvGrpSpPr>
+        <p:cNvPr id="1" name=""/>
+        <p:cNvGrpSpPr/>
+        <p:nvPr/>
+      </p:nvGrpSpPr>
+      <p:grpSpPr>
+        <a:xfrm>
+          <a:off x="0" y="0"/>
+          <a:ext cx="0" cy="0"/>
+          <a:chOff x="0" y="0"/>
+          <a:chExt cx="0" cy="0"/>
+        </a:xfrm>
+      </p:grpSpPr>
+      <p:sp>
+        <p:nvSpPr>
+          <p:cNvPr id="2" name="Title 1">
+            <a:extLst>
+              <a:ext uri="{FF2B5EF4-FFF2-40B4-BE49-F238E27FC236}">
+                <a16:creationId xmlns:a16="http://schemas.microsoft.com/office/drawing/2014/main" id="{44AB8775-A672-4362-B7C5-DACBE0A4EA00}"/>
+              </a:ext>
+            </a:extLst>
+          </p:cNvPr>
+          <p:cNvSpPr>
+            <a:spLocks noGrp="1"/>
+          </p:cNvSpPr>
+          <p:nvPr>
+            <p:ph type="title"/>
+          </p:nvPr>
+        </p:nvSpPr>
+        <p:spPr>
+          <a:xfrm>
+            <a:off x="1097280" y="286604"/>
+            <a:ext cx="10058400" cy="1227404"/>
+          </a:xfrm>
+        </p:spPr>
+        <p:txBody>
+          <a:bodyPr/>
+          <a:lstStyle/>
+          <a:p>
+            <a:r>
+              <a:rPr lang="en-US" dirty="0"/>
+              <a:t>Types of Storage Account </a:t>
+            </a:r>
+          </a:p>
+        </p:txBody>
+      </p:sp>
+      <p:graphicFrame>
+        <p:nvGraphicFramePr>
+          <p:cNvPr id="4" name="Table 4">
+            <a:extLst>
+              <a:ext uri="{FF2B5EF4-FFF2-40B4-BE49-F238E27FC236}">
+                <a16:creationId xmlns:a16="http://schemas.microsoft.com/office/drawing/2014/main" id="{FD776B6A-22DD-4E76-B097-574AE51D74D8}"/>
+              </a:ext>
+            </a:extLst>
+          </p:cNvPr>
+          <p:cNvGraphicFramePr>
+            <a:graphicFrameLocks noGrp="1"/>
+          </p:cNvGraphicFramePr>
+          <p:nvPr>
+            <p:ph idx="1"/>
+          </p:nvPr>
+        </p:nvGraphicFramePr>
+        <p:xfrm>
+          <a:off x="1096963" y="1741332"/>
+          <a:ext cx="10058400" cy="4572000"/>
+        </p:xfrm>
+        <a:graphic>
+          <a:graphicData uri="http://schemas.openxmlformats.org/drawingml/2006/table">
+            <a:tbl>
+              <a:tblPr firstRow="1" bandRow="1">
+                <a:tableStyleId>{5C22544A-7EE6-4342-B048-85BDC9FD1C3A}</a:tableStyleId>
+              </a:tblPr>
+              <a:tblGrid>
+                <a:gridCol w="2514600">
+                  <a:extLst>
+                    <a:ext uri="{9D8B030D-6E8A-4147-A177-3AD203B41FA5}">
+                      <a16:colId xmlns:a16="http://schemas.microsoft.com/office/drawing/2014/main" val="1687495640"/>
+                    </a:ext>
+                  </a:extLst>
+                </a:gridCol>
+                <a:gridCol w="2514600">
+                  <a:extLst>
+                    <a:ext uri="{9D8B030D-6E8A-4147-A177-3AD203B41FA5}">
+                      <a16:colId xmlns:a16="http://schemas.microsoft.com/office/drawing/2014/main" val="982098937"/>
+                    </a:ext>
+                  </a:extLst>
+                </a:gridCol>
+                <a:gridCol w="2514600">
+                  <a:extLst>
+                    <a:ext uri="{9D8B030D-6E8A-4147-A177-3AD203B41FA5}">
+                      <a16:colId xmlns:a16="http://schemas.microsoft.com/office/drawing/2014/main" val="48815592"/>
+                    </a:ext>
+                  </a:extLst>
+                </a:gridCol>
+                <a:gridCol w="2514600">
+                  <a:extLst>
+                    <a:ext uri="{9D8B030D-6E8A-4147-A177-3AD203B41FA5}">
+                      <a16:colId xmlns:a16="http://schemas.microsoft.com/office/drawing/2014/main" val="3322770867"/>
+                    </a:ext>
+                  </a:extLst>
+                </a:gridCol>
+              </a:tblGrid>
+              <a:tr h="370840">
+                <a:tc>
+                  <a:txBody>
+                    <a:bodyPr/>
+                    <a:lstStyle/>
+                    <a:p>
+                      <a:r>
+                        <a:rPr lang="en-US" dirty="0"/>
+                        <a:t>Type of Storage account</a:t>
+                      </a:r>
+                    </a:p>
+                  </a:txBody>
+                  <a:tcPr/>
+                </a:tc>
+                <a:tc>
+                  <a:txBody>
+                    <a:bodyPr/>
+                    <a:lstStyle/>
+                    <a:p>
+                      <a:r>
+                        <a:rPr lang="en-US" dirty="0"/>
+                        <a:t>Supported Storage service</a:t>
+                      </a:r>
+                    </a:p>
+                  </a:txBody>
+                  <a:tcPr/>
+                </a:tc>
+                <a:tc>
+                  <a:txBody>
+                    <a:bodyPr/>
+                    <a:lstStyle/>
+                    <a:p>
+                      <a:r>
+                        <a:rPr lang="en-US" dirty="0"/>
+                        <a:t>Data redundancy options</a:t>
+                      </a:r>
+                    </a:p>
+                  </a:txBody>
+                  <a:tcPr/>
+                </a:tc>
+                <a:tc>
+                  <a:txBody>
+                    <a:bodyPr/>
+                    <a:lstStyle/>
+                    <a:p>
+                      <a:r>
+                        <a:rPr lang="en-US" dirty="0"/>
+                        <a:t>Usage</a:t>
+                      </a:r>
+                    </a:p>
+                  </a:txBody>
+                  <a:tcPr/>
+                </a:tc>
+                <a:extLst>
+                  <a:ext uri="{0D108BD9-81ED-4DB2-BD59-A6C34878D82A}">
+                    <a16:rowId xmlns:a16="http://schemas.microsoft.com/office/drawing/2014/main" val="590271205"/>
+                  </a:ext>
+                </a:extLst>
+              </a:tr>
+              <a:tr h="370840">
+                <a:tc>
+                  <a:txBody>
+                    <a:bodyPr/>
+                    <a:lstStyle/>
+                    <a:p>
+                      <a:r>
+                        <a:rPr lang="en-US" dirty="0"/>
+                        <a:t>Standard General Purpose V2</a:t>
+                      </a:r>
+                    </a:p>
+                  </a:txBody>
+                  <a:tcPr/>
+                </a:tc>
+                <a:tc>
+                  <a:txBody>
+                    <a:bodyPr/>
+                    <a:lstStyle/>
+                    <a:p>
+                      <a:r>
+                        <a:rPr lang="en-US" dirty="0"/>
+                        <a:t>Blob (Azure Data lake storage Gen2), Queue, Table, File share</a:t>
+                      </a:r>
+                    </a:p>
+                  </a:txBody>
+                  <a:tcPr/>
+                </a:tc>
+                <a:tc>
+                  <a:txBody>
+                    <a:bodyPr/>
+                    <a:lstStyle/>
+                    <a:p>
+                      <a:r>
+                        <a:rPr lang="en-US" dirty="0"/>
+                        <a:t>LRS/GRS/RA-GRS/ZRS,</a:t>
+                      </a:r>
+                    </a:p>
+                    <a:p>
+                      <a:endParaRPr lang="en-US" dirty="0"/>
+                    </a:p>
+                    <a:p>
+                      <a:r>
+                        <a:rPr lang="en-US" dirty="0"/>
+                        <a:t>ZRS/GZRS/RA-ZGRS</a:t>
+                      </a:r>
+                    </a:p>
+                  </a:txBody>
+                  <a:tcPr/>
+                </a:tc>
+                <a:tc>
+                  <a:txBody>
+                    <a:bodyPr/>
+                    <a:lstStyle/>
+                    <a:p>
+                      <a:r>
+                        <a:rPr lang="en-US" dirty="0"/>
+                        <a:t>Standard storage account type for blob, file, queue, disks &amp; tables. </a:t>
+                      </a:r>
+                    </a:p>
+                  </a:txBody>
+                  <a:tcPr/>
+                </a:tc>
+                <a:extLst>
+                  <a:ext uri="{0D108BD9-81ED-4DB2-BD59-A6C34878D82A}">
+                    <a16:rowId xmlns:a16="http://schemas.microsoft.com/office/drawing/2014/main" val="3297131435"/>
+                  </a:ext>
+                </a:extLst>
+              </a:tr>
+              <a:tr h="370840">
+                <a:tc>
+                  <a:txBody>
+                    <a:bodyPr/>
+                    <a:lstStyle/>
+                    <a:p>
+                      <a:r>
+                        <a:rPr lang="en-US" dirty="0"/>
+                        <a:t>Premium Block blobs</a:t>
+                      </a:r>
+                    </a:p>
+                  </a:txBody>
+                  <a:tcPr/>
+                </a:tc>
+                <a:tc>
+                  <a:txBody>
+                    <a:bodyPr/>
+                    <a:lstStyle/>
+                    <a:p>
+                      <a:r>
+                        <a:rPr lang="en-US" dirty="0"/>
+                        <a:t>Blob storage + ADLS Gen2</a:t>
+                      </a:r>
+                    </a:p>
+                  </a:txBody>
+                  <a:tcPr/>
+                </a:tc>
+                <a:tc>
+                  <a:txBody>
+                    <a:bodyPr/>
+                    <a:lstStyle/>
+                    <a:p>
+                      <a:r>
+                        <a:rPr lang="en-US" dirty="0"/>
+                        <a:t>LRS , ZRS</a:t>
+                      </a:r>
+                    </a:p>
+                  </a:txBody>
+                  <a:tcPr/>
+                </a:tc>
+                <a:tc>
+                  <a:txBody>
+                    <a:bodyPr/>
+                    <a:lstStyle/>
+                    <a:p>
+                      <a:r>
+                        <a:rPr lang="en-US" dirty="0"/>
+                        <a:t>High transaction rates, smaller objects / consistently low storage latency</a:t>
+                      </a:r>
+                    </a:p>
+                  </a:txBody>
+                  <a:tcPr/>
+                </a:tc>
+                <a:extLst>
+                  <a:ext uri="{0D108BD9-81ED-4DB2-BD59-A6C34878D82A}">
+                    <a16:rowId xmlns:a16="http://schemas.microsoft.com/office/drawing/2014/main" val="3999938119"/>
+                  </a:ext>
+                </a:extLst>
+              </a:tr>
+              <a:tr h="370840">
+                <a:tc>
+                  <a:txBody>
+                    <a:bodyPr/>
+                    <a:lstStyle/>
+                    <a:p>
+                      <a:r>
+                        <a:rPr lang="en-US" dirty="0"/>
+                        <a:t>Premium file share</a:t>
+                      </a:r>
+                    </a:p>
+                  </a:txBody>
+                  <a:tcPr/>
+                </a:tc>
+                <a:tc>
+                  <a:txBody>
+                    <a:bodyPr/>
+                    <a:lstStyle/>
+                    <a:p>
+                      <a:r>
+                        <a:rPr lang="en-US" dirty="0"/>
+                        <a:t>Azure Files</a:t>
+                      </a:r>
+                    </a:p>
+                  </a:txBody>
+                  <a:tcPr/>
+                </a:tc>
+                <a:tc>
+                  <a:txBody>
+                    <a:bodyPr/>
+                    <a:lstStyle/>
+                    <a:p>
+                      <a:r>
+                        <a:rPr lang="en-US" dirty="0"/>
+                        <a:t>LRS , ZRS</a:t>
+                      </a:r>
+                    </a:p>
+                  </a:txBody>
+                  <a:tcPr/>
+                </a:tc>
+                <a:tc>
+                  <a:txBody>
+                    <a:bodyPr/>
+                    <a:lstStyle/>
+                    <a:p>
+                      <a:r>
+                        <a:rPr lang="en-US" dirty="0"/>
+                        <a:t>Enterprise/ high performance apps with SMB/NFS share</a:t>
+                      </a:r>
+                    </a:p>
+                  </a:txBody>
+                  <a:tcPr/>
+                </a:tc>
+                <a:extLst>
+                  <a:ext uri="{0D108BD9-81ED-4DB2-BD59-A6C34878D82A}">
+                    <a16:rowId xmlns:a16="http://schemas.microsoft.com/office/drawing/2014/main" val="2723067495"/>
+                  </a:ext>
+                </a:extLst>
+              </a:tr>
+              <a:tr h="370840">
+                <a:tc>
+                  <a:txBody>
+                    <a:bodyPr/>
+                    <a:lstStyle/>
+                    <a:p>
+                      <a:r>
+                        <a:rPr lang="en-US" dirty="0"/>
+                        <a:t>Premium Page blobs</a:t>
+                      </a:r>
+                    </a:p>
+                  </a:txBody>
+                  <a:tcPr/>
+                </a:tc>
+                <a:tc>
+                  <a:txBody>
+                    <a:bodyPr/>
+                    <a:lstStyle/>
+                    <a:p>
+                      <a:r>
+                        <a:rPr lang="en-US" dirty="0"/>
+                        <a:t>Page blobs only</a:t>
+                      </a:r>
+                    </a:p>
+                  </a:txBody>
+                  <a:tcPr/>
+                </a:tc>
+                <a:tc>
+                  <a:txBody>
+                    <a:bodyPr/>
+                    <a:lstStyle/>
+                    <a:p>
+                      <a:r>
+                        <a:rPr lang="en-US" dirty="0"/>
+                        <a:t>LRS</a:t>
+                      </a:r>
+                    </a:p>
+                  </a:txBody>
+                  <a:tcPr/>
+                </a:tc>
+                <a:tc>
+                  <a:txBody>
+                    <a:bodyPr/>
+                    <a:lstStyle/>
+                    <a:p>
+                      <a:r>
+                        <a:rPr lang="en-US" dirty="0"/>
+                        <a:t>Premium storage for Page blobs. </a:t>
+                      </a:r>
+                    </a:p>
+                  </a:txBody>
+                  <a:tcPr/>
+                </a:tc>
+                <a:extLst>
+                  <a:ext uri="{0D108BD9-81ED-4DB2-BD59-A6C34878D82A}">
+                    <a16:rowId xmlns:a16="http://schemas.microsoft.com/office/drawing/2014/main" val="3654254795"/>
+                  </a:ext>
+                </a:extLst>
+              </a:tr>
+            </a:tbl>
+          </a:graphicData>
+        </a:graphic>
+      </p:graphicFrame>
+    </p:spTree>
+    <p:extLst>
+      <p:ext uri="{BB962C8B-B14F-4D97-AF65-F5344CB8AC3E}">
+        <p14:creationId xmlns:p14="http://schemas.microsoft.com/office/powerpoint/2010/main" val="4218163646"/>
+      </p:ext>
+    </p:extLst>
+  </p:cSld>
+  <p:clrMapOvr>
+    <a:masterClrMapping/>
+  </p:clrMapOvr>
+</p:sld>
+</file>
+
+<file path=ppt/slides/slide29.xml><?xml version="1.0" encoding="utf-8"?>
+<p:sld xmlns:a="http://schemas.openxmlformats.org/drawingml/2006/main" xmlns:r="http://schemas.openxmlformats.org/officeDocument/2006/relationships" xmlns:p="http://schemas.openxmlformats.org/presentationml/2006/main">
+  <p:cSld>
+    <p:spTree>
+      <p:nvGrpSpPr>
+        <p:cNvPr id="1" name=""/>
+        <p:cNvGrpSpPr/>
+        <p:nvPr/>
+      </p:nvGrpSpPr>
+      <p:grpSpPr>
+        <a:xfrm>
+          <a:off x="0" y="0"/>
+          <a:ext cx="0" cy="0"/>
+          <a:chOff x="0" y="0"/>
+          <a:chExt cx="0" cy="0"/>
+        </a:xfrm>
+      </p:grpSpPr>
+      <p:sp>
+        <p:nvSpPr>
+          <p:cNvPr id="2" name="Title 1">
+            <a:extLst>
+              <a:ext uri="{FF2B5EF4-FFF2-40B4-BE49-F238E27FC236}">
+                <a16:creationId xmlns:a16="http://schemas.microsoft.com/office/drawing/2014/main" id="{46CC65A2-F8AD-4923-BCCF-76136E9382AF}"/>
+              </a:ext>
+            </a:extLst>
+          </p:cNvPr>
+          <p:cNvSpPr>
+            <a:spLocks noGrp="1"/>
+          </p:cNvSpPr>
+          <p:nvPr>
+            <p:ph type="title"/>
+          </p:nvPr>
+        </p:nvSpPr>
+        <p:spPr/>
+        <p:txBody>
+          <a:bodyPr/>
+          <a:lstStyle/>
+          <a:p>
+            <a:r>
+              <a:rPr lang="en-US" dirty="0"/>
+              <a:t>What's Azure Service Health overview </a:t>
+            </a:r>
+          </a:p>
+        </p:txBody>
+      </p:sp>
+      <p:sp>
+        <p:nvSpPr>
+          <p:cNvPr id="3" name="Content Placeholder 2">
+            <a:extLst>
+              <a:ext uri="{FF2B5EF4-FFF2-40B4-BE49-F238E27FC236}">
+                <a16:creationId xmlns:a16="http://schemas.microsoft.com/office/drawing/2014/main" id="{1C4958AB-C175-45D1-A131-A284D76A46D0}"/>
+              </a:ext>
+            </a:extLst>
+          </p:cNvPr>
+          <p:cNvSpPr>
+            <a:spLocks noGrp="1"/>
+          </p:cNvSpPr>
+          <p:nvPr>
+            <p:ph idx="1"/>
+          </p:nvPr>
+        </p:nvSpPr>
+        <p:spPr>
+          <a:xfrm>
+            <a:off x="1097279" y="1845733"/>
+            <a:ext cx="10748977" cy="4241167"/>
+          </a:xfrm>
+        </p:spPr>
+        <p:txBody>
+          <a:bodyPr>
+            <a:normAutofit fontScale="92500" lnSpcReduction="10000"/>
+          </a:bodyPr>
+          <a:lstStyle/>
+          <a:p>
+            <a:pPr algn="l">
+              <a:buFont typeface="Arial" panose="020B0604020202020204" pitchFamily="34" charset="0"/>
+              <a:buChar char="•"/>
+            </a:pPr>
+            <a:r>
+              <a:rPr lang="en-US" dirty="0"/>
+              <a:t>Azure offers a suite of experiences to keep you informed about the health of your cloud resources. This information includes current and upcoming issues such as service impacting events, planned maintenance, and other changes that may affect your availability.</a:t>
+            </a:r>
+          </a:p>
+          <a:p>
+            <a:pPr algn="l">
+              <a:buFont typeface="Arial" panose="020B0604020202020204" pitchFamily="34" charset="0"/>
+              <a:buChar char="•"/>
+            </a:pPr>
+            <a:r>
+              <a:rPr lang="en-US" dirty="0"/>
+              <a:t>Azure Service Health is a combination of three separate smaller services.</a:t>
+            </a:r>
+          </a:p>
+          <a:p>
+            <a:pPr algn="l">
+              <a:buFont typeface="Arial" panose="020B0604020202020204" pitchFamily="34" charset="0"/>
+              <a:buChar char="•"/>
+            </a:pPr>
+            <a:r>
+              <a:rPr lang="en-US" dirty="0">
+                <a:hlinkClick r:id="rId2">
+                  <a:extLst>
+                    <a:ext uri="{A12FA001-AC4F-418D-AE19-62706E023703}">
+                      <ahyp:hlinkClr xmlns:ahyp="http://schemas.microsoft.com/office/drawing/2018/hyperlinkcolor" val="tx"/>
+                    </a:ext>
+                  </a:extLst>
+                </a:hlinkClick>
+              </a:rPr>
+              <a:t>Azure status</a:t>
+            </a:r>
+            <a:r>
+              <a:rPr lang="en-US" dirty="0"/>
+              <a:t> informs you of service outages in Azure on the </a:t>
+            </a:r>
+            <a:r>
+              <a:rPr lang="en-US" dirty="0">
+                <a:hlinkClick r:id="rId3">
+                  <a:extLst>
+                    <a:ext uri="{A12FA001-AC4F-418D-AE19-62706E023703}">
+                      <ahyp:hlinkClr xmlns:ahyp="http://schemas.microsoft.com/office/drawing/2018/hyperlinkcolor" val="tx"/>
+                    </a:ext>
+                  </a:extLst>
+                </a:hlinkClick>
+              </a:rPr>
+              <a:t>Azure Status page</a:t>
+            </a:r>
+            <a:r>
+              <a:rPr lang="en-US" dirty="0"/>
+              <a:t>. The page is a global view of the health of all Azure services across all Azure regions. The status page is a good reference for incidents with widespread impact, but we strongly recommend that current Azure users leverage Azure service health to stay informed about Azure incidents and maintenance.</a:t>
+            </a:r>
+          </a:p>
+          <a:p>
+            <a:pPr algn="l">
+              <a:buFont typeface="Arial" panose="020B0604020202020204" pitchFamily="34" charset="0"/>
+              <a:buChar char="•"/>
+            </a:pPr>
+            <a:r>
+              <a:rPr lang="en-US" dirty="0">
+                <a:hlinkClick r:id="rId4">
+                  <a:extLst>
+                    <a:ext uri="{A12FA001-AC4F-418D-AE19-62706E023703}">
+                      <ahyp:hlinkClr xmlns:ahyp="http://schemas.microsoft.com/office/drawing/2018/hyperlinkcolor" val="tx"/>
+                    </a:ext>
+                  </a:extLst>
+                </a:hlinkClick>
+              </a:rPr>
+              <a:t>Service health</a:t>
+            </a:r>
+            <a:r>
+              <a:rPr lang="en-US" dirty="0"/>
+              <a:t> provides a personalized view of the health of the Azure services and regions you're using. This is the best place to look for service impacting communications about outages, planned maintenance activities, and other health advisories because the authenticated Service Health experience knows which services and resources you currently use. The best way to use Service Health is to set up Service Health alerts to notify you via your preferred communication channels when service issues, planned maintenance, or other changes may affect the Azure services and regions you use.</a:t>
+            </a:r>
+          </a:p>
+          <a:p>
+            <a:pPr>
+              <a:buFont typeface="Arial" panose="020B0604020202020204" pitchFamily="34" charset="0"/>
+              <a:buChar char="•"/>
+            </a:pPr>
+            <a:endParaRPr lang="en-US" dirty="0"/>
+          </a:p>
+          <a:p>
+            <a:pPr>
+              <a:buFont typeface="Arial" panose="020B0604020202020204" pitchFamily="34" charset="0"/>
+              <a:buChar char="•"/>
+            </a:pPr>
+            <a:endParaRPr lang="en-US" dirty="0"/>
+          </a:p>
+        </p:txBody>
+      </p:sp>
+    </p:spTree>
+    <p:extLst>
+      <p:ext uri="{BB962C8B-B14F-4D97-AF65-F5344CB8AC3E}">
+        <p14:creationId xmlns:p14="http://schemas.microsoft.com/office/powerpoint/2010/main" val="4216092717"/>
+      </p:ext>
+    </p:extLst>
+  </p:cSld>
+  <p:clrMapOvr>
+    <a:masterClrMapping/>
+  </p:clrMapOvr>
+</p:sld>
+</file>
+
 <file path=ppt/slides/slide3.xml><?xml version="1.0" encoding="utf-8"?>
 <p:sld xmlns:a="http://schemas.openxmlformats.org/drawingml/2006/main" xmlns:r="http://schemas.openxmlformats.org/officeDocument/2006/relationships" xmlns:p="http://schemas.openxmlformats.org/presentationml/2006/main">
   <p:cSld>
@@ -13699,4 +20231,287 @@
     </a:ext>
   </a:extLst>
 </a:theme>
+</file>
+
+<file path=ppt/theme/theme2.xml><?xml version="1.0" encoding="utf-8"?>
+<a:theme xmlns:a="http://schemas.openxmlformats.org/drawingml/2006/main" name="Retrospect">
+  <a:themeElements>
+    <a:clrScheme name="Blue Green">
+      <a:dk1>
+        <a:sysClr val="windowText" lastClr="000000"/>
+      </a:dk1>
+      <a:lt1>
+        <a:sysClr val="window" lastClr="FFFFFF"/>
+      </a:lt1>
+      <a:dk2>
+        <a:srgbClr val="373545"/>
+      </a:dk2>
+      <a:lt2>
+        <a:srgbClr val="CEDBE6"/>
+      </a:lt2>
+      <a:accent1>
+        <a:srgbClr val="3494BA"/>
+      </a:accent1>
+      <a:accent2>
+        <a:srgbClr val="58B6C0"/>
+      </a:accent2>
+      <a:accent3>
+        <a:srgbClr val="75BDA7"/>
+      </a:accent3>
+      <a:accent4>
+        <a:srgbClr val="7A8C8E"/>
+      </a:accent4>
+      <a:accent5>
+        <a:srgbClr val="84ACB6"/>
+      </a:accent5>
+      <a:accent6>
+        <a:srgbClr val="2683C6"/>
+      </a:accent6>
+      <a:hlink>
+        <a:srgbClr val="6B9F25"/>
+      </a:hlink>
+      <a:folHlink>
+        <a:srgbClr val="9F6715"/>
+      </a:folHlink>
+    </a:clrScheme>
+    <a:fontScheme name="Retrospect">
+      <a:majorFont>
+        <a:latin typeface="Calibri Light" panose="020F0302020204030204"/>
+        <a:ea typeface=""/>
+        <a:cs typeface=""/>
+        <a:font script="Jpan" typeface="ＭＳ Ｐゴシック"/>
+        <a:font script="Hang" typeface="맑은 고딕"/>
+        <a:font script="Hans" typeface="宋体"/>
+        <a:font script="Hant" typeface="新細明體"/>
+        <a:font script="Arab" typeface="Times New Roman"/>
+        <a:font script="Hebr" typeface="Times New Roman"/>
+        <a:font script="Thai" typeface="Angsana New"/>
+        <a:font script="Ethi" typeface="Nyala"/>
+        <a:font script="Beng" typeface="Vrinda"/>
+        <a:font script="Gujr" typeface="Shruti"/>
+        <a:font script="Khmr" typeface="MoolBoran"/>
+        <a:font script="Knda" typeface="Tunga"/>
+        <a:font script="Guru" typeface="Raavi"/>
+        <a:font script="Cans" typeface="Euphemia"/>
+        <a:font script="Cher" typeface="Plantagenet Cherokee"/>
+        <a:font script="Yiii" typeface="Microsoft Yi Baiti"/>
+        <a:font script="Tibt" typeface="Microsoft Himalaya"/>
+        <a:font script="Thaa" typeface="MV Boli"/>
+        <a:font script="Deva" typeface="Mangal"/>
+        <a:font script="Telu" typeface="Gautami"/>
+        <a:font script="Taml" typeface="Latha"/>
+        <a:font script="Syrc" typeface="Estrangelo Edessa"/>
+        <a:font script="Orya" typeface="Kalinga"/>
+        <a:font script="Mlym" typeface="Kartika"/>
+        <a:font script="Laoo" typeface="DokChampa"/>
+        <a:font script="Sinh" typeface="Iskoola Pota"/>
+        <a:font script="Mong" typeface="Mongolian Baiti"/>
+        <a:font script="Viet" typeface="Times New Roman"/>
+        <a:font script="Uigh" typeface="Microsoft Uighur"/>
+        <a:font script="Geor" typeface="Sylfaen"/>
+      </a:majorFont>
+      <a:minorFont>
+        <a:latin typeface="Calibri" panose="020F0502020204030204"/>
+        <a:ea typeface=""/>
+        <a:cs typeface=""/>
+        <a:font script="Jpan" typeface="ＭＳ Ｐゴシック"/>
+        <a:font script="Hang" typeface="맑은 고딕"/>
+        <a:font script="Hans" typeface="宋体"/>
+        <a:font script="Hant" typeface="新細明體"/>
+        <a:font script="Arab" typeface="Arial"/>
+        <a:font script="Hebr" typeface="Arial"/>
+        <a:font script="Thai" typeface="Cordia New"/>
+        <a:font script="Ethi" typeface="Nyala"/>
+        <a:font script="Beng" typeface="Vrinda"/>
+        <a:font script="Gujr" typeface="Shruti"/>
+        <a:font script="Khmr" typeface="DaunPenh"/>
+        <a:font script="Knda" typeface="Tunga"/>
+        <a:font script="Guru" typeface="Raavi"/>
+        <a:font script="Cans" typeface="Euphemia"/>
+        <a:font script="Cher" typeface="Plantagenet Cherokee"/>
+        <a:font script="Yiii" typeface="Microsoft Yi Baiti"/>
+        <a:font script="Tibt" typeface="Microsoft Himalaya"/>
+        <a:font script="Thaa" typeface="MV Boli"/>
+        <a:font script="Deva" typeface="Mangal"/>
+        <a:font script="Telu" typeface="Gautami"/>
+        <a:font script="Taml" typeface="Latha"/>
+        <a:font script="Syrc" typeface="Estrangelo Edessa"/>
+        <a:font script="Orya" typeface="Kalinga"/>
+        <a:font script="Mlym" typeface="Kartika"/>
+        <a:font script="Laoo" typeface="DokChampa"/>
+        <a:font script="Sinh" typeface="Iskoola Pota"/>
+        <a:font script="Mong" typeface="Mongolian Baiti"/>
+        <a:font script="Viet" typeface="Arial"/>
+        <a:font script="Uigh" typeface="Microsoft Uighur"/>
+        <a:font script="Geor" typeface="Sylfaen"/>
+      </a:minorFont>
+    </a:fontScheme>
+    <a:fmtScheme name="Retrospect">
+      <a:fillStyleLst>
+        <a:solidFill>
+          <a:schemeClr val="phClr"/>
+        </a:solidFill>
+        <a:gradFill rotWithShape="1">
+          <a:gsLst>
+            <a:gs pos="0">
+              <a:schemeClr val="phClr">
+                <a:tint val="65000"/>
+                <a:shade val="92000"/>
+                <a:satMod val="130000"/>
+              </a:schemeClr>
+            </a:gs>
+            <a:gs pos="45000">
+              <a:schemeClr val="phClr">
+                <a:tint val="60000"/>
+                <a:shade val="99000"/>
+                <a:satMod val="120000"/>
+              </a:schemeClr>
+            </a:gs>
+            <a:gs pos="100000">
+              <a:schemeClr val="phClr">
+                <a:tint val="55000"/>
+                <a:satMod val="140000"/>
+              </a:schemeClr>
+            </a:gs>
+          </a:gsLst>
+          <a:path path="circle">
+            <a:fillToRect l="100000" t="100000" r="100000" b="100000"/>
+          </a:path>
+        </a:gradFill>
+        <a:gradFill rotWithShape="1">
+          <a:gsLst>
+            <a:gs pos="0">
+              <a:schemeClr val="phClr">
+                <a:shade val="85000"/>
+                <a:satMod val="130000"/>
+              </a:schemeClr>
+            </a:gs>
+            <a:gs pos="34000">
+              <a:schemeClr val="phClr">
+                <a:shade val="87000"/>
+                <a:satMod val="125000"/>
+              </a:schemeClr>
+            </a:gs>
+            <a:gs pos="70000">
+              <a:schemeClr val="phClr">
+                <a:tint val="100000"/>
+                <a:shade val="90000"/>
+                <a:satMod val="130000"/>
+              </a:schemeClr>
+            </a:gs>
+            <a:gs pos="100000">
+              <a:schemeClr val="phClr">
+                <a:tint val="100000"/>
+                <a:shade val="100000"/>
+                <a:satMod val="110000"/>
+              </a:schemeClr>
+            </a:gs>
+          </a:gsLst>
+          <a:path path="circle">
+            <a:fillToRect l="100000" t="100000" r="100000" b="100000"/>
+          </a:path>
+        </a:gradFill>
+      </a:fillStyleLst>
+      <a:lnStyleLst>
+        <a:ln w="12700" cap="flat" cmpd="sng" algn="ctr">
+          <a:solidFill>
+            <a:schemeClr val="phClr"/>
+          </a:solidFill>
+          <a:prstDash val="solid"/>
+        </a:ln>
+        <a:ln w="15875" cap="flat" cmpd="sng" algn="ctr">
+          <a:solidFill>
+            <a:schemeClr val="phClr"/>
+          </a:solidFill>
+          <a:prstDash val="solid"/>
+        </a:ln>
+        <a:ln w="25400" cap="flat" cmpd="sng" algn="ctr">
+          <a:solidFill>
+            <a:schemeClr val="phClr"/>
+          </a:solidFill>
+          <a:prstDash val="solid"/>
+        </a:ln>
+      </a:lnStyleLst>
+      <a:effectStyleLst>
+        <a:effectStyle>
+          <a:effectLst/>
+        </a:effectStyle>
+        <a:effectStyle>
+          <a:effectLst>
+            <a:outerShdw blurRad="38100" dist="25400" dir="2700000" algn="br" rotWithShape="0">
+              <a:srgbClr val="000000">
+                <a:alpha val="60000"/>
+              </a:srgbClr>
+            </a:outerShdw>
+          </a:effectLst>
+        </a:effectStyle>
+        <a:effectStyle>
+          <a:effectLst>
+            <a:outerShdw blurRad="44450" dist="25400" dir="2700000" algn="br" rotWithShape="0">
+              <a:srgbClr val="000000">
+                <a:alpha val="60000"/>
+              </a:srgbClr>
+            </a:outerShdw>
+          </a:effectLst>
+          <a:scene3d>
+            <a:camera prst="orthographicFront">
+              <a:rot lat="0" lon="0" rev="0"/>
+            </a:camera>
+            <a:lightRig rig="threePt" dir="t">
+              <a:rot lat="0" lon="0" rev="19800000"/>
+            </a:lightRig>
+          </a:scene3d>
+          <a:sp3d prstMaterial="flat">
+            <a:bevelT w="25400" h="31750"/>
+          </a:sp3d>
+        </a:effectStyle>
+      </a:effectStyleLst>
+      <a:bgFillStyleLst>
+        <a:solidFill>
+          <a:schemeClr val="phClr"/>
+        </a:solidFill>
+        <a:solidFill>
+          <a:schemeClr val="phClr">
+            <a:tint val="90000"/>
+            <a:shade val="97000"/>
+            <a:satMod val="130000"/>
+          </a:schemeClr>
+        </a:solidFill>
+        <a:gradFill rotWithShape="1">
+          <a:gsLst>
+            <a:gs pos="0">
+              <a:schemeClr val="phClr">
+                <a:tint val="96000"/>
+                <a:shade val="99000"/>
+                <a:satMod val="140000"/>
+              </a:schemeClr>
+            </a:gs>
+            <a:gs pos="65000">
+              <a:schemeClr val="phClr">
+                <a:tint val="100000"/>
+                <a:shade val="80000"/>
+                <a:satMod val="130000"/>
+              </a:schemeClr>
+            </a:gs>
+            <a:gs pos="100000">
+              <a:schemeClr val="phClr">
+                <a:tint val="100000"/>
+                <a:shade val="48000"/>
+                <a:satMod val="120000"/>
+              </a:schemeClr>
+            </a:gs>
+          </a:gsLst>
+          <a:lin ang="16200000" scaled="0"/>
+        </a:gradFill>
+      </a:bgFillStyleLst>
+    </a:fmtScheme>
+  </a:themeElements>
+  <a:objectDefaults/>
+  <a:extraClrSchemeLst/>
+  <a:extLst>
+    <a:ext uri="{05A4C25C-085E-4340-85A3-A5531E510DB2}">
+      <thm15:themeFamily xmlns:thm15="http://schemas.microsoft.com/office/thememl/2012/main" name="Retrospect" id="{5F128B03-DCCA-4EEB-AB3B-CF2899314A46}" vid="{9CC26709-368C-4D72-9060-94E5B3FF3CD6}"/>
+    </a:ext>
+  </a:extLst>
+</a:theme>
 </file>
--- a/Slides/Cloud Computing Fundamentals.pptx
+++ b/Slides/Cloud Computing Fundamentals.pptx
@@ -23,18 +23,22 @@
     <p:sldId id="269" r:id="rId17"/>
     <p:sldId id="270" r:id="rId18"/>
     <p:sldId id="271" r:id="rId19"/>
-    <p:sldId id="272" r:id="rId20"/>
-    <p:sldId id="273" r:id="rId21"/>
-    <p:sldId id="274" r:id="rId22"/>
-    <p:sldId id="275" r:id="rId23"/>
-    <p:sldId id="282" r:id="rId24"/>
-    <p:sldId id="277" r:id="rId25"/>
-    <p:sldId id="278" r:id="rId26"/>
-    <p:sldId id="279" r:id="rId27"/>
+    <p:sldId id="273" r:id="rId20"/>
+    <p:sldId id="274" r:id="rId21"/>
+    <p:sldId id="275" r:id="rId22"/>
+    <p:sldId id="282" r:id="rId23"/>
+    <p:sldId id="277" r:id="rId24"/>
+    <p:sldId id="278" r:id="rId25"/>
+    <p:sldId id="279" r:id="rId26"/>
+    <p:sldId id="272" r:id="rId27"/>
     <p:sldId id="280" r:id="rId28"/>
     <p:sldId id="283" r:id="rId29"/>
     <p:sldId id="281" r:id="rId30"/>
     <p:sldId id="276" r:id="rId31"/>
+    <p:sldId id="285" r:id="rId32"/>
+    <p:sldId id="286" r:id="rId33"/>
+    <p:sldId id="287" r:id="rId34"/>
+    <p:sldId id="288" r:id="rId35"/>
   </p:sldIdLst>
   <p:sldSz cx="12192000" cy="6858000"/>
   <p:notesSz cx="6858000" cy="9144000"/>
@@ -290,7 +294,7 @@
           <a:p>
             <a:fld id="{433EF8DA-81C9-48DB-9C1B-70F314538A8A}" type="datetimeFigureOut">
               <a:rPr lang="en-IN" smtClean="0"/>
-              <a:t>18-09-2022</a:t>
+              <a:t>19-09-2022</a:t>
             </a:fld>
             <a:endParaRPr lang="en-IN"/>
           </a:p>
@@ -490,7 +494,7 @@
           <a:p>
             <a:fld id="{433EF8DA-81C9-48DB-9C1B-70F314538A8A}" type="datetimeFigureOut">
               <a:rPr lang="en-IN" smtClean="0"/>
-              <a:t>18-09-2022</a:t>
+              <a:t>19-09-2022</a:t>
             </a:fld>
             <a:endParaRPr lang="en-IN"/>
           </a:p>
@@ -700,7 +704,7 @@
           <a:p>
             <a:fld id="{433EF8DA-81C9-48DB-9C1B-70F314538A8A}" type="datetimeFigureOut">
               <a:rPr lang="en-IN" smtClean="0"/>
-              <a:t>18-09-2022</a:t>
+              <a:t>19-09-2022</a:t>
             </a:fld>
             <a:endParaRPr lang="en-IN"/>
           </a:p>
@@ -999,7 +1003,7 @@
           <a:p>
             <a:fld id="{7D0BE9EC-3994-4E60-BF0C-653179C96710}" type="datetimeFigureOut">
               <a:rPr lang="en-US" smtClean="0"/>
-              <a:t>9/18/2022</a:t>
+              <a:t>9/19/2022</a:t>
             </a:fld>
             <a:endParaRPr lang="en-US"/>
           </a:p>
@@ -1207,7 +1211,7 @@
           <a:p>
             <a:fld id="{7D0BE9EC-3994-4E60-BF0C-653179C96710}" type="datetimeFigureOut">
               <a:rPr lang="en-US" smtClean="0"/>
-              <a:t>9/18/2022</a:t>
+              <a:t>9/19/2022</a:t>
             </a:fld>
             <a:endParaRPr lang="en-US"/>
           </a:p>
@@ -1550,7 +1554,7 @@
           <a:p>
             <a:fld id="{7D0BE9EC-3994-4E60-BF0C-653179C96710}" type="datetimeFigureOut">
               <a:rPr lang="en-US" smtClean="0"/>
-              <a:t>9/18/2022</a:t>
+              <a:t>9/19/2022</a:t>
             </a:fld>
             <a:endParaRPr lang="en-US"/>
           </a:p>
@@ -1825,7 +1829,7 @@
           <a:p>
             <a:fld id="{7D0BE9EC-3994-4E60-BF0C-653179C96710}" type="datetimeFigureOut">
               <a:rPr lang="en-US" smtClean="0"/>
-              <a:t>9/18/2022</a:t>
+              <a:t>9/19/2022</a:t>
             </a:fld>
             <a:endParaRPr lang="en-US"/>
           </a:p>
@@ -2204,7 +2208,7 @@
           <a:p>
             <a:fld id="{7D0BE9EC-3994-4E60-BF0C-653179C96710}" type="datetimeFigureOut">
               <a:rPr lang="en-US" smtClean="0"/>
-              <a:t>9/18/2022</a:t>
+              <a:t>9/19/2022</a:t>
             </a:fld>
             <a:endParaRPr lang="en-US"/>
           </a:p>
@@ -2322,7 +2326,7 @@
           <a:p>
             <a:fld id="{7D0BE9EC-3994-4E60-BF0C-653179C96710}" type="datetimeFigureOut">
               <a:rPr lang="en-US" smtClean="0"/>
-              <a:t>9/18/2022</a:t>
+              <a:t>9/19/2022</a:t>
             </a:fld>
             <a:endParaRPr lang="en-US"/>
           </a:p>
@@ -2493,7 +2497,7 @@
           <a:p>
             <a:fld id="{7D0BE9EC-3994-4E60-BF0C-653179C96710}" type="datetimeFigureOut">
               <a:rPr lang="en-US" smtClean="0"/>
-              <a:t>9/18/2022</a:t>
+              <a:t>9/19/2022</a:t>
             </a:fld>
             <a:endParaRPr lang="en-US"/>
           </a:p>
@@ -2847,7 +2851,7 @@
           <a:p>
             <a:fld id="{7D0BE9EC-3994-4E60-BF0C-653179C96710}" type="datetimeFigureOut">
               <a:rPr lang="en-US" smtClean="0"/>
-              <a:t>9/18/2022</a:t>
+              <a:t>9/19/2022</a:t>
             </a:fld>
             <a:endParaRPr lang="en-US"/>
           </a:p>
@@ -3056,7 +3060,7 @@
           <a:p>
             <a:fld id="{433EF8DA-81C9-48DB-9C1B-70F314538A8A}" type="datetimeFigureOut">
               <a:rPr lang="en-IN" smtClean="0"/>
-              <a:t>18-09-2022</a:t>
+              <a:t>19-09-2022</a:t>
             </a:fld>
             <a:endParaRPr lang="en-IN"/>
           </a:p>
@@ -3424,7 +3428,7 @@
           <a:p>
             <a:fld id="{7D0BE9EC-3994-4E60-BF0C-653179C96710}" type="datetimeFigureOut">
               <a:rPr lang="en-US" smtClean="0"/>
-              <a:t>9/18/2022</a:t>
+              <a:t>9/19/2022</a:t>
             </a:fld>
             <a:endParaRPr lang="en-US"/>
           </a:p>
@@ -3594,7 +3598,7 @@
           <a:p>
             <a:fld id="{7D0BE9EC-3994-4E60-BF0C-653179C96710}" type="datetimeFigureOut">
               <a:rPr lang="en-US" smtClean="0"/>
-              <a:t>9/18/2022</a:t>
+              <a:t>9/19/2022</a:t>
             </a:fld>
             <a:endParaRPr lang="en-US"/>
           </a:p>
@@ -3850,7 +3854,7 @@
           <a:p>
             <a:fld id="{7D0BE9EC-3994-4E60-BF0C-653179C96710}" type="datetimeFigureOut">
               <a:rPr lang="en-US" smtClean="0"/>
-              <a:t>9/18/2022</a:t>
+              <a:t>9/19/2022</a:t>
             </a:fld>
             <a:endParaRPr lang="en-US"/>
           </a:p>
@@ -4114,7 +4118,7 @@
           <a:p>
             <a:fld id="{433EF8DA-81C9-48DB-9C1B-70F314538A8A}" type="datetimeFigureOut">
               <a:rPr lang="en-IN" smtClean="0"/>
-              <a:t>18-09-2022</a:t>
+              <a:t>19-09-2022</a:t>
             </a:fld>
             <a:endParaRPr lang="en-IN"/>
           </a:p>
@@ -4382,7 +4386,7 @@
           <a:p>
             <a:fld id="{433EF8DA-81C9-48DB-9C1B-70F314538A8A}" type="datetimeFigureOut">
               <a:rPr lang="en-IN" smtClean="0"/>
-              <a:t>18-09-2022</a:t>
+              <a:t>19-09-2022</a:t>
             </a:fld>
             <a:endParaRPr lang="en-IN"/>
           </a:p>
@@ -4797,7 +4801,7 @@
           <a:p>
             <a:fld id="{433EF8DA-81C9-48DB-9C1B-70F314538A8A}" type="datetimeFigureOut">
               <a:rPr lang="en-IN" smtClean="0"/>
-              <a:t>18-09-2022</a:t>
+              <a:t>19-09-2022</a:t>
             </a:fld>
             <a:endParaRPr lang="en-IN"/>
           </a:p>
@@ -4939,7 +4943,7 @@
           <a:p>
             <a:fld id="{433EF8DA-81C9-48DB-9C1B-70F314538A8A}" type="datetimeFigureOut">
               <a:rPr lang="en-IN" smtClean="0"/>
-              <a:t>18-09-2022</a:t>
+              <a:t>19-09-2022</a:t>
             </a:fld>
             <a:endParaRPr lang="en-IN"/>
           </a:p>
@@ -5052,7 +5056,7 @@
           <a:p>
             <a:fld id="{433EF8DA-81C9-48DB-9C1B-70F314538A8A}" type="datetimeFigureOut">
               <a:rPr lang="en-IN" smtClean="0"/>
-              <a:t>18-09-2022</a:t>
+              <a:t>19-09-2022</a:t>
             </a:fld>
             <a:endParaRPr lang="en-IN"/>
           </a:p>
@@ -5365,7 +5369,7 @@
           <a:p>
             <a:fld id="{433EF8DA-81C9-48DB-9C1B-70F314538A8A}" type="datetimeFigureOut">
               <a:rPr lang="en-IN" smtClean="0"/>
-              <a:t>18-09-2022</a:t>
+              <a:t>19-09-2022</a:t>
             </a:fld>
             <a:endParaRPr lang="en-IN"/>
           </a:p>
@@ -5654,7 +5658,7 @@
           <a:p>
             <a:fld id="{433EF8DA-81C9-48DB-9C1B-70F314538A8A}" type="datetimeFigureOut">
               <a:rPr lang="en-IN" smtClean="0"/>
-              <a:t>18-09-2022</a:t>
+              <a:t>19-09-2022</a:t>
             </a:fld>
             <a:endParaRPr lang="en-IN"/>
           </a:p>
@@ -5897,7 +5901,7 @@
           <a:p>
             <a:fld id="{433EF8DA-81C9-48DB-9C1B-70F314538A8A}" type="datetimeFigureOut">
               <a:rPr lang="en-IN" smtClean="0"/>
-              <a:t>18-09-2022</a:t>
+              <a:t>19-09-2022</a:t>
             </a:fld>
             <a:endParaRPr lang="en-IN"/>
           </a:p>
@@ -6523,7 +6527,7 @@
           <a:p>
             <a:fld id="{7D0BE9EC-3994-4E60-BF0C-653179C96710}" type="datetimeFigureOut">
               <a:rPr lang="en-US" smtClean="0"/>
-              <a:t>9/18/2022</a:t>
+              <a:t>9/19/2022</a:t>
             </a:fld>
             <a:endParaRPr lang="en-US"/>
           </a:p>
@@ -8319,7 +8323,7 @@
           <p:cNvPr id="2" name="Title 1">
             <a:extLst>
               <a:ext uri="{FF2B5EF4-FFF2-40B4-BE49-F238E27FC236}">
-                <a16:creationId xmlns:a16="http://schemas.microsoft.com/office/drawing/2014/main" id="{46CC65A2-F8AD-4923-BCCF-76136E9382AF}"/>
+                <a16:creationId xmlns:a16="http://schemas.microsoft.com/office/drawing/2014/main" id="{44AB8775-A672-4362-B7C5-DACBE0A4EA00}"/>
               </a:ext>
             </a:extLst>
           </p:cNvPr>
@@ -8330,24 +8334,29 @@
             <p:ph type="title"/>
           </p:nvPr>
         </p:nvSpPr>
-        <p:spPr/>
+        <p:spPr>
+          <a:xfrm>
+            <a:off x="1097280" y="286604"/>
+            <a:ext cx="10058400" cy="1227404"/>
+          </a:xfrm>
+        </p:spPr>
         <p:txBody>
           <a:bodyPr/>
           <a:lstStyle/>
           <a:p>
             <a:r>
               <a:rPr lang="en-US" dirty="0"/>
-              <a:t>Overview of Azure Regions</a:t>
+              <a:t>A lap around of Azure Availability Zones </a:t>
             </a:r>
           </a:p>
         </p:txBody>
       </p:sp>
       <p:sp>
         <p:nvSpPr>
-          <p:cNvPr id="3" name="Content Placeholder 2">
+          <p:cNvPr id="5" name="Content Placeholder 4">
             <a:extLst>
               <a:ext uri="{FF2B5EF4-FFF2-40B4-BE49-F238E27FC236}">
-                <a16:creationId xmlns:a16="http://schemas.microsoft.com/office/drawing/2014/main" id="{1C4958AB-C175-45D1-A131-A284D76A46D0}"/>
+                <a16:creationId xmlns:a16="http://schemas.microsoft.com/office/drawing/2014/main" id="{D07B786A-3891-4B97-9173-EFCC6969FD04}"/>
               </a:ext>
             </a:extLst>
           </p:cNvPr>
@@ -8369,7 +8378,7 @@
             </a:pPr>
             <a:r>
               <a:rPr lang="en-US" dirty="0"/>
-              <a:t> An Azure Storage account consists of all your Azure Storage data objects : blobs, file share, queue, table, disks. </a:t>
+              <a:t> Availability Zones which’re physically separate locations within a region consists of independent power, cooling &amp; networking with 1000 miles apart. </a:t>
             </a:r>
           </a:p>
           <a:p>
@@ -8386,7 +8395,7 @@
             </a:pPr>
             <a:r>
               <a:rPr lang="en-US" dirty="0"/>
-              <a:t> The storage account provides a unique namespace for your Azure Storage data which’s uniquely accessible from anywhere in the world over HTTP / HTTPS. </a:t>
+              <a:t> Availability zones allow to run mission-critical applications with high availability &amp; low latency replication. </a:t>
             </a:r>
           </a:p>
           <a:p>
@@ -8403,7 +8412,7 @@
             </a:pPr>
             <a:r>
               <a:rPr lang="en-US" dirty="0"/>
-              <a:t> Data stored in Storage account is highly durable , secure, available &amp; massively scalable. </a:t>
+              <a:t> Geographically distributed datacenters enables MSFT to be close to customers, to reduce network latency &amp; allow for geo-redundant backup &amp; failover. </a:t>
             </a:r>
           </a:p>
         </p:txBody>
@@ -8411,7 +8420,7 @@
     </p:spTree>
     <p:extLst>
       <p:ext uri="{BB962C8B-B14F-4D97-AF65-F5344CB8AC3E}">
-        <p14:creationId xmlns:p14="http://schemas.microsoft.com/office/powerpoint/2010/main" val="4125190208"/>
+        <p14:creationId xmlns:p14="http://schemas.microsoft.com/office/powerpoint/2010/main" val="539256410"/>
       </p:ext>
     </p:extLst>
   </p:cSld>
@@ -8443,7 +8452,7 @@
           <p:cNvPr id="2" name="Title 1">
             <a:extLst>
               <a:ext uri="{FF2B5EF4-FFF2-40B4-BE49-F238E27FC236}">
-                <a16:creationId xmlns:a16="http://schemas.microsoft.com/office/drawing/2014/main" id="{44AB8775-A672-4362-B7C5-DACBE0A4EA00}"/>
+                <a16:creationId xmlns:a16="http://schemas.microsoft.com/office/drawing/2014/main" id="{8CF9CEAE-FD1E-4FAE-8269-EA95CC1733E9}"/>
               </a:ext>
             </a:extLst>
           </p:cNvPr>
@@ -8456,27 +8465,59 @@
         </p:nvSpPr>
         <p:spPr>
           <a:xfrm>
-            <a:off x="1097280" y="286604"/>
-            <a:ext cx="10058400" cy="1227404"/>
+            <a:off x="2306473" y="340286"/>
+            <a:ext cx="9556840" cy="1450757"/>
           </a:xfrm>
         </p:spPr>
         <p:txBody>
-          <a:bodyPr/>
+          <a:bodyPr>
+            <a:normAutofit/>
+          </a:bodyPr>
           <a:lstStyle/>
           <a:p>
             <a:r>
-              <a:rPr lang="en-US" dirty="0"/>
-              <a:t>A lap around of Azure Availability Zones </a:t>
+              <a:rPr lang="en-US" sz="4000" dirty="0"/>
+              <a:t>Overview of Azure Resource Manager</a:t>
             </a:r>
           </a:p>
         </p:txBody>
       </p:sp>
-      <p:sp>
-        <p:nvSpPr>
-          <p:cNvPr id="5" name="Content Placeholder 4">
+      <p:pic>
+        <p:nvPicPr>
+          <p:cNvPr id="5" name="Picture 4" descr="Diagram&#10;&#10;Description automatically generated">
             <a:extLst>
               <a:ext uri="{FF2B5EF4-FFF2-40B4-BE49-F238E27FC236}">
-                <a16:creationId xmlns:a16="http://schemas.microsoft.com/office/drawing/2014/main" id="{D07B786A-3891-4B97-9173-EFCC6969FD04}"/>
+                <a16:creationId xmlns:a16="http://schemas.microsoft.com/office/drawing/2014/main" id="{92FB356F-9D77-4B04-BCF1-107F07923D10}"/>
+              </a:ext>
+            </a:extLst>
+          </p:cNvPr>
+          <p:cNvPicPr>
+            <a:picLocks noChangeAspect="1"/>
+          </p:cNvPicPr>
+          <p:nvPr/>
+        </p:nvPicPr>
+        <p:blipFill>
+          <a:blip r:embed="rId2"/>
+          <a:stretch>
+            <a:fillRect/>
+          </a:stretch>
+        </p:blipFill>
+        <p:spPr>
+          <a:xfrm>
+            <a:off x="643192" y="1831113"/>
+            <a:ext cx="5451627" cy="2875733"/>
+          </a:xfrm>
+          <a:prstGeom prst="rect">
+            <a:avLst/>
+          </a:prstGeom>
+        </p:spPr>
+      </p:pic>
+      <p:sp>
+        <p:nvSpPr>
+          <p:cNvPr id="3" name="Content Placeholder 2">
+            <a:extLst>
+              <a:ext uri="{FF2B5EF4-FFF2-40B4-BE49-F238E27FC236}">
+                <a16:creationId xmlns:a16="http://schemas.microsoft.com/office/drawing/2014/main" id="{11D2802F-D26A-4C84-995E-44F47EAED394}"/>
               </a:ext>
             </a:extLst>
           </p:cNvPr>
@@ -8487,9 +8528,16 @@
             <p:ph idx="1"/>
           </p:nvPr>
         </p:nvSpPr>
-        <p:spPr/>
+        <p:spPr>
+          <a:xfrm>
+            <a:off x="6411684" y="2198914"/>
+            <a:ext cx="5127172" cy="3670180"/>
+          </a:xfrm>
+        </p:spPr>
         <p:txBody>
-          <a:bodyPr/>
+          <a:bodyPr>
+            <a:normAutofit/>
+          </a:bodyPr>
           <a:lstStyle/>
           <a:p>
             <a:pPr>
@@ -8498,7 +8546,7 @@
             </a:pPr>
             <a:r>
               <a:rPr lang="en-US" dirty="0"/>
-              <a:t> Availability Zones which’re physically separate locations within a region consists of independent power, cooling &amp; networking with 1000 miles apart. </a:t>
+              <a:t> Azure Resource Manager is the deployment &amp; management service for Azure which provides a management layer that enables you to create, update &amp; delete resources in your Azure account. </a:t>
             </a:r>
           </a:p>
           <a:p>
@@ -8515,7 +8563,7 @@
             </a:pPr>
             <a:r>
               <a:rPr lang="en-US" dirty="0"/>
-              <a:t> Availability zones allow to run mission-critical applications with high availability &amp; low latency replication. </a:t>
+              <a:t> The management features like access control, locks &amp; tags can be used to secure &amp; organize the resources after deployment. </a:t>
             </a:r>
           </a:p>
           <a:p>
@@ -8530,17 +8578,14 @@
               <a:buFont typeface="Arial" panose="020B0604020202020204" pitchFamily="34" charset="0"/>
               <a:buChar char="•"/>
             </a:pPr>
-            <a:r>
-              <a:rPr lang="en-US" dirty="0"/>
-              <a:t> Geographically distributed datacenters enables MSFT to be close to customers, to reduce network latency &amp; allow for geo-redundant backup &amp; failover. </a:t>
-            </a:r>
+            <a:endParaRPr lang="en-US" dirty="0"/>
           </a:p>
         </p:txBody>
       </p:sp>
     </p:spTree>
     <p:extLst>
       <p:ext uri="{BB962C8B-B14F-4D97-AF65-F5344CB8AC3E}">
-        <p14:creationId xmlns:p14="http://schemas.microsoft.com/office/powerpoint/2010/main" val="539256410"/>
+        <p14:creationId xmlns:p14="http://schemas.microsoft.com/office/powerpoint/2010/main" val="3429533792"/>
       </p:ext>
     </p:extLst>
   </p:cSld>
@@ -9451,7 +9496,7 @@
           <p:cNvPr id="2" name="Title 1">
             <a:extLst>
               <a:ext uri="{FF2B5EF4-FFF2-40B4-BE49-F238E27FC236}">
-                <a16:creationId xmlns:a16="http://schemas.microsoft.com/office/drawing/2014/main" id="{8CF9CEAE-FD1E-4FAE-8269-EA95CC1733E9}"/>
+                <a16:creationId xmlns:a16="http://schemas.microsoft.com/office/drawing/2014/main" id="{46CC65A2-F8AD-4923-BCCF-76136E9382AF}"/>
               </a:ext>
             </a:extLst>
           </p:cNvPr>
@@ -9462,61 +9507,24 @@
             <p:ph type="title"/>
           </p:nvPr>
         </p:nvSpPr>
-        <p:spPr>
-          <a:xfrm>
-            <a:off x="2306473" y="340286"/>
-            <a:ext cx="9556840" cy="1450757"/>
-          </a:xfrm>
-        </p:spPr>
+        <p:spPr/>
         <p:txBody>
-          <a:bodyPr>
-            <a:normAutofit/>
-          </a:bodyPr>
+          <a:bodyPr/>
           <a:lstStyle/>
           <a:p>
             <a:r>
-              <a:rPr lang="en-US" sz="4000" dirty="0"/>
-              <a:t>Overview of Azure Resource Manager</a:t>
+              <a:rPr lang="en-US" dirty="0"/>
+              <a:t>The benefits of Azure Resource Manager</a:t>
             </a:r>
           </a:p>
         </p:txBody>
       </p:sp>
-      <p:pic>
-        <p:nvPicPr>
-          <p:cNvPr id="5" name="Picture 4" descr="Diagram&#10;&#10;Description automatically generated">
-            <a:extLst>
-              <a:ext uri="{FF2B5EF4-FFF2-40B4-BE49-F238E27FC236}">
-                <a16:creationId xmlns:a16="http://schemas.microsoft.com/office/drawing/2014/main" id="{92FB356F-9D77-4B04-BCF1-107F07923D10}"/>
-              </a:ext>
-            </a:extLst>
-          </p:cNvPr>
-          <p:cNvPicPr>
-            <a:picLocks noChangeAspect="1"/>
-          </p:cNvPicPr>
-          <p:nvPr/>
-        </p:nvPicPr>
-        <p:blipFill>
-          <a:blip r:embed="rId2"/>
-          <a:stretch>
-            <a:fillRect/>
-          </a:stretch>
-        </p:blipFill>
-        <p:spPr>
-          <a:xfrm>
-            <a:off x="643192" y="1831113"/>
-            <a:ext cx="5451627" cy="2875733"/>
-          </a:xfrm>
-          <a:prstGeom prst="rect">
-            <a:avLst/>
-          </a:prstGeom>
-        </p:spPr>
-      </p:pic>
       <p:sp>
         <p:nvSpPr>
           <p:cNvPr id="3" name="Content Placeholder 2">
             <a:extLst>
               <a:ext uri="{FF2B5EF4-FFF2-40B4-BE49-F238E27FC236}">
-                <a16:creationId xmlns:a16="http://schemas.microsoft.com/office/drawing/2014/main" id="{11D2802F-D26A-4C84-995E-44F47EAED394}"/>
+                <a16:creationId xmlns:a16="http://schemas.microsoft.com/office/drawing/2014/main" id="{1C4958AB-C175-45D1-A131-A284D76A46D0}"/>
               </a:ext>
             </a:extLst>
           </p:cNvPr>
@@ -9527,64 +9535,135 @@
             <p:ph idx="1"/>
           </p:nvPr>
         </p:nvSpPr>
-        <p:spPr>
-          <a:xfrm>
-            <a:off x="6411684" y="2198914"/>
-            <a:ext cx="5127172" cy="3670180"/>
-          </a:xfrm>
-        </p:spPr>
+        <p:spPr/>
         <p:txBody>
           <a:bodyPr>
-            <a:normAutofit/>
+            <a:normAutofit fontScale="92500" lnSpcReduction="10000"/>
           </a:bodyPr>
           <a:lstStyle/>
+          <a:p>
+            <a:pPr algn="l">
+              <a:buFont typeface="Arial" panose="020B0604020202020204" pitchFamily="34" charset="0"/>
+              <a:buChar char="•"/>
+            </a:pPr>
+            <a:r>
+              <a:rPr lang="en-US" sz="1900" dirty="0"/>
+              <a:t> </a:t>
+            </a:r>
+            <a:r>
+              <a:rPr lang="en-US" sz="1900" b="0" i="0" dirty="0">
+                <a:solidFill>
+                  <a:srgbClr val="171717"/>
+                </a:solidFill>
+                <a:effectLst/>
+                <a:latin typeface="Segoe UI" panose="020B0502040204020203" pitchFamily="34" charset="0"/>
+              </a:rPr>
+              <a:t>Manage your infrastructure through declarative templates rather than scripts.</a:t>
+            </a:r>
+          </a:p>
           <a:p>
             <a:pPr>
               <a:buFont typeface="Arial" panose="020B0604020202020204" pitchFamily="34" charset="0"/>
               <a:buChar char="•"/>
             </a:pPr>
-            <a:r>
-              <a:rPr lang="en-US" dirty="0"/>
-              <a:t> Azure Resource Manager is the deployment &amp; management service for Azure which provides a management layer that enables you to create, update &amp; delete resources in your Azure account. </a:t>
-            </a:r>
+            <a:endParaRPr lang="en-US" sz="1900" dirty="0"/>
+          </a:p>
+          <a:p>
+            <a:pPr>
+              <a:lnSpc>
+                <a:spcPct val="100000"/>
+              </a:lnSpc>
+              <a:buFont typeface="Arial" panose="020B0604020202020204" pitchFamily="34" charset="0"/>
+              <a:buChar char="•"/>
+            </a:pPr>
+            <a:r>
+              <a:rPr lang="en-US" sz="1900" dirty="0">
+                <a:solidFill>
+                  <a:srgbClr val="171717"/>
+                </a:solidFill>
+                <a:latin typeface="Segoe UI" panose="020B0502040204020203" pitchFamily="34" charset="0"/>
+              </a:rPr>
+              <a:t>Deploy, manage, and monitor all the resources for your solution as a group, rather than handling these resources individually.</a:t>
+            </a:r>
+          </a:p>
+          <a:p>
+            <a:pPr>
+              <a:lnSpc>
+                <a:spcPct val="100000"/>
+              </a:lnSpc>
+              <a:buFont typeface="Arial" panose="020B0604020202020204" pitchFamily="34" charset="0"/>
+              <a:buChar char="•"/>
+            </a:pPr>
+            <a:endParaRPr lang="en-US" sz="1900" dirty="0">
+              <a:solidFill>
+                <a:srgbClr val="171717"/>
+              </a:solidFill>
+              <a:latin typeface="Segoe UI" panose="020B0502040204020203" pitchFamily="34" charset="0"/>
+            </a:endParaRPr>
           </a:p>
           <a:p>
             <a:pPr>
               <a:buFont typeface="Arial" panose="020B0604020202020204" pitchFamily="34" charset="0"/>
               <a:buChar char="•"/>
             </a:pPr>
-            <a:endParaRPr lang="en-US" dirty="0"/>
-          </a:p>
-          <a:p>
-            <a:pPr>
+            <a:r>
+              <a:rPr lang="en-US" sz="1900" dirty="0">
+                <a:solidFill>
+                  <a:srgbClr val="171717"/>
+                </a:solidFill>
+                <a:latin typeface="Segoe UI" panose="020B0502040204020203" pitchFamily="34" charset="0"/>
+              </a:rPr>
+              <a:t>Define the dependencies between resources so they're deployed in the correct order.</a:t>
+            </a:r>
+          </a:p>
+          <a:p>
+            <a:pPr algn="l">
               <a:buFont typeface="Arial" panose="020B0604020202020204" pitchFamily="34" charset="0"/>
               <a:buChar char="•"/>
             </a:pPr>
-            <a:r>
-              <a:rPr lang="en-US" dirty="0"/>
-              <a:t> The management features like access control, locks &amp; tags can be used to secure &amp; organize the resources after deployment. </a:t>
-            </a:r>
-          </a:p>
-          <a:p>
-            <a:pPr>
+            <a:endParaRPr lang="en-US" sz="1900" dirty="0">
+              <a:solidFill>
+                <a:srgbClr val="171717"/>
+              </a:solidFill>
+              <a:latin typeface="Segoe UI" panose="020B0502040204020203" pitchFamily="34" charset="0"/>
+            </a:endParaRPr>
+          </a:p>
+          <a:p>
+            <a:pPr algn="l">
               <a:buFont typeface="Arial" panose="020B0604020202020204" pitchFamily="34" charset="0"/>
               <a:buChar char="•"/>
             </a:pPr>
-            <a:endParaRPr lang="en-US" dirty="0"/>
-          </a:p>
-          <a:p>
-            <a:pPr>
-              <a:buFont typeface="Arial" panose="020B0604020202020204" pitchFamily="34" charset="0"/>
-              <a:buChar char="•"/>
+            <a:r>
+              <a:rPr lang="en-US" sz="1900" dirty="0">
+                <a:solidFill>
+                  <a:srgbClr val="171717"/>
+                </a:solidFill>
+                <a:latin typeface="Segoe UI" panose="020B0502040204020203" pitchFamily="34" charset="0"/>
+              </a:rPr>
+              <a:t>Apply access control to all services because Azure role-based access control (Azure RBAC) is natively integrated into the management platform.</a:t>
+            </a:r>
+          </a:p>
+          <a:p>
+            <a:pPr marL="0" indent="0">
+              <a:buNone/>
             </a:pPr>
-            <a:endParaRPr lang="en-US" dirty="0"/>
+            <a:br>
+              <a:rPr lang="en-US" dirty="0"/>
+            </a:br>
+            <a:endParaRPr lang="en-US" b="0" i="0" dirty="0">
+              <a:solidFill>
+                <a:srgbClr val="171717"/>
+              </a:solidFill>
+              <a:effectLst/>
+              <a:latin typeface="Segoe UI" panose="020B0502040204020203" pitchFamily="34" charset="0"/>
+            </a:endParaRPr>
           </a:p>
         </p:txBody>
       </p:sp>
     </p:spTree>
     <p:extLst>
       <p:ext uri="{BB962C8B-B14F-4D97-AF65-F5344CB8AC3E}">
-        <p14:creationId xmlns:p14="http://schemas.microsoft.com/office/powerpoint/2010/main" val="3429533792"/>
+        <p14:creationId xmlns:p14="http://schemas.microsoft.com/office/powerpoint/2010/main" val="296471549"/>
       </p:ext>
     </p:extLst>
   </p:cSld>
@@ -9634,7 +9713,7 @@
           <a:p>
             <a:r>
               <a:rPr lang="en-US" dirty="0"/>
-              <a:t>The benefits of Azure Resource Manager</a:t>
+              <a:t>Azure Resource Group Overview</a:t>
             </a:r>
           </a:p>
         </p:txBody>
@@ -9657,205 +9736,6 @@
         </p:nvSpPr>
         <p:spPr/>
         <p:txBody>
-          <a:bodyPr>
-            <a:normAutofit fontScale="92500" lnSpcReduction="10000"/>
-          </a:bodyPr>
-          <a:lstStyle/>
-          <a:p>
-            <a:pPr algn="l">
-              <a:buFont typeface="Arial" panose="020B0604020202020204" pitchFamily="34" charset="0"/>
-              <a:buChar char="•"/>
-            </a:pPr>
-            <a:r>
-              <a:rPr lang="en-US" sz="1900" dirty="0"/>
-              <a:t> </a:t>
-            </a:r>
-            <a:r>
-              <a:rPr lang="en-US" sz="1900" b="0" i="0" dirty="0">
-                <a:solidFill>
-                  <a:srgbClr val="171717"/>
-                </a:solidFill>
-                <a:effectLst/>
-                <a:latin typeface="Segoe UI" panose="020B0502040204020203" pitchFamily="34" charset="0"/>
-              </a:rPr>
-              <a:t>Manage your infrastructure through declarative templates rather than scripts.</a:t>
-            </a:r>
-          </a:p>
-          <a:p>
-            <a:pPr>
-              <a:buFont typeface="Arial" panose="020B0604020202020204" pitchFamily="34" charset="0"/>
-              <a:buChar char="•"/>
-            </a:pPr>
-            <a:endParaRPr lang="en-US" sz="1900" dirty="0"/>
-          </a:p>
-          <a:p>
-            <a:pPr>
-              <a:lnSpc>
-                <a:spcPct val="100000"/>
-              </a:lnSpc>
-              <a:buFont typeface="Arial" panose="020B0604020202020204" pitchFamily="34" charset="0"/>
-              <a:buChar char="•"/>
-            </a:pPr>
-            <a:r>
-              <a:rPr lang="en-US" sz="1900" dirty="0">
-                <a:solidFill>
-                  <a:srgbClr val="171717"/>
-                </a:solidFill>
-                <a:latin typeface="Segoe UI" panose="020B0502040204020203" pitchFamily="34" charset="0"/>
-              </a:rPr>
-              <a:t>Deploy, manage, and monitor all the resources for your solution as a group, rather than handling these resources individually.</a:t>
-            </a:r>
-          </a:p>
-          <a:p>
-            <a:pPr>
-              <a:lnSpc>
-                <a:spcPct val="100000"/>
-              </a:lnSpc>
-              <a:buFont typeface="Arial" panose="020B0604020202020204" pitchFamily="34" charset="0"/>
-              <a:buChar char="•"/>
-            </a:pPr>
-            <a:endParaRPr lang="en-US" sz="1900" dirty="0">
-              <a:solidFill>
-                <a:srgbClr val="171717"/>
-              </a:solidFill>
-              <a:latin typeface="Segoe UI" panose="020B0502040204020203" pitchFamily="34" charset="0"/>
-            </a:endParaRPr>
-          </a:p>
-          <a:p>
-            <a:pPr>
-              <a:buFont typeface="Arial" panose="020B0604020202020204" pitchFamily="34" charset="0"/>
-              <a:buChar char="•"/>
-            </a:pPr>
-            <a:r>
-              <a:rPr lang="en-US" sz="1900" dirty="0">
-                <a:solidFill>
-                  <a:srgbClr val="171717"/>
-                </a:solidFill>
-                <a:latin typeface="Segoe UI" panose="020B0502040204020203" pitchFamily="34" charset="0"/>
-              </a:rPr>
-              <a:t>Define the dependencies between resources so they're deployed in the correct order.</a:t>
-            </a:r>
-          </a:p>
-          <a:p>
-            <a:pPr algn="l">
-              <a:buFont typeface="Arial" panose="020B0604020202020204" pitchFamily="34" charset="0"/>
-              <a:buChar char="•"/>
-            </a:pPr>
-            <a:endParaRPr lang="en-US" sz="1900" dirty="0">
-              <a:solidFill>
-                <a:srgbClr val="171717"/>
-              </a:solidFill>
-              <a:latin typeface="Segoe UI" panose="020B0502040204020203" pitchFamily="34" charset="0"/>
-            </a:endParaRPr>
-          </a:p>
-          <a:p>
-            <a:pPr algn="l">
-              <a:buFont typeface="Arial" panose="020B0604020202020204" pitchFamily="34" charset="0"/>
-              <a:buChar char="•"/>
-            </a:pPr>
-            <a:r>
-              <a:rPr lang="en-US" sz="1900" dirty="0">
-                <a:solidFill>
-                  <a:srgbClr val="171717"/>
-                </a:solidFill>
-                <a:latin typeface="Segoe UI" panose="020B0502040204020203" pitchFamily="34" charset="0"/>
-              </a:rPr>
-              <a:t>Apply access control to all services because Azure role-based access control (Azure RBAC) is natively integrated into the management platform.</a:t>
-            </a:r>
-          </a:p>
-          <a:p>
-            <a:pPr marL="0" indent="0">
-              <a:buNone/>
-            </a:pPr>
-            <a:br>
-              <a:rPr lang="en-US" dirty="0"/>
-            </a:br>
-            <a:endParaRPr lang="en-US" b="0" i="0" dirty="0">
-              <a:solidFill>
-                <a:srgbClr val="171717"/>
-              </a:solidFill>
-              <a:effectLst/>
-              <a:latin typeface="Segoe UI" panose="020B0502040204020203" pitchFamily="34" charset="0"/>
-            </a:endParaRPr>
-          </a:p>
-        </p:txBody>
-      </p:sp>
-    </p:spTree>
-    <p:extLst>
-      <p:ext uri="{BB962C8B-B14F-4D97-AF65-F5344CB8AC3E}">
-        <p14:creationId xmlns:p14="http://schemas.microsoft.com/office/powerpoint/2010/main" val="296471549"/>
-      </p:ext>
-    </p:extLst>
-  </p:cSld>
-  <p:clrMapOvr>
-    <a:masterClrMapping/>
-  </p:clrMapOvr>
-</p:sld>
-</file>
-
-<file path=ppt/slides/slide22.xml><?xml version="1.0" encoding="utf-8"?>
-<p:sld xmlns:a="http://schemas.openxmlformats.org/drawingml/2006/main" xmlns:r="http://schemas.openxmlformats.org/officeDocument/2006/relationships" xmlns:p="http://schemas.openxmlformats.org/presentationml/2006/main">
-  <p:cSld>
-    <p:spTree>
-      <p:nvGrpSpPr>
-        <p:cNvPr id="1" name=""/>
-        <p:cNvGrpSpPr/>
-        <p:nvPr/>
-      </p:nvGrpSpPr>
-      <p:grpSpPr>
-        <a:xfrm>
-          <a:off x="0" y="0"/>
-          <a:ext cx="0" cy="0"/>
-          <a:chOff x="0" y="0"/>
-          <a:chExt cx="0" cy="0"/>
-        </a:xfrm>
-      </p:grpSpPr>
-      <p:sp>
-        <p:nvSpPr>
-          <p:cNvPr id="2" name="Title 1">
-            <a:extLst>
-              <a:ext uri="{FF2B5EF4-FFF2-40B4-BE49-F238E27FC236}">
-                <a16:creationId xmlns:a16="http://schemas.microsoft.com/office/drawing/2014/main" id="{46CC65A2-F8AD-4923-BCCF-76136E9382AF}"/>
-              </a:ext>
-            </a:extLst>
-          </p:cNvPr>
-          <p:cNvSpPr>
-            <a:spLocks noGrp="1"/>
-          </p:cNvSpPr>
-          <p:nvPr>
-            <p:ph type="title"/>
-          </p:nvPr>
-        </p:nvSpPr>
-        <p:spPr/>
-        <p:txBody>
-          <a:bodyPr/>
-          <a:lstStyle/>
-          <a:p>
-            <a:r>
-              <a:rPr lang="en-US" dirty="0"/>
-              <a:t>Azure Resource Group Overview</a:t>
-            </a:r>
-          </a:p>
-        </p:txBody>
-      </p:sp>
-      <p:sp>
-        <p:nvSpPr>
-          <p:cNvPr id="3" name="Content Placeholder 2">
-            <a:extLst>
-              <a:ext uri="{FF2B5EF4-FFF2-40B4-BE49-F238E27FC236}">
-                <a16:creationId xmlns:a16="http://schemas.microsoft.com/office/drawing/2014/main" id="{1C4958AB-C175-45D1-A131-A284D76A46D0}"/>
-              </a:ext>
-            </a:extLst>
-          </p:cNvPr>
-          <p:cNvSpPr>
-            <a:spLocks noGrp="1"/>
-          </p:cNvSpPr>
-          <p:nvPr>
-            <p:ph idx="1"/>
-          </p:nvPr>
-        </p:nvSpPr>
-        <p:spPr/>
-        <p:txBody>
           <a:bodyPr/>
           <a:lstStyle/>
           <a:p>
@@ -9917,7 +9797,7 @@
 </p:sld>
 </file>
 
-<file path=ppt/slides/slide23.xml><?xml version="1.0" encoding="utf-8"?>
+<file path=ppt/slides/slide22.xml><?xml version="1.0" encoding="utf-8"?>
 <p:sld xmlns:a="http://schemas.openxmlformats.org/drawingml/2006/main" xmlns:r="http://schemas.openxmlformats.org/officeDocument/2006/relationships" xmlns:p="http://schemas.openxmlformats.org/presentationml/2006/main">
   <p:cSld>
     <p:spTree>
@@ -10081,6 +9961,170 @@
 </p:sld>
 </file>
 
+<file path=ppt/slides/slide23.xml><?xml version="1.0" encoding="utf-8"?>
+<p:sld xmlns:a="http://schemas.openxmlformats.org/drawingml/2006/main" xmlns:r="http://schemas.openxmlformats.org/officeDocument/2006/relationships" xmlns:p="http://schemas.openxmlformats.org/presentationml/2006/main">
+  <p:cSld>
+    <p:spTree>
+      <p:nvGrpSpPr>
+        <p:cNvPr id="1" name=""/>
+        <p:cNvGrpSpPr/>
+        <p:nvPr/>
+      </p:nvGrpSpPr>
+      <p:grpSpPr>
+        <a:xfrm>
+          <a:off x="0" y="0"/>
+          <a:ext cx="0" cy="0"/>
+          <a:chOff x="0" y="0"/>
+          <a:chExt cx="0" cy="0"/>
+        </a:xfrm>
+      </p:grpSpPr>
+      <p:sp>
+        <p:nvSpPr>
+          <p:cNvPr id="2" name="Title 1">
+            <a:extLst>
+              <a:ext uri="{FF2B5EF4-FFF2-40B4-BE49-F238E27FC236}">
+                <a16:creationId xmlns:a16="http://schemas.microsoft.com/office/drawing/2014/main" id="{44AB8775-A672-4362-B7C5-DACBE0A4EA00}"/>
+              </a:ext>
+            </a:extLst>
+          </p:cNvPr>
+          <p:cNvSpPr>
+            <a:spLocks noGrp="1"/>
+          </p:cNvSpPr>
+          <p:nvPr>
+            <p:ph type="title"/>
+          </p:nvPr>
+        </p:nvSpPr>
+        <p:spPr>
+          <a:xfrm>
+            <a:off x="1097280" y="286604"/>
+            <a:ext cx="10058400" cy="1227404"/>
+          </a:xfrm>
+        </p:spPr>
+        <p:txBody>
+          <a:bodyPr/>
+          <a:lstStyle/>
+          <a:p>
+            <a:r>
+              <a:rPr lang="en-US" dirty="0"/>
+              <a:t>Azure Resource Group Features</a:t>
+            </a:r>
+          </a:p>
+        </p:txBody>
+      </p:sp>
+      <p:sp>
+        <p:nvSpPr>
+          <p:cNvPr id="5" name="Content Placeholder 4">
+            <a:extLst>
+              <a:ext uri="{FF2B5EF4-FFF2-40B4-BE49-F238E27FC236}">
+                <a16:creationId xmlns:a16="http://schemas.microsoft.com/office/drawing/2014/main" id="{F0E4D4AE-10B9-4084-9EDE-EBFED20FB30B}"/>
+              </a:ext>
+            </a:extLst>
+          </p:cNvPr>
+          <p:cNvSpPr>
+            <a:spLocks noGrp="1"/>
+          </p:cNvSpPr>
+          <p:nvPr>
+            <p:ph idx="1"/>
+          </p:nvPr>
+        </p:nvSpPr>
+        <p:spPr/>
+        <p:txBody>
+          <a:bodyPr>
+            <a:normAutofit lnSpcReduction="10000"/>
+          </a:bodyPr>
+          <a:lstStyle/>
+          <a:p>
+            <a:pPr>
+              <a:buFont typeface="Arial" panose="020B0604020202020204" pitchFamily="34" charset="0"/>
+              <a:buChar char="•"/>
+            </a:pPr>
+            <a:r>
+              <a:rPr lang="en-US" dirty="0"/>
+              <a:t> Resources in your resource group should share the same lifecycle through which you can deploy, update &amp; delete them together. </a:t>
+            </a:r>
+          </a:p>
+          <a:p>
+            <a:pPr>
+              <a:buFont typeface="Arial" panose="020B0604020202020204" pitchFamily="34" charset="0"/>
+              <a:buChar char="•"/>
+            </a:pPr>
+            <a:endParaRPr lang="en-US" dirty="0"/>
+          </a:p>
+          <a:p>
+            <a:pPr>
+              <a:buFont typeface="Arial" panose="020B0604020202020204" pitchFamily="34" charset="0"/>
+              <a:buChar char="•"/>
+            </a:pPr>
+            <a:r>
+              <a:rPr lang="en-US" dirty="0"/>
+              <a:t> Each resource can exist in only one resource group in a designated location. </a:t>
+            </a:r>
+          </a:p>
+          <a:p>
+            <a:pPr>
+              <a:buFont typeface="Arial" panose="020B0604020202020204" pitchFamily="34" charset="0"/>
+              <a:buChar char="•"/>
+            </a:pPr>
+            <a:endParaRPr lang="en-US" dirty="0"/>
+          </a:p>
+          <a:p>
+            <a:pPr>
+              <a:buFont typeface="Arial" panose="020B0604020202020204" pitchFamily="34" charset="0"/>
+              <a:buChar char="•"/>
+            </a:pPr>
+            <a:r>
+              <a:rPr lang="en-US" dirty="0"/>
+              <a:t> You can add / remove a resource to a resource group at any time. </a:t>
+            </a:r>
+          </a:p>
+          <a:p>
+            <a:pPr>
+              <a:buFont typeface="Arial" panose="020B0604020202020204" pitchFamily="34" charset="0"/>
+              <a:buChar char="•"/>
+            </a:pPr>
+            <a:endParaRPr lang="en-US" dirty="0"/>
+          </a:p>
+          <a:p>
+            <a:pPr>
+              <a:buFont typeface="Arial" panose="020B0604020202020204" pitchFamily="34" charset="0"/>
+              <a:buChar char="•"/>
+            </a:pPr>
+            <a:r>
+              <a:rPr lang="en-US" dirty="0"/>
+              <a:t> You can move a resource from one resource group to another group. </a:t>
+            </a:r>
+          </a:p>
+          <a:p>
+            <a:pPr marL="0" indent="0">
+              <a:buNone/>
+            </a:pPr>
+            <a:endParaRPr lang="en-US" dirty="0"/>
+          </a:p>
+          <a:p>
+            <a:pPr>
+              <a:buFont typeface="Arial" panose="020B0604020202020204" pitchFamily="34" charset="0"/>
+              <a:buChar char="•"/>
+            </a:pPr>
+            <a:r>
+              <a:rPr lang="en-US" dirty="0"/>
+              <a:t> The resources in a resource group can be located in different regions than the resource group.   </a:t>
+            </a:r>
+          </a:p>
+        </p:txBody>
+      </p:sp>
+    </p:spTree>
+    <p:extLst>
+      <p:ext uri="{BB962C8B-B14F-4D97-AF65-F5344CB8AC3E}">
+        <p14:creationId xmlns:p14="http://schemas.microsoft.com/office/powerpoint/2010/main" val="3615120124"/>
+      </p:ext>
+    </p:extLst>
+  </p:cSld>
+  <p:clrMapOvr>
+    <a:masterClrMapping/>
+  </p:clrMapOvr>
+</p:sld>
+</file>
+
 <file path=ppt/slides/slide24.xml><?xml version="1.0" encoding="utf-8"?>
 <p:sld xmlns:a="http://schemas.openxmlformats.org/drawingml/2006/main" xmlns:r="http://schemas.openxmlformats.org/officeDocument/2006/relationships" xmlns:p="http://schemas.openxmlformats.org/presentationml/2006/main">
   <p:cSld>
@@ -10103,7 +10147,7 @@
           <p:cNvPr id="2" name="Title 1">
             <a:extLst>
               <a:ext uri="{FF2B5EF4-FFF2-40B4-BE49-F238E27FC236}">
-                <a16:creationId xmlns:a16="http://schemas.microsoft.com/office/drawing/2014/main" id="{44AB8775-A672-4362-B7C5-DACBE0A4EA00}"/>
+                <a16:creationId xmlns:a16="http://schemas.microsoft.com/office/drawing/2014/main" id="{8CF9CEAE-FD1E-4FAE-8269-EA95CC1733E9}"/>
               </a:ext>
             </a:extLst>
           </p:cNvPr>
@@ -10114,29 +10158,26 @@
             <p:ph type="title"/>
           </p:nvPr>
         </p:nvSpPr>
-        <p:spPr>
-          <a:xfrm>
-            <a:off x="1097280" y="286604"/>
-            <a:ext cx="10058400" cy="1227404"/>
-          </a:xfrm>
-        </p:spPr>
+        <p:spPr/>
         <p:txBody>
-          <a:bodyPr/>
+          <a:bodyPr>
+            <a:normAutofit/>
+          </a:bodyPr>
           <a:lstStyle/>
           <a:p>
             <a:r>
               <a:rPr lang="en-US" dirty="0"/>
-              <a:t>Azure Resource Group Features</a:t>
+              <a:t>Azure Resource Providers &amp; types</a:t>
             </a:r>
           </a:p>
         </p:txBody>
       </p:sp>
       <p:sp>
         <p:nvSpPr>
-          <p:cNvPr id="5" name="Content Placeholder 4">
+          <p:cNvPr id="3" name="Content Placeholder 2">
             <a:extLst>
               <a:ext uri="{FF2B5EF4-FFF2-40B4-BE49-F238E27FC236}">
-                <a16:creationId xmlns:a16="http://schemas.microsoft.com/office/drawing/2014/main" id="{F0E4D4AE-10B9-4084-9EDE-EBFED20FB30B}"/>
+                <a16:creationId xmlns:a16="http://schemas.microsoft.com/office/drawing/2014/main" id="{11D2802F-D26A-4C84-995E-44F47EAED394}"/>
               </a:ext>
             </a:extLst>
           </p:cNvPr>
@@ -10150,7 +10191,7 @@
         <p:spPr/>
         <p:txBody>
           <a:bodyPr>
-            <a:normAutofit lnSpcReduction="10000"/>
+            <a:normAutofit/>
           </a:bodyPr>
           <a:lstStyle/>
           <a:p>
@@ -10160,7 +10201,19 @@
             </a:pPr>
             <a:r>
               <a:rPr lang="en-US" dirty="0"/>
-              <a:t> Resources in your resource group should share the same lifecycle through which you can deploy, update &amp; delete them together. </a:t>
+              <a:t> A service which supplies Azure resources. For e.g. a common resource provider is </a:t>
+            </a:r>
+            <a:r>
+              <a:rPr lang="en-US" b="1" i="1" dirty="0" err="1"/>
+              <a:t>Microsoft.Compute</a:t>
+            </a:r>
+            <a:r>
+              <a:rPr lang="en-US" b="1" i="1" dirty="0"/>
+              <a:t> </a:t>
+            </a:r>
+            <a:r>
+              <a:rPr lang="en-US" dirty="0"/>
+              <a:t>which supplies the virtual machine resource. </a:t>
             </a:r>
           </a:p>
           <a:p>
@@ -10177,7 +10230,19 @@
             </a:pPr>
             <a:r>
               <a:rPr lang="en-US" dirty="0"/>
-              <a:t> Each resource can exist in only one resource group in a designated location. </a:t>
+              <a:t> </a:t>
+            </a:r>
+            <a:r>
+              <a:rPr lang="en-US" b="1" i="1" dirty="0" err="1"/>
+              <a:t>Microsoft.Storage</a:t>
+            </a:r>
+            <a:r>
+              <a:rPr lang="en-US" b="1" i="1" dirty="0"/>
+              <a:t> </a:t>
+            </a:r>
+            <a:r>
+              <a:rPr lang="en-US" dirty="0"/>
+              <a:t>is another common resource provider. The Azure subscription must be registered for the resource provider. The registration step enables to maintain the principles of least privileges within the subscription. </a:t>
             </a:r>
           </a:p>
           <a:p>
@@ -10194,7 +10259,7 @@
             </a:pPr>
             <a:r>
               <a:rPr lang="en-US" dirty="0"/>
-              <a:t> You can add / remove a resource to a resource group at any time. </a:t>
+              <a:t> You should have the permission to do the /register/action operation for the resource provider. The permission is included in the Contributor &amp; Owner roles. </a:t>
             </a:r>
           </a:p>
           <a:p>
@@ -10204,38 +10269,12 @@
             </a:pPr>
             <a:endParaRPr lang="en-US" dirty="0"/>
           </a:p>
-          <a:p>
-            <a:pPr>
-              <a:buFont typeface="Arial" panose="020B0604020202020204" pitchFamily="34" charset="0"/>
-              <a:buChar char="•"/>
-            </a:pPr>
-            <a:r>
-              <a:rPr lang="en-US" dirty="0"/>
-              <a:t> You can move a resource from one resource group to another group. </a:t>
-            </a:r>
-          </a:p>
-          <a:p>
-            <a:pPr marL="0" indent="0">
-              <a:buNone/>
-            </a:pPr>
-            <a:endParaRPr lang="en-US" dirty="0"/>
-          </a:p>
-          <a:p>
-            <a:pPr>
-              <a:buFont typeface="Arial" panose="020B0604020202020204" pitchFamily="34" charset="0"/>
-              <a:buChar char="•"/>
-            </a:pPr>
-            <a:r>
-              <a:rPr lang="en-US" dirty="0"/>
-              <a:t> The resources in a resource group can be located in different regions than the resource group.   </a:t>
-            </a:r>
-          </a:p>
         </p:txBody>
       </p:sp>
     </p:spTree>
     <p:extLst>
       <p:ext uri="{BB962C8B-B14F-4D97-AF65-F5344CB8AC3E}">
-        <p14:creationId xmlns:p14="http://schemas.microsoft.com/office/powerpoint/2010/main" val="3615120124"/>
+        <p14:creationId xmlns:p14="http://schemas.microsoft.com/office/powerpoint/2010/main" val="1281080212"/>
       </p:ext>
     </p:extLst>
   </p:cSld>
@@ -10267,7 +10306,7 @@
           <p:cNvPr id="2" name="Title 1">
             <a:extLst>
               <a:ext uri="{FF2B5EF4-FFF2-40B4-BE49-F238E27FC236}">
-                <a16:creationId xmlns:a16="http://schemas.microsoft.com/office/drawing/2014/main" id="{8CF9CEAE-FD1E-4FAE-8269-EA95CC1733E9}"/>
+                <a16:creationId xmlns:a16="http://schemas.microsoft.com/office/drawing/2014/main" id="{46CC65A2-F8AD-4923-BCCF-76136E9382AF}"/>
               </a:ext>
             </a:extLst>
           </p:cNvPr>
@@ -10280,14 +10319,12 @@
         </p:nvSpPr>
         <p:spPr/>
         <p:txBody>
-          <a:bodyPr>
-            <a:normAutofit/>
-          </a:bodyPr>
+          <a:bodyPr/>
           <a:lstStyle/>
           <a:p>
             <a:r>
               <a:rPr lang="en-US" dirty="0"/>
-              <a:t>Azure Resource Providers &amp; types</a:t>
+              <a:t>Overview of Azure Storage </a:t>
             </a:r>
           </a:p>
         </p:txBody>
@@ -10297,7 +10334,7 @@
           <p:cNvPr id="3" name="Content Placeholder 2">
             <a:extLst>
               <a:ext uri="{FF2B5EF4-FFF2-40B4-BE49-F238E27FC236}">
-                <a16:creationId xmlns:a16="http://schemas.microsoft.com/office/drawing/2014/main" id="{11D2802F-D26A-4C84-995E-44F47EAED394}"/>
+                <a16:creationId xmlns:a16="http://schemas.microsoft.com/office/drawing/2014/main" id="{1C4958AB-C175-45D1-A131-A284D76A46D0}"/>
               </a:ext>
             </a:extLst>
           </p:cNvPr>
@@ -10310,9 +10347,7 @@
         </p:nvSpPr>
         <p:spPr/>
         <p:txBody>
-          <a:bodyPr>
-            <a:normAutofit/>
-          </a:bodyPr>
+          <a:bodyPr/>
           <a:lstStyle/>
           <a:p>
             <a:pPr>
@@ -10321,19 +10356,7 @@
             </a:pPr>
             <a:r>
               <a:rPr lang="en-US" dirty="0"/>
-              <a:t> A service which supplies Azure resources. For e.g. a common resource provider is </a:t>
-            </a:r>
-            <a:r>
-              <a:rPr lang="en-US" b="1" i="1" dirty="0" err="1"/>
-              <a:t>Microsoft.Compute</a:t>
-            </a:r>
-            <a:r>
-              <a:rPr lang="en-US" b="1" i="1" dirty="0"/>
-              <a:t> </a:t>
-            </a:r>
-            <a:r>
-              <a:rPr lang="en-US" dirty="0"/>
-              <a:t>which supplies the virtual machine resource. </a:t>
+              <a:t> An Azure Storage account consists of all your Azure Storage data objects : blobs, file share, queue, table, disks. </a:t>
             </a:r>
           </a:p>
           <a:p>
@@ -10350,19 +10373,7 @@
             </a:pPr>
             <a:r>
               <a:rPr lang="en-US" dirty="0"/>
-              <a:t> </a:t>
-            </a:r>
-            <a:r>
-              <a:rPr lang="en-US" b="1" i="1" dirty="0" err="1"/>
-              <a:t>Microsoft.Storage</a:t>
-            </a:r>
-            <a:r>
-              <a:rPr lang="en-US" b="1" i="1" dirty="0"/>
-              <a:t> </a:t>
-            </a:r>
-            <a:r>
-              <a:rPr lang="en-US" dirty="0"/>
-              <a:t>is another common resource provider. The Azure subscription must be registered for the resource provider. The registration step enables to maintain the principles of least privileges within the subscription. </a:t>
+              <a:t> The storage account provides a unique namespace for your Azure Storage data which’s uniquely accessible from anywhere in the world over HTTP / HTTPS. </a:t>
             </a:r>
           </a:p>
           <a:p>
@@ -10379,22 +10390,15 @@
             </a:pPr>
             <a:r>
               <a:rPr lang="en-US" dirty="0"/>
-              <a:t> You should have the permission to do the /register/action operation for the resource provider. The permission is included in the Contributor &amp; Owner roles. </a:t>
-            </a:r>
-          </a:p>
-          <a:p>
-            <a:pPr>
-              <a:buFont typeface="Arial" panose="020B0604020202020204" pitchFamily="34" charset="0"/>
-              <a:buChar char="•"/>
-            </a:pPr>
-            <a:endParaRPr lang="en-US" dirty="0"/>
+              <a:t> Data stored in Storage account is highly durable , secure, available &amp; massively scalable. </a:t>
+            </a:r>
           </a:p>
         </p:txBody>
       </p:sp>
     </p:spTree>
     <p:extLst>
       <p:ext uri="{BB962C8B-B14F-4D97-AF65-F5344CB8AC3E}">
-        <p14:creationId xmlns:p14="http://schemas.microsoft.com/office/powerpoint/2010/main" val="1281080212"/>
+        <p14:creationId xmlns:p14="http://schemas.microsoft.com/office/powerpoint/2010/main" val="4125190208"/>
       </p:ext>
     </p:extLst>
   </p:cSld>
@@ -11506,6 +11510,384 @@
     <p:extLst>
       <p:ext uri="{BB962C8B-B14F-4D97-AF65-F5344CB8AC3E}">
         <p14:creationId xmlns:p14="http://schemas.microsoft.com/office/powerpoint/2010/main" val="950185379"/>
+      </p:ext>
+    </p:extLst>
+  </p:cSld>
+  <p:clrMapOvr>
+    <a:masterClrMapping/>
+  </p:clrMapOvr>
+</p:sld>
+</file>
+
+<file path=ppt/slides/slide30.xml><?xml version="1.0" encoding="utf-8"?>
+<p:sld xmlns:a="http://schemas.openxmlformats.org/drawingml/2006/main" xmlns:r="http://schemas.openxmlformats.org/officeDocument/2006/relationships" xmlns:p="http://schemas.openxmlformats.org/presentationml/2006/main">
+  <p:cSld>
+    <p:spTree>
+      <p:nvGrpSpPr>
+        <p:cNvPr id="1" name=""/>
+        <p:cNvGrpSpPr/>
+        <p:nvPr/>
+      </p:nvGrpSpPr>
+      <p:grpSpPr>
+        <a:xfrm>
+          <a:off x="0" y="0"/>
+          <a:ext cx="0" cy="0"/>
+          <a:chOff x="0" y="0"/>
+          <a:chExt cx="0" cy="0"/>
+        </a:xfrm>
+      </p:grpSpPr>
+      <p:sp>
+        <p:nvSpPr>
+          <p:cNvPr id="2" name="Title 1">
+            <a:extLst>
+              <a:ext uri="{FF2B5EF4-FFF2-40B4-BE49-F238E27FC236}">
+                <a16:creationId xmlns:a16="http://schemas.microsoft.com/office/drawing/2014/main" id="{6509B2C5-91EB-6F1E-40E4-727819DED96A}"/>
+              </a:ext>
+            </a:extLst>
+          </p:cNvPr>
+          <p:cNvSpPr>
+            <a:spLocks noGrp="1"/>
+          </p:cNvSpPr>
+          <p:nvPr>
+            <p:ph type="title"/>
+          </p:nvPr>
+        </p:nvSpPr>
+        <p:spPr/>
+        <p:txBody>
+          <a:bodyPr/>
+          <a:lstStyle/>
+          <a:p>
+            <a:r>
+              <a:rPr lang="en-IN" dirty="0"/>
+              <a:t>Azure Databricks</a:t>
+            </a:r>
+          </a:p>
+        </p:txBody>
+      </p:sp>
+      <p:sp>
+        <p:nvSpPr>
+          <p:cNvPr id="3" name="Content Placeholder 2">
+            <a:extLst>
+              <a:ext uri="{FF2B5EF4-FFF2-40B4-BE49-F238E27FC236}">
+                <a16:creationId xmlns:a16="http://schemas.microsoft.com/office/drawing/2014/main" id="{E4B48D26-0ADF-84B2-E685-879EE5F72F54}"/>
+              </a:ext>
+            </a:extLst>
+          </p:cNvPr>
+          <p:cNvSpPr>
+            <a:spLocks noGrp="1"/>
+          </p:cNvSpPr>
+          <p:nvPr>
+            <p:ph idx="1"/>
+          </p:nvPr>
+        </p:nvSpPr>
+        <p:spPr/>
+        <p:txBody>
+          <a:bodyPr/>
+          <a:lstStyle/>
+          <a:p>
+            <a:r>
+              <a:rPr lang="en-IN" b="0" i="0" dirty="0">
+                <a:solidFill>
+                  <a:srgbClr val="1B3139"/>
+                </a:solidFill>
+                <a:effectLst/>
+                <a:latin typeface="DM Sans" panose="020B0604020202020204" pitchFamily="2" charset="0"/>
+              </a:rPr>
+              <a:t>Azure Databricks is optimized for Azure and tightly integrated with Azure Data Lake Storage, Azure Data Factory, Azure Synapse Analytics, Power BI and other Azure services to store all your data on a simple, open </a:t>
+            </a:r>
+            <a:r>
+              <a:rPr lang="en-IN" b="0" i="0" dirty="0" err="1">
+                <a:solidFill>
+                  <a:srgbClr val="1B3139"/>
+                </a:solidFill>
+                <a:effectLst/>
+                <a:latin typeface="DM Sans" panose="020B0604020202020204" pitchFamily="2" charset="0"/>
+              </a:rPr>
+              <a:t>lakehouse</a:t>
+            </a:r>
+            <a:r>
+              <a:rPr lang="en-IN" b="0" i="0" dirty="0">
+                <a:solidFill>
+                  <a:srgbClr val="1B3139"/>
+                </a:solidFill>
+                <a:effectLst/>
+                <a:latin typeface="DM Sans" panose="020B0604020202020204" pitchFamily="2" charset="0"/>
+              </a:rPr>
+              <a:t> and unify all your analytics and AI workloads.</a:t>
+            </a:r>
+            <a:endParaRPr lang="en-IN" dirty="0"/>
+          </a:p>
+        </p:txBody>
+      </p:sp>
+    </p:spTree>
+    <p:extLst>
+      <p:ext uri="{BB962C8B-B14F-4D97-AF65-F5344CB8AC3E}">
+        <p14:creationId xmlns:p14="http://schemas.microsoft.com/office/powerpoint/2010/main" val="3520333715"/>
+      </p:ext>
+    </p:extLst>
+  </p:cSld>
+  <p:clrMapOvr>
+    <a:masterClrMapping/>
+  </p:clrMapOvr>
+</p:sld>
+</file>
+
+<file path=ppt/slides/slide31.xml><?xml version="1.0" encoding="utf-8"?>
+<p:sld xmlns:a="http://schemas.openxmlformats.org/drawingml/2006/main" xmlns:r="http://schemas.openxmlformats.org/officeDocument/2006/relationships" xmlns:p="http://schemas.openxmlformats.org/presentationml/2006/main">
+  <p:cSld>
+    <p:spTree>
+      <p:nvGrpSpPr>
+        <p:cNvPr id="1" name=""/>
+        <p:cNvGrpSpPr/>
+        <p:nvPr/>
+      </p:nvGrpSpPr>
+      <p:grpSpPr>
+        <a:xfrm>
+          <a:off x="0" y="0"/>
+          <a:ext cx="0" cy="0"/>
+          <a:chOff x="0" y="0"/>
+          <a:chExt cx="0" cy="0"/>
+        </a:xfrm>
+      </p:grpSpPr>
+      <p:sp>
+        <p:nvSpPr>
+          <p:cNvPr id="2" name="Title 1">
+            <a:extLst>
+              <a:ext uri="{FF2B5EF4-FFF2-40B4-BE49-F238E27FC236}">
+                <a16:creationId xmlns:a16="http://schemas.microsoft.com/office/drawing/2014/main" id="{45B2FF33-AB80-2411-19E4-0B6C1D9B4CFB}"/>
+              </a:ext>
+            </a:extLst>
+          </p:cNvPr>
+          <p:cNvSpPr>
+            <a:spLocks noGrp="1"/>
+          </p:cNvSpPr>
+          <p:nvPr>
+            <p:ph type="title"/>
+          </p:nvPr>
+        </p:nvSpPr>
+        <p:spPr/>
+        <p:txBody>
+          <a:bodyPr/>
+          <a:lstStyle/>
+          <a:p>
+            <a:r>
+              <a:rPr lang="en-IN" dirty="0"/>
+              <a:t>Azure Databricks</a:t>
+            </a:r>
+          </a:p>
+        </p:txBody>
+      </p:sp>
+      <p:pic>
+        <p:nvPicPr>
+          <p:cNvPr id="5" name="Content Placeholder 4">
+            <a:extLst>
+              <a:ext uri="{FF2B5EF4-FFF2-40B4-BE49-F238E27FC236}">
+                <a16:creationId xmlns:a16="http://schemas.microsoft.com/office/drawing/2014/main" id="{8D0723CA-C479-6A73-B5A1-C88DA3A5745E}"/>
+              </a:ext>
+            </a:extLst>
+          </p:cNvPr>
+          <p:cNvPicPr>
+            <a:picLocks noGrp="1" noChangeAspect="1"/>
+          </p:cNvPicPr>
+          <p:nvPr>
+            <p:ph idx="1"/>
+          </p:nvPr>
+        </p:nvPicPr>
+        <p:blipFill>
+          <a:blip r:embed="rId2"/>
+          <a:stretch>
+            <a:fillRect/>
+          </a:stretch>
+        </p:blipFill>
+        <p:spPr>
+          <a:xfrm>
+            <a:off x="2382338" y="1846263"/>
+            <a:ext cx="7487649" cy="4022725"/>
+          </a:xfrm>
+        </p:spPr>
+      </p:pic>
+    </p:spTree>
+    <p:extLst>
+      <p:ext uri="{BB962C8B-B14F-4D97-AF65-F5344CB8AC3E}">
+        <p14:creationId xmlns:p14="http://schemas.microsoft.com/office/powerpoint/2010/main" val="2209627522"/>
+      </p:ext>
+    </p:extLst>
+  </p:cSld>
+  <p:clrMapOvr>
+    <a:masterClrMapping/>
+  </p:clrMapOvr>
+</p:sld>
+</file>
+
+<file path=ppt/slides/slide32.xml><?xml version="1.0" encoding="utf-8"?>
+<p:sld xmlns:a="http://schemas.openxmlformats.org/drawingml/2006/main" xmlns:r="http://schemas.openxmlformats.org/officeDocument/2006/relationships" xmlns:p="http://schemas.openxmlformats.org/presentationml/2006/main">
+  <p:cSld>
+    <p:spTree>
+      <p:nvGrpSpPr>
+        <p:cNvPr id="1" name=""/>
+        <p:cNvGrpSpPr/>
+        <p:nvPr/>
+      </p:nvGrpSpPr>
+      <p:grpSpPr>
+        <a:xfrm>
+          <a:off x="0" y="0"/>
+          <a:ext cx="0" cy="0"/>
+          <a:chOff x="0" y="0"/>
+          <a:chExt cx="0" cy="0"/>
+        </a:xfrm>
+      </p:grpSpPr>
+      <p:sp>
+        <p:nvSpPr>
+          <p:cNvPr id="2" name="Title 1">
+            <a:extLst>
+              <a:ext uri="{FF2B5EF4-FFF2-40B4-BE49-F238E27FC236}">
+                <a16:creationId xmlns:a16="http://schemas.microsoft.com/office/drawing/2014/main" id="{FD425BF7-9FD4-34BC-525F-2867E83828FE}"/>
+              </a:ext>
+            </a:extLst>
+          </p:cNvPr>
+          <p:cNvSpPr>
+            <a:spLocks noGrp="1"/>
+          </p:cNvSpPr>
+          <p:nvPr>
+            <p:ph type="title"/>
+          </p:nvPr>
+        </p:nvSpPr>
+        <p:spPr/>
+        <p:txBody>
+          <a:bodyPr/>
+          <a:lstStyle/>
+          <a:p>
+            <a:r>
+              <a:rPr lang="en-IN" dirty="0"/>
+              <a:t>Snowflake </a:t>
+            </a:r>
+          </a:p>
+        </p:txBody>
+      </p:sp>
+      <p:pic>
+        <p:nvPicPr>
+          <p:cNvPr id="5" name="Content Placeholder 4">
+            <a:extLst>
+              <a:ext uri="{FF2B5EF4-FFF2-40B4-BE49-F238E27FC236}">
+                <a16:creationId xmlns:a16="http://schemas.microsoft.com/office/drawing/2014/main" id="{E74157AB-84BC-1E30-63F5-9B83B561FFF1}"/>
+              </a:ext>
+            </a:extLst>
+          </p:cNvPr>
+          <p:cNvPicPr>
+            <a:picLocks noGrp="1" noChangeAspect="1"/>
+          </p:cNvPicPr>
+          <p:nvPr>
+            <p:ph idx="1"/>
+          </p:nvPr>
+        </p:nvPicPr>
+        <p:blipFill>
+          <a:blip r:embed="rId2"/>
+          <a:stretch>
+            <a:fillRect/>
+          </a:stretch>
+        </p:blipFill>
+        <p:spPr>
+          <a:xfrm>
+            <a:off x="1592263" y="2109788"/>
+            <a:ext cx="9067800" cy="3495675"/>
+          </a:xfrm>
+        </p:spPr>
+      </p:pic>
+    </p:spTree>
+    <p:extLst>
+      <p:ext uri="{BB962C8B-B14F-4D97-AF65-F5344CB8AC3E}">
+        <p14:creationId xmlns:p14="http://schemas.microsoft.com/office/powerpoint/2010/main" val="4197266690"/>
+      </p:ext>
+    </p:extLst>
+  </p:cSld>
+  <p:clrMapOvr>
+    <a:masterClrMapping/>
+  </p:clrMapOvr>
+</p:sld>
+</file>
+
+<file path=ppt/slides/slide33.xml><?xml version="1.0" encoding="utf-8"?>
+<p:sld xmlns:a="http://schemas.openxmlformats.org/drawingml/2006/main" xmlns:r="http://schemas.openxmlformats.org/officeDocument/2006/relationships" xmlns:p="http://schemas.openxmlformats.org/presentationml/2006/main">
+  <p:cSld>
+    <p:spTree>
+      <p:nvGrpSpPr>
+        <p:cNvPr id="1" name=""/>
+        <p:cNvGrpSpPr/>
+        <p:nvPr/>
+      </p:nvGrpSpPr>
+      <p:grpSpPr>
+        <a:xfrm>
+          <a:off x="0" y="0"/>
+          <a:ext cx="0" cy="0"/>
+          <a:chOff x="0" y="0"/>
+          <a:chExt cx="0" cy="0"/>
+        </a:xfrm>
+      </p:grpSpPr>
+      <p:sp>
+        <p:nvSpPr>
+          <p:cNvPr id="2" name="Title 1">
+            <a:extLst>
+              <a:ext uri="{FF2B5EF4-FFF2-40B4-BE49-F238E27FC236}">
+                <a16:creationId xmlns:a16="http://schemas.microsoft.com/office/drawing/2014/main" id="{89843747-4C56-72AF-AEEB-C580C87CFF8F}"/>
+              </a:ext>
+            </a:extLst>
+          </p:cNvPr>
+          <p:cNvSpPr>
+            <a:spLocks noGrp="1"/>
+          </p:cNvSpPr>
+          <p:nvPr>
+            <p:ph type="title"/>
+          </p:nvPr>
+        </p:nvSpPr>
+        <p:spPr/>
+        <p:txBody>
+          <a:bodyPr/>
+          <a:lstStyle/>
+          <a:p>
+            <a:r>
+              <a:rPr lang="en-IN" dirty="0" err="1"/>
+              <a:t>SnowFlake</a:t>
+            </a:r>
+            <a:r>
+              <a:rPr lang="en-IN" dirty="0"/>
+              <a:t> Architecture </a:t>
+            </a:r>
+          </a:p>
+        </p:txBody>
+      </p:sp>
+      <p:pic>
+        <p:nvPicPr>
+          <p:cNvPr id="5" name="Content Placeholder 4">
+            <a:extLst>
+              <a:ext uri="{FF2B5EF4-FFF2-40B4-BE49-F238E27FC236}">
+                <a16:creationId xmlns:a16="http://schemas.microsoft.com/office/drawing/2014/main" id="{EE0BD50F-95AE-2322-3934-69F1C7A52C42}"/>
+              </a:ext>
+            </a:extLst>
+          </p:cNvPr>
+          <p:cNvPicPr>
+            <a:picLocks noGrp="1" noChangeAspect="1"/>
+          </p:cNvPicPr>
+          <p:nvPr>
+            <p:ph idx="1"/>
+          </p:nvPr>
+        </p:nvPicPr>
+        <p:blipFill>
+          <a:blip r:embed="rId2"/>
+          <a:stretch>
+            <a:fillRect/>
+          </a:stretch>
+        </p:blipFill>
+        <p:spPr>
+          <a:xfrm>
+            <a:off x="2559235" y="1846263"/>
+            <a:ext cx="7133855" cy="4022725"/>
+          </a:xfrm>
+        </p:spPr>
+      </p:pic>
+    </p:spTree>
+    <p:extLst>
+      <p:ext uri="{BB962C8B-B14F-4D97-AF65-F5344CB8AC3E}">
+        <p14:creationId xmlns:p14="http://schemas.microsoft.com/office/powerpoint/2010/main" val="1521873111"/>
       </p:ext>
     </p:extLst>
   </p:cSld>
